--- a/Python/powerpoint resources/peepo teaching.pptx
+++ b/Python/powerpoint resources/peepo teaching.pptx
@@ -7,6 +7,7 @@
   <p:sldIdLst>
     <p:sldId id="256" r:id="rId2"/>
     <p:sldId id="257" r:id="rId3"/>
+    <p:sldId id="258" r:id="rId4"/>
   </p:sldIdLst>
   <p:sldSz cx="9144000" cy="6858000" type="screen4x3"/>
   <p:notesSz cx="6858000" cy="9144000"/>
@@ -105,6 +106,22 @@
       </a:defRPr>
     </a:lvl9pPr>
   </p:defaultTextStyle>
+  <p:extLst>
+    <p:ext uri="{EFAFB233-063F-42B5-8137-9DF3F51BA10A}">
+      <p15:sldGuideLst xmlns:p15="http://schemas.microsoft.com/office/powerpoint/2012/main">
+        <p15:guide id="1" orient="horz" pos="2160">
+          <p15:clr>
+            <a:srgbClr val="A4A3A4"/>
+          </p15:clr>
+        </p15:guide>
+        <p15:guide id="2" pos="2880">
+          <p15:clr>
+            <a:srgbClr val="A4A3A4"/>
+          </p15:clr>
+        </p15:guide>
+      </p15:sldGuideLst>
+    </p:ext>
+  </p:extLst>
 </p:presentation>
 </file>
 
@@ -146,10 +163,9 @@
           <a:lstStyle/>
           <a:p>
             <a:r>
-              <a:rPr lang="en-US" smtClean="0"/>
+              <a:rPr lang="en-US"/>
               <a:t>Click to edit Master title style</a:t>
             </a:r>
-            <a:endParaRPr lang="en-US"/>
           </a:p>
         </p:txBody>
       </p:sp>
@@ -265,10 +281,9 @@
           </a:lstStyle>
           <a:p>
             <a:r>
-              <a:rPr lang="en-US" smtClean="0"/>
+              <a:rPr lang="en-US"/>
               <a:t>Click to edit Master subtitle style</a:t>
             </a:r>
-            <a:endParaRPr lang="en-US"/>
           </a:p>
         </p:txBody>
       </p:sp>
@@ -290,7 +305,7 @@
             <a:fld id="{75E20032-5587-4744-8728-83DCA1E4A38D}" type="datetimeFigureOut">
               <a:rPr lang="en-US" smtClean="0"/>
               <a:pPr/>
-              <a:t>2/25/2024</a:t>
+              <a:t>4/15/2024</a:t>
             </a:fld>
             <a:endParaRPr lang="en-US"/>
           </a:p>
@@ -380,10 +395,9 @@
           <a:lstStyle/>
           <a:p>
             <a:r>
-              <a:rPr lang="en-US" smtClean="0"/>
+              <a:rPr lang="en-US"/>
               <a:t>Click to edit Master title style</a:t>
             </a:r>
-            <a:endParaRPr lang="en-US"/>
           </a:p>
         </p:txBody>
       </p:sp>
@@ -404,38 +418,37 @@
           <a:p>
             <a:pPr lvl="0"/>
             <a:r>
-              <a:rPr lang="en-US" smtClean="0"/>
+              <a:rPr lang="en-US"/>
               <a:t>Click to edit Master text styles</a:t>
             </a:r>
           </a:p>
           <a:p>
             <a:pPr lvl="1"/>
             <a:r>
-              <a:rPr lang="en-US" smtClean="0"/>
+              <a:rPr lang="en-US"/>
               <a:t>Second level</a:t>
             </a:r>
           </a:p>
           <a:p>
             <a:pPr lvl="2"/>
             <a:r>
-              <a:rPr lang="en-US" smtClean="0"/>
+              <a:rPr lang="en-US"/>
               <a:t>Third level</a:t>
             </a:r>
           </a:p>
           <a:p>
             <a:pPr lvl="3"/>
             <a:r>
-              <a:rPr lang="en-US" smtClean="0"/>
+              <a:rPr lang="en-US"/>
               <a:t>Fourth level</a:t>
             </a:r>
           </a:p>
           <a:p>
             <a:pPr lvl="4"/>
             <a:r>
-              <a:rPr lang="en-US" smtClean="0"/>
+              <a:rPr lang="en-US"/>
               <a:t>Fifth level</a:t>
             </a:r>
-            <a:endParaRPr lang="en-US"/>
           </a:p>
         </p:txBody>
       </p:sp>
@@ -457,7 +470,7 @@
             <a:fld id="{75E20032-5587-4744-8728-83DCA1E4A38D}" type="datetimeFigureOut">
               <a:rPr lang="en-US" smtClean="0"/>
               <a:pPr/>
-              <a:t>2/25/2024</a:t>
+              <a:t>4/15/2024</a:t>
             </a:fld>
             <a:endParaRPr lang="en-US"/>
           </a:p>
@@ -552,10 +565,9 @@
           <a:lstStyle/>
           <a:p>
             <a:r>
-              <a:rPr lang="en-US" smtClean="0"/>
+              <a:rPr lang="en-US"/>
               <a:t>Click to edit Master title style</a:t>
             </a:r>
-            <a:endParaRPr lang="en-US"/>
           </a:p>
         </p:txBody>
       </p:sp>
@@ -581,38 +593,37 @@
           <a:p>
             <a:pPr lvl="0"/>
             <a:r>
-              <a:rPr lang="en-US" smtClean="0"/>
+              <a:rPr lang="en-US"/>
               <a:t>Click to edit Master text styles</a:t>
             </a:r>
           </a:p>
           <a:p>
             <a:pPr lvl="1"/>
             <a:r>
-              <a:rPr lang="en-US" smtClean="0"/>
+              <a:rPr lang="en-US"/>
               <a:t>Second level</a:t>
             </a:r>
           </a:p>
           <a:p>
             <a:pPr lvl="2"/>
             <a:r>
-              <a:rPr lang="en-US" smtClean="0"/>
+              <a:rPr lang="en-US"/>
               <a:t>Third level</a:t>
             </a:r>
           </a:p>
           <a:p>
             <a:pPr lvl="3"/>
             <a:r>
-              <a:rPr lang="en-US" smtClean="0"/>
+              <a:rPr lang="en-US"/>
               <a:t>Fourth level</a:t>
             </a:r>
           </a:p>
           <a:p>
             <a:pPr lvl="4"/>
             <a:r>
-              <a:rPr lang="en-US" smtClean="0"/>
+              <a:rPr lang="en-US"/>
               <a:t>Fifth level</a:t>
             </a:r>
-            <a:endParaRPr lang="en-US"/>
           </a:p>
         </p:txBody>
       </p:sp>
@@ -634,7 +645,7 @@
             <a:fld id="{75E20032-5587-4744-8728-83DCA1E4A38D}" type="datetimeFigureOut">
               <a:rPr lang="en-US" smtClean="0"/>
               <a:pPr/>
-              <a:t>2/25/2024</a:t>
+              <a:t>4/15/2024</a:t>
             </a:fld>
             <a:endParaRPr lang="en-US"/>
           </a:p>
@@ -724,10 +735,9 @@
           <a:lstStyle/>
           <a:p>
             <a:r>
-              <a:rPr lang="en-US" smtClean="0"/>
+              <a:rPr lang="en-US"/>
               <a:t>Click to edit Master title style</a:t>
             </a:r>
-            <a:endParaRPr lang="en-US"/>
           </a:p>
         </p:txBody>
       </p:sp>
@@ -748,38 +758,37 @@
           <a:p>
             <a:pPr lvl="0"/>
             <a:r>
-              <a:rPr lang="en-US" smtClean="0"/>
+              <a:rPr lang="en-US"/>
               <a:t>Click to edit Master text styles</a:t>
             </a:r>
           </a:p>
           <a:p>
             <a:pPr lvl="1"/>
             <a:r>
-              <a:rPr lang="en-US" smtClean="0"/>
+              <a:rPr lang="en-US"/>
               <a:t>Second level</a:t>
             </a:r>
           </a:p>
           <a:p>
             <a:pPr lvl="2"/>
             <a:r>
-              <a:rPr lang="en-US" smtClean="0"/>
+              <a:rPr lang="en-US"/>
               <a:t>Third level</a:t>
             </a:r>
           </a:p>
           <a:p>
             <a:pPr lvl="3"/>
             <a:r>
-              <a:rPr lang="en-US" smtClean="0"/>
+              <a:rPr lang="en-US"/>
               <a:t>Fourth level</a:t>
             </a:r>
           </a:p>
           <a:p>
             <a:pPr lvl="4"/>
             <a:r>
-              <a:rPr lang="en-US" smtClean="0"/>
+              <a:rPr lang="en-US"/>
               <a:t>Fifth level</a:t>
             </a:r>
-            <a:endParaRPr lang="en-US"/>
           </a:p>
         </p:txBody>
       </p:sp>
@@ -801,7 +810,7 @@
             <a:fld id="{75E20032-5587-4744-8728-83DCA1E4A38D}" type="datetimeFigureOut">
               <a:rPr lang="en-US" smtClean="0"/>
               <a:pPr/>
-              <a:t>2/25/2024</a:t>
+              <a:t>4/15/2024</a:t>
             </a:fld>
             <a:endParaRPr lang="en-US"/>
           </a:p>
@@ -900,10 +909,9 @@
           </a:lstStyle>
           <a:p>
             <a:r>
-              <a:rPr lang="en-US" smtClean="0"/>
+              <a:rPr lang="en-US"/>
               <a:t>Click to edit Master title style</a:t>
             </a:r>
-            <a:endParaRPr lang="en-US"/>
           </a:p>
         </p:txBody>
       </p:sp>
@@ -1020,7 +1028,7 @@
           <a:p>
             <a:pPr lvl="0"/>
             <a:r>
-              <a:rPr lang="en-US" smtClean="0"/>
+              <a:rPr lang="en-US"/>
               <a:t>Click to edit Master text styles</a:t>
             </a:r>
           </a:p>
@@ -1044,7 +1052,7 @@
             <a:fld id="{75E20032-5587-4744-8728-83DCA1E4A38D}" type="datetimeFigureOut">
               <a:rPr lang="en-US" smtClean="0"/>
               <a:pPr/>
-              <a:t>2/25/2024</a:t>
+              <a:t>4/15/2024</a:t>
             </a:fld>
             <a:endParaRPr lang="en-US"/>
           </a:p>
@@ -1134,10 +1142,9 @@
           <a:lstStyle/>
           <a:p>
             <a:r>
-              <a:rPr lang="en-US" smtClean="0"/>
+              <a:rPr lang="en-US"/>
               <a:t>Click to edit Master title style</a:t>
             </a:r>
-            <a:endParaRPr lang="en-US"/>
           </a:p>
         </p:txBody>
       </p:sp>
@@ -1191,38 +1198,37 @@
           <a:p>
             <a:pPr lvl="0"/>
             <a:r>
-              <a:rPr lang="en-US" smtClean="0"/>
+              <a:rPr lang="en-US"/>
               <a:t>Click to edit Master text styles</a:t>
             </a:r>
           </a:p>
           <a:p>
             <a:pPr lvl="1"/>
             <a:r>
-              <a:rPr lang="en-US" smtClean="0"/>
+              <a:rPr lang="en-US"/>
               <a:t>Second level</a:t>
             </a:r>
           </a:p>
           <a:p>
             <a:pPr lvl="2"/>
             <a:r>
-              <a:rPr lang="en-US" smtClean="0"/>
+              <a:rPr lang="en-US"/>
               <a:t>Third level</a:t>
             </a:r>
           </a:p>
           <a:p>
             <a:pPr lvl="3"/>
             <a:r>
-              <a:rPr lang="en-US" smtClean="0"/>
+              <a:rPr lang="en-US"/>
               <a:t>Fourth level</a:t>
             </a:r>
           </a:p>
           <a:p>
             <a:pPr lvl="4"/>
             <a:r>
-              <a:rPr lang="en-US" smtClean="0"/>
+              <a:rPr lang="en-US"/>
               <a:t>Fifth level</a:t>
             </a:r>
-            <a:endParaRPr lang="en-US"/>
           </a:p>
         </p:txBody>
       </p:sp>
@@ -1276,38 +1282,37 @@
           <a:p>
             <a:pPr lvl="0"/>
             <a:r>
-              <a:rPr lang="en-US" smtClean="0"/>
+              <a:rPr lang="en-US"/>
               <a:t>Click to edit Master text styles</a:t>
             </a:r>
           </a:p>
           <a:p>
             <a:pPr lvl="1"/>
             <a:r>
-              <a:rPr lang="en-US" smtClean="0"/>
+              <a:rPr lang="en-US"/>
               <a:t>Second level</a:t>
             </a:r>
           </a:p>
           <a:p>
             <a:pPr lvl="2"/>
             <a:r>
-              <a:rPr lang="en-US" smtClean="0"/>
+              <a:rPr lang="en-US"/>
               <a:t>Third level</a:t>
             </a:r>
           </a:p>
           <a:p>
             <a:pPr lvl="3"/>
             <a:r>
-              <a:rPr lang="en-US" smtClean="0"/>
+              <a:rPr lang="en-US"/>
               <a:t>Fourth level</a:t>
             </a:r>
           </a:p>
           <a:p>
             <a:pPr lvl="4"/>
             <a:r>
-              <a:rPr lang="en-US" smtClean="0"/>
+              <a:rPr lang="en-US"/>
               <a:t>Fifth level</a:t>
             </a:r>
-            <a:endParaRPr lang="en-US"/>
           </a:p>
         </p:txBody>
       </p:sp>
@@ -1329,7 +1334,7 @@
             <a:fld id="{75E20032-5587-4744-8728-83DCA1E4A38D}" type="datetimeFigureOut">
               <a:rPr lang="en-US" smtClean="0"/>
               <a:pPr/>
-              <a:t>2/25/2024</a:t>
+              <a:t>4/15/2024</a:t>
             </a:fld>
             <a:endParaRPr lang="en-US"/>
           </a:p>
@@ -1423,10 +1428,9 @@
           </a:lstStyle>
           <a:p>
             <a:r>
-              <a:rPr lang="en-US" smtClean="0"/>
+              <a:rPr lang="en-US"/>
               <a:t>Click to edit Master title style</a:t>
             </a:r>
-            <a:endParaRPr lang="en-US"/>
           </a:p>
         </p:txBody>
       </p:sp>
@@ -1489,7 +1493,7 @@
           <a:p>
             <a:pPr lvl="0"/>
             <a:r>
-              <a:rPr lang="en-US" smtClean="0"/>
+              <a:rPr lang="en-US"/>
               <a:t>Click to edit Master text styles</a:t>
             </a:r>
           </a:p>
@@ -1545,38 +1549,37 @@
           <a:p>
             <a:pPr lvl="0"/>
             <a:r>
-              <a:rPr lang="en-US" smtClean="0"/>
+              <a:rPr lang="en-US"/>
               <a:t>Click to edit Master text styles</a:t>
             </a:r>
           </a:p>
           <a:p>
             <a:pPr lvl="1"/>
             <a:r>
-              <a:rPr lang="en-US" smtClean="0"/>
+              <a:rPr lang="en-US"/>
               <a:t>Second level</a:t>
             </a:r>
           </a:p>
           <a:p>
             <a:pPr lvl="2"/>
             <a:r>
-              <a:rPr lang="en-US" smtClean="0"/>
+              <a:rPr lang="en-US"/>
               <a:t>Third level</a:t>
             </a:r>
           </a:p>
           <a:p>
             <a:pPr lvl="3"/>
             <a:r>
-              <a:rPr lang="en-US" smtClean="0"/>
+              <a:rPr lang="en-US"/>
               <a:t>Fourth level</a:t>
             </a:r>
           </a:p>
           <a:p>
             <a:pPr lvl="4"/>
             <a:r>
-              <a:rPr lang="en-US" smtClean="0"/>
+              <a:rPr lang="en-US"/>
               <a:t>Fifth level</a:t>
             </a:r>
-            <a:endParaRPr lang="en-US"/>
           </a:p>
         </p:txBody>
       </p:sp>
@@ -1639,7 +1642,7 @@
           <a:p>
             <a:pPr lvl="0"/>
             <a:r>
-              <a:rPr lang="en-US" smtClean="0"/>
+              <a:rPr lang="en-US"/>
               <a:t>Click to edit Master text styles</a:t>
             </a:r>
           </a:p>
@@ -1695,38 +1698,37 @@
           <a:p>
             <a:pPr lvl="0"/>
             <a:r>
-              <a:rPr lang="en-US" smtClean="0"/>
+              <a:rPr lang="en-US"/>
               <a:t>Click to edit Master text styles</a:t>
             </a:r>
           </a:p>
           <a:p>
             <a:pPr lvl="1"/>
             <a:r>
-              <a:rPr lang="en-US" smtClean="0"/>
+              <a:rPr lang="en-US"/>
               <a:t>Second level</a:t>
             </a:r>
           </a:p>
           <a:p>
             <a:pPr lvl="2"/>
             <a:r>
-              <a:rPr lang="en-US" smtClean="0"/>
+              <a:rPr lang="en-US"/>
               <a:t>Third level</a:t>
             </a:r>
           </a:p>
           <a:p>
             <a:pPr lvl="3"/>
             <a:r>
-              <a:rPr lang="en-US" smtClean="0"/>
+              <a:rPr lang="en-US"/>
               <a:t>Fourth level</a:t>
             </a:r>
           </a:p>
           <a:p>
             <a:pPr lvl="4"/>
             <a:r>
-              <a:rPr lang="en-US" smtClean="0"/>
+              <a:rPr lang="en-US"/>
               <a:t>Fifth level</a:t>
             </a:r>
-            <a:endParaRPr lang="en-US"/>
           </a:p>
         </p:txBody>
       </p:sp>
@@ -1748,7 +1750,7 @@
             <a:fld id="{75E20032-5587-4744-8728-83DCA1E4A38D}" type="datetimeFigureOut">
               <a:rPr lang="en-US" smtClean="0"/>
               <a:pPr/>
-              <a:t>2/25/2024</a:t>
+              <a:t>4/15/2024</a:t>
             </a:fld>
             <a:endParaRPr lang="en-US"/>
           </a:p>
@@ -1838,10 +1840,9 @@
           <a:lstStyle/>
           <a:p>
             <a:r>
-              <a:rPr lang="en-US" smtClean="0"/>
+              <a:rPr lang="en-US"/>
               <a:t>Click to edit Master title style</a:t>
             </a:r>
-            <a:endParaRPr lang="en-US"/>
           </a:p>
         </p:txBody>
       </p:sp>
@@ -1863,7 +1864,7 @@
             <a:fld id="{75E20032-5587-4744-8728-83DCA1E4A38D}" type="datetimeFigureOut">
               <a:rPr lang="en-US" smtClean="0"/>
               <a:pPr/>
-              <a:t>2/25/2024</a:t>
+              <a:t>4/15/2024</a:t>
             </a:fld>
             <a:endParaRPr lang="en-US"/>
           </a:p>
@@ -1955,7 +1956,7 @@
             <a:fld id="{75E20032-5587-4744-8728-83DCA1E4A38D}" type="datetimeFigureOut">
               <a:rPr lang="en-US" smtClean="0"/>
               <a:pPr/>
-              <a:t>2/25/2024</a:t>
+              <a:t>4/15/2024</a:t>
             </a:fld>
             <a:endParaRPr lang="en-US"/>
           </a:p>
@@ -2054,10 +2055,9 @@
           </a:lstStyle>
           <a:p>
             <a:r>
-              <a:rPr lang="en-US" smtClean="0"/>
+              <a:rPr lang="en-US"/>
               <a:t>Click to edit Master title style</a:t>
             </a:r>
-            <a:endParaRPr lang="en-US"/>
           </a:p>
         </p:txBody>
       </p:sp>
@@ -2111,38 +2111,37 @@
           <a:p>
             <a:pPr lvl="0"/>
             <a:r>
-              <a:rPr lang="en-US" smtClean="0"/>
+              <a:rPr lang="en-US"/>
               <a:t>Click to edit Master text styles</a:t>
             </a:r>
           </a:p>
           <a:p>
             <a:pPr lvl="1"/>
             <a:r>
-              <a:rPr lang="en-US" smtClean="0"/>
+              <a:rPr lang="en-US"/>
               <a:t>Second level</a:t>
             </a:r>
           </a:p>
           <a:p>
             <a:pPr lvl="2"/>
             <a:r>
-              <a:rPr lang="en-US" smtClean="0"/>
+              <a:rPr lang="en-US"/>
               <a:t>Third level</a:t>
             </a:r>
           </a:p>
           <a:p>
             <a:pPr lvl="3"/>
             <a:r>
-              <a:rPr lang="en-US" smtClean="0"/>
+              <a:rPr lang="en-US"/>
               <a:t>Fourth level</a:t>
             </a:r>
           </a:p>
           <a:p>
             <a:pPr lvl="4"/>
             <a:r>
-              <a:rPr lang="en-US" smtClean="0"/>
+              <a:rPr lang="en-US"/>
               <a:t>Fifth level</a:t>
             </a:r>
-            <a:endParaRPr lang="en-US"/>
           </a:p>
         </p:txBody>
       </p:sp>
@@ -2205,7 +2204,7 @@
           <a:p>
             <a:pPr lvl="0"/>
             <a:r>
-              <a:rPr lang="en-US" smtClean="0"/>
+              <a:rPr lang="en-US"/>
               <a:t>Click to edit Master text styles</a:t>
             </a:r>
           </a:p>
@@ -2229,7 +2228,7 @@
             <a:fld id="{75E20032-5587-4744-8728-83DCA1E4A38D}" type="datetimeFigureOut">
               <a:rPr lang="en-US" smtClean="0"/>
               <a:pPr/>
-              <a:t>2/25/2024</a:t>
+              <a:t>4/15/2024</a:t>
             </a:fld>
             <a:endParaRPr lang="en-US"/>
           </a:p>
@@ -2328,10 +2327,9 @@
           </a:lstStyle>
           <a:p>
             <a:r>
-              <a:rPr lang="en-US" smtClean="0"/>
+              <a:rPr lang="en-US"/>
               <a:t>Click to edit Master title style</a:t>
             </a:r>
-            <a:endParaRPr lang="en-US"/>
           </a:p>
         </p:txBody>
       </p:sp>
@@ -2455,7 +2453,7 @@
           <a:p>
             <a:pPr lvl="0"/>
             <a:r>
-              <a:rPr lang="en-US" smtClean="0"/>
+              <a:rPr lang="en-US"/>
               <a:t>Click to edit Master text styles</a:t>
             </a:r>
           </a:p>
@@ -2479,7 +2477,7 @@
             <a:fld id="{75E20032-5587-4744-8728-83DCA1E4A38D}" type="datetimeFigureOut">
               <a:rPr lang="en-US" smtClean="0"/>
               <a:pPr/>
-              <a:t>2/25/2024</a:t>
+              <a:t>4/15/2024</a:t>
             </a:fld>
             <a:endParaRPr lang="en-US"/>
           </a:p>
@@ -2584,10 +2582,9 @@
           <a:lstStyle/>
           <a:p>
             <a:r>
-              <a:rPr lang="en-US" smtClean="0"/>
+              <a:rPr lang="en-US"/>
               <a:t>Click to edit Master title style</a:t>
             </a:r>
-            <a:endParaRPr lang="en-US"/>
           </a:p>
         </p:txBody>
       </p:sp>
@@ -2618,38 +2615,37 @@
           <a:p>
             <a:pPr lvl="0"/>
             <a:r>
-              <a:rPr lang="en-US" smtClean="0"/>
+              <a:rPr lang="en-US"/>
               <a:t>Click to edit Master text styles</a:t>
             </a:r>
           </a:p>
           <a:p>
             <a:pPr lvl="1"/>
             <a:r>
-              <a:rPr lang="en-US" smtClean="0"/>
+              <a:rPr lang="en-US"/>
               <a:t>Second level</a:t>
             </a:r>
           </a:p>
           <a:p>
             <a:pPr lvl="2"/>
             <a:r>
-              <a:rPr lang="en-US" smtClean="0"/>
+              <a:rPr lang="en-US"/>
               <a:t>Third level</a:t>
             </a:r>
           </a:p>
           <a:p>
             <a:pPr lvl="3"/>
             <a:r>
-              <a:rPr lang="en-US" smtClean="0"/>
+              <a:rPr lang="en-US"/>
               <a:t>Fourth level</a:t>
             </a:r>
           </a:p>
           <a:p>
             <a:pPr lvl="4"/>
             <a:r>
-              <a:rPr lang="en-US" smtClean="0"/>
+              <a:rPr lang="en-US"/>
               <a:t>Fifth level</a:t>
             </a:r>
-            <a:endParaRPr lang="en-US"/>
           </a:p>
         </p:txBody>
       </p:sp>
@@ -2689,7 +2685,7 @@
             <a:fld id="{75E20032-5587-4744-8728-83DCA1E4A38D}" type="datetimeFigureOut">
               <a:rPr lang="en-US" smtClean="0"/>
               <a:pPr/>
-              <a:t>2/25/2024</a:t>
+              <a:t>4/15/2024</a:t>
             </a:fld>
             <a:endParaRPr lang="en-US"/>
           </a:p>
@@ -7104,6 +7100,4184 @@
         <p:spPr>
           <a:xfrm>
             <a:off x="609600" y="838200"/>
+            <a:ext cx="3733800" cy="3539430"/>
+          </a:xfrm>
+          <a:prstGeom prst="rect">
+            <a:avLst/>
+          </a:prstGeom>
+          <a:noFill/>
+        </p:spPr>
+        <p:txBody>
+          <a:bodyPr wrap="square" rtlCol="0">
+            <a:spAutoFit/>
+          </a:bodyPr>
+          <a:lstStyle/>
+          <a:p>
+            <a:r>
+              <a:rPr lang="en-US" sz="3200" b="1" dirty="0"/>
+              <a:t>#welcome to python</a:t>
+            </a:r>
+          </a:p>
+          <a:p>
+            <a:endParaRPr lang="en-US" sz="3200" b="1" dirty="0"/>
+          </a:p>
+          <a:p>
+            <a:r>
+              <a:rPr lang="en-US" sz="3200" b="1" dirty="0"/>
+              <a:t>A = “Hello World!”</a:t>
+            </a:r>
+          </a:p>
+          <a:p>
+            <a:endParaRPr lang="en-US" sz="3200" b="1" dirty="0"/>
+          </a:p>
+          <a:p>
+            <a:r>
+              <a:rPr lang="en-US" sz="3200" b="1" dirty="0"/>
+              <a:t>print(A)</a:t>
+            </a:r>
+          </a:p>
+          <a:p>
+            <a:endParaRPr lang="en-US" sz="3200" b="1" dirty="0"/>
+          </a:p>
+          <a:p>
+            <a:r>
+              <a:rPr lang="en-US" sz="3200" b="1" dirty="0"/>
+              <a:t>print(65+4)</a:t>
+            </a:r>
+          </a:p>
+        </p:txBody>
+      </p:sp>
+      <p:grpSp>
+        <p:nvGrpSpPr>
+          <p:cNvPr id="37" name="Group 36"/>
+          <p:cNvGrpSpPr/>
+          <p:nvPr/>
+        </p:nvGrpSpPr>
+        <p:grpSpPr>
+          <a:xfrm rot="1629893">
+            <a:off x="4521656" y="2166370"/>
+            <a:ext cx="4117345" cy="4846322"/>
+            <a:chOff x="1904235" y="381000"/>
+            <a:chExt cx="5788007" cy="6324602"/>
+          </a:xfrm>
+        </p:grpSpPr>
+        <p:grpSp>
+          <p:nvGrpSpPr>
+            <p:cNvPr id="38" name="Group 50"/>
+            <p:cNvGrpSpPr/>
+            <p:nvPr/>
+          </p:nvGrpSpPr>
+          <p:grpSpPr>
+            <a:xfrm>
+              <a:off x="1904235" y="609600"/>
+              <a:ext cx="5788007" cy="6096002"/>
+              <a:chOff x="1904235" y="609600"/>
+              <a:chExt cx="5788007" cy="6096002"/>
+            </a:xfrm>
+          </p:grpSpPr>
+          <p:grpSp>
+            <p:nvGrpSpPr>
+              <p:cNvPr id="40" name="Group 36"/>
+              <p:cNvGrpSpPr/>
+              <p:nvPr/>
+            </p:nvGrpSpPr>
+            <p:grpSpPr>
+              <a:xfrm rot="18730467" flipH="1">
+                <a:off x="1012897" y="3080790"/>
+                <a:ext cx="2590783" cy="808108"/>
+                <a:chOff x="1297538" y="1584886"/>
+                <a:chExt cx="4581149" cy="1149773"/>
+              </a:xfrm>
+            </p:grpSpPr>
+            <p:sp>
+              <p:nvSpPr>
+                <p:cNvPr id="71" name="Freeform 70"/>
+                <p:cNvSpPr/>
+                <p:nvPr/>
+              </p:nvSpPr>
+              <p:spPr>
+                <a:xfrm rot="19138753">
+                  <a:off x="1297538" y="1584886"/>
+                  <a:ext cx="4581149" cy="1149773"/>
+                </a:xfrm>
+                <a:custGeom>
+                  <a:avLst/>
+                  <a:gdLst>
+                    <a:gd name="connsiteX0" fmla="*/ 0 w 5410200"/>
+                    <a:gd name="connsiteY0" fmla="*/ 495300 h 990600"/>
+                    <a:gd name="connsiteX1" fmla="*/ 2217901 w 5410200"/>
+                    <a:gd name="connsiteY1" fmla="*/ 8103 h 990600"/>
+                    <a:gd name="connsiteX2" fmla="*/ 2705101 w 5410200"/>
+                    <a:gd name="connsiteY2" fmla="*/ 4 h 990600"/>
+                    <a:gd name="connsiteX3" fmla="*/ 3192302 w 5410200"/>
+                    <a:gd name="connsiteY3" fmla="*/ 8103 h 990600"/>
+                    <a:gd name="connsiteX4" fmla="*/ 5410200 w 5410200"/>
+                    <a:gd name="connsiteY4" fmla="*/ 495308 h 990600"/>
+                    <a:gd name="connsiteX5" fmla="*/ 3192300 w 5410200"/>
+                    <a:gd name="connsiteY5" fmla="*/ 982509 h 990600"/>
+                    <a:gd name="connsiteX6" fmla="*/ 2705099 w 5410200"/>
+                    <a:gd name="connsiteY6" fmla="*/ 990608 h 990600"/>
+                    <a:gd name="connsiteX7" fmla="*/ 2217898 w 5410200"/>
+                    <a:gd name="connsiteY7" fmla="*/ 982509 h 990600"/>
+                    <a:gd name="connsiteX8" fmla="*/ -1 w 5410200"/>
+                    <a:gd name="connsiteY8" fmla="*/ 495305 h 990600"/>
+                    <a:gd name="connsiteX9" fmla="*/ 0 w 5410200"/>
+                    <a:gd name="connsiteY9" fmla="*/ 495300 h 990600"/>
+                    <a:gd name="connsiteX0" fmla="*/ 9 w 5410221"/>
+                    <a:gd name="connsiteY0" fmla="*/ 495296 h 1066804"/>
+                    <a:gd name="connsiteX1" fmla="*/ 2217910 w 5410221"/>
+                    <a:gd name="connsiteY1" fmla="*/ 8099 h 1066804"/>
+                    <a:gd name="connsiteX2" fmla="*/ 2705110 w 5410221"/>
+                    <a:gd name="connsiteY2" fmla="*/ 0 h 1066804"/>
+                    <a:gd name="connsiteX3" fmla="*/ 3192311 w 5410221"/>
+                    <a:gd name="connsiteY3" fmla="*/ 8099 h 1066804"/>
+                    <a:gd name="connsiteX4" fmla="*/ 5410209 w 5410221"/>
+                    <a:gd name="connsiteY4" fmla="*/ 495304 h 1066804"/>
+                    <a:gd name="connsiteX5" fmla="*/ 3192309 w 5410221"/>
+                    <a:gd name="connsiteY5" fmla="*/ 982505 h 1066804"/>
+                    <a:gd name="connsiteX6" fmla="*/ 2705108 w 5410221"/>
+                    <a:gd name="connsiteY6" fmla="*/ 1066804 h 1066804"/>
+                    <a:gd name="connsiteX7" fmla="*/ 2217907 w 5410221"/>
+                    <a:gd name="connsiteY7" fmla="*/ 982505 h 1066804"/>
+                    <a:gd name="connsiteX8" fmla="*/ 8 w 5410221"/>
+                    <a:gd name="connsiteY8" fmla="*/ 495301 h 1066804"/>
+                    <a:gd name="connsiteX9" fmla="*/ 9 w 5410221"/>
+                    <a:gd name="connsiteY9" fmla="*/ 495296 h 1066804"/>
+                    <a:gd name="connsiteX0" fmla="*/ 9 w 5410221"/>
+                    <a:gd name="connsiteY0" fmla="*/ 495296 h 1079504"/>
+                    <a:gd name="connsiteX1" fmla="*/ 2217910 w 5410221"/>
+                    <a:gd name="connsiteY1" fmla="*/ 8099 h 1079504"/>
+                    <a:gd name="connsiteX2" fmla="*/ 2705110 w 5410221"/>
+                    <a:gd name="connsiteY2" fmla="*/ 0 h 1079504"/>
+                    <a:gd name="connsiteX3" fmla="*/ 3192311 w 5410221"/>
+                    <a:gd name="connsiteY3" fmla="*/ 8099 h 1079504"/>
+                    <a:gd name="connsiteX4" fmla="*/ 5410209 w 5410221"/>
+                    <a:gd name="connsiteY4" fmla="*/ 495304 h 1079504"/>
+                    <a:gd name="connsiteX5" fmla="*/ 3192309 w 5410221"/>
+                    <a:gd name="connsiteY5" fmla="*/ 982505 h 1079504"/>
+                    <a:gd name="connsiteX6" fmla="*/ 2705108 w 5410221"/>
+                    <a:gd name="connsiteY6" fmla="*/ 1066804 h 1079504"/>
+                    <a:gd name="connsiteX7" fmla="*/ 2217907 w 5410221"/>
+                    <a:gd name="connsiteY7" fmla="*/ 1058705 h 1079504"/>
+                    <a:gd name="connsiteX8" fmla="*/ 8 w 5410221"/>
+                    <a:gd name="connsiteY8" fmla="*/ 495301 h 1079504"/>
+                    <a:gd name="connsiteX9" fmla="*/ 9 w 5410221"/>
+                    <a:gd name="connsiteY9" fmla="*/ 495296 h 1079504"/>
+                    <a:gd name="connsiteX0" fmla="*/ 9 w 5410221"/>
+                    <a:gd name="connsiteY0" fmla="*/ 495296 h 1066804"/>
+                    <a:gd name="connsiteX1" fmla="*/ 2217910 w 5410221"/>
+                    <a:gd name="connsiteY1" fmla="*/ 8099 h 1066804"/>
+                    <a:gd name="connsiteX2" fmla="*/ 2705110 w 5410221"/>
+                    <a:gd name="connsiteY2" fmla="*/ 0 h 1066804"/>
+                    <a:gd name="connsiteX3" fmla="*/ 3192311 w 5410221"/>
+                    <a:gd name="connsiteY3" fmla="*/ 8099 h 1066804"/>
+                    <a:gd name="connsiteX4" fmla="*/ 5410209 w 5410221"/>
+                    <a:gd name="connsiteY4" fmla="*/ 495304 h 1066804"/>
+                    <a:gd name="connsiteX5" fmla="*/ 3192309 w 5410221"/>
+                    <a:gd name="connsiteY5" fmla="*/ 1058705 h 1066804"/>
+                    <a:gd name="connsiteX6" fmla="*/ 2705108 w 5410221"/>
+                    <a:gd name="connsiteY6" fmla="*/ 1066804 h 1066804"/>
+                    <a:gd name="connsiteX7" fmla="*/ 2217907 w 5410221"/>
+                    <a:gd name="connsiteY7" fmla="*/ 1058705 h 1066804"/>
+                    <a:gd name="connsiteX8" fmla="*/ 8 w 5410221"/>
+                    <a:gd name="connsiteY8" fmla="*/ 495301 h 1066804"/>
+                    <a:gd name="connsiteX9" fmla="*/ 9 w 5410221"/>
+                    <a:gd name="connsiteY9" fmla="*/ 495296 h 1066804"/>
+                    <a:gd name="connsiteX0" fmla="*/ 9 w 5410221"/>
+                    <a:gd name="connsiteY0" fmla="*/ 571496 h 1143004"/>
+                    <a:gd name="connsiteX1" fmla="*/ 2217910 w 5410221"/>
+                    <a:gd name="connsiteY1" fmla="*/ 84299 h 1143004"/>
+                    <a:gd name="connsiteX2" fmla="*/ 2705110 w 5410221"/>
+                    <a:gd name="connsiteY2" fmla="*/ 0 h 1143004"/>
+                    <a:gd name="connsiteX3" fmla="*/ 3192311 w 5410221"/>
+                    <a:gd name="connsiteY3" fmla="*/ 84299 h 1143004"/>
+                    <a:gd name="connsiteX4" fmla="*/ 5410209 w 5410221"/>
+                    <a:gd name="connsiteY4" fmla="*/ 571504 h 1143004"/>
+                    <a:gd name="connsiteX5" fmla="*/ 3192309 w 5410221"/>
+                    <a:gd name="connsiteY5" fmla="*/ 1134905 h 1143004"/>
+                    <a:gd name="connsiteX6" fmla="*/ 2705108 w 5410221"/>
+                    <a:gd name="connsiteY6" fmla="*/ 1143004 h 1143004"/>
+                    <a:gd name="connsiteX7" fmla="*/ 2217907 w 5410221"/>
+                    <a:gd name="connsiteY7" fmla="*/ 1134905 h 1143004"/>
+                    <a:gd name="connsiteX8" fmla="*/ 8 w 5410221"/>
+                    <a:gd name="connsiteY8" fmla="*/ 571501 h 1143004"/>
+                    <a:gd name="connsiteX9" fmla="*/ 9 w 5410221"/>
+                    <a:gd name="connsiteY9" fmla="*/ 571496 h 1143004"/>
+                    <a:gd name="connsiteX0" fmla="*/ 9 w 5410221"/>
+                    <a:gd name="connsiteY0" fmla="*/ 584196 h 1155704"/>
+                    <a:gd name="connsiteX1" fmla="*/ 2217910 w 5410221"/>
+                    <a:gd name="connsiteY1" fmla="*/ 96999 h 1155704"/>
+                    <a:gd name="connsiteX2" fmla="*/ 2705110 w 5410221"/>
+                    <a:gd name="connsiteY2" fmla="*/ 12700 h 1155704"/>
+                    <a:gd name="connsiteX3" fmla="*/ 3192311 w 5410221"/>
+                    <a:gd name="connsiteY3" fmla="*/ 20799 h 1155704"/>
+                    <a:gd name="connsiteX4" fmla="*/ 5410209 w 5410221"/>
+                    <a:gd name="connsiteY4" fmla="*/ 584204 h 1155704"/>
+                    <a:gd name="connsiteX5" fmla="*/ 3192309 w 5410221"/>
+                    <a:gd name="connsiteY5" fmla="*/ 1147605 h 1155704"/>
+                    <a:gd name="connsiteX6" fmla="*/ 2705108 w 5410221"/>
+                    <a:gd name="connsiteY6" fmla="*/ 1155704 h 1155704"/>
+                    <a:gd name="connsiteX7" fmla="*/ 2217907 w 5410221"/>
+                    <a:gd name="connsiteY7" fmla="*/ 1147605 h 1155704"/>
+                    <a:gd name="connsiteX8" fmla="*/ 8 w 5410221"/>
+                    <a:gd name="connsiteY8" fmla="*/ 584201 h 1155704"/>
+                    <a:gd name="connsiteX9" fmla="*/ 9 w 5410221"/>
+                    <a:gd name="connsiteY9" fmla="*/ 584196 h 1155704"/>
+                    <a:gd name="connsiteX0" fmla="*/ 9 w 5410221"/>
+                    <a:gd name="connsiteY0" fmla="*/ 571496 h 1143004"/>
+                    <a:gd name="connsiteX1" fmla="*/ 2217910 w 5410221"/>
+                    <a:gd name="connsiteY1" fmla="*/ 8099 h 1143004"/>
+                    <a:gd name="connsiteX2" fmla="*/ 2705110 w 5410221"/>
+                    <a:gd name="connsiteY2" fmla="*/ 0 h 1143004"/>
+                    <a:gd name="connsiteX3" fmla="*/ 3192311 w 5410221"/>
+                    <a:gd name="connsiteY3" fmla="*/ 8099 h 1143004"/>
+                    <a:gd name="connsiteX4" fmla="*/ 5410209 w 5410221"/>
+                    <a:gd name="connsiteY4" fmla="*/ 571504 h 1143004"/>
+                    <a:gd name="connsiteX5" fmla="*/ 3192309 w 5410221"/>
+                    <a:gd name="connsiteY5" fmla="*/ 1134905 h 1143004"/>
+                    <a:gd name="connsiteX6" fmla="*/ 2705108 w 5410221"/>
+                    <a:gd name="connsiteY6" fmla="*/ 1143004 h 1143004"/>
+                    <a:gd name="connsiteX7" fmla="*/ 2217907 w 5410221"/>
+                    <a:gd name="connsiteY7" fmla="*/ 1134905 h 1143004"/>
+                    <a:gd name="connsiteX8" fmla="*/ 8 w 5410221"/>
+                    <a:gd name="connsiteY8" fmla="*/ 571501 h 1143004"/>
+                    <a:gd name="connsiteX9" fmla="*/ 9 w 5410221"/>
+                    <a:gd name="connsiteY9" fmla="*/ 571496 h 1143004"/>
+                    <a:gd name="connsiteX0" fmla="*/ 9 w 5410209"/>
+                    <a:gd name="connsiteY0" fmla="*/ 571496 h 1143004"/>
+                    <a:gd name="connsiteX1" fmla="*/ 2217910 w 5410209"/>
+                    <a:gd name="connsiteY1" fmla="*/ 8099 h 1143004"/>
+                    <a:gd name="connsiteX2" fmla="*/ 2705110 w 5410209"/>
+                    <a:gd name="connsiteY2" fmla="*/ 0 h 1143004"/>
+                    <a:gd name="connsiteX3" fmla="*/ 3192311 w 5410209"/>
+                    <a:gd name="connsiteY3" fmla="*/ 8099 h 1143004"/>
+                    <a:gd name="connsiteX4" fmla="*/ 5410209 w 5410209"/>
+                    <a:gd name="connsiteY4" fmla="*/ 571504 h 1143004"/>
+                    <a:gd name="connsiteX5" fmla="*/ 3192309 w 5410209"/>
+                    <a:gd name="connsiteY5" fmla="*/ 1134905 h 1143004"/>
+                    <a:gd name="connsiteX6" fmla="*/ 2705108 w 5410209"/>
+                    <a:gd name="connsiteY6" fmla="*/ 1143004 h 1143004"/>
+                    <a:gd name="connsiteX7" fmla="*/ 2217907 w 5410209"/>
+                    <a:gd name="connsiteY7" fmla="*/ 1134905 h 1143004"/>
+                    <a:gd name="connsiteX8" fmla="*/ 8 w 5410209"/>
+                    <a:gd name="connsiteY8" fmla="*/ 571501 h 1143004"/>
+                    <a:gd name="connsiteX9" fmla="*/ 9 w 5410209"/>
+                    <a:gd name="connsiteY9" fmla="*/ 571496 h 1143004"/>
+                    <a:gd name="connsiteX0" fmla="*/ 9 w 5438149"/>
+                    <a:gd name="connsiteY0" fmla="*/ 571496 h 1143004"/>
+                    <a:gd name="connsiteX1" fmla="*/ 2217910 w 5438149"/>
+                    <a:gd name="connsiteY1" fmla="*/ 8099 h 1143004"/>
+                    <a:gd name="connsiteX2" fmla="*/ 2705110 w 5438149"/>
+                    <a:gd name="connsiteY2" fmla="*/ 0 h 1143004"/>
+                    <a:gd name="connsiteX3" fmla="*/ 3192311 w 5438149"/>
+                    <a:gd name="connsiteY3" fmla="*/ 8099 h 1143004"/>
+                    <a:gd name="connsiteX4" fmla="*/ 5410209 w 5438149"/>
+                    <a:gd name="connsiteY4" fmla="*/ 571504 h 1143004"/>
+                    <a:gd name="connsiteX5" fmla="*/ 3192309 w 5438149"/>
+                    <a:gd name="connsiteY5" fmla="*/ 1134905 h 1143004"/>
+                    <a:gd name="connsiteX6" fmla="*/ 2705108 w 5438149"/>
+                    <a:gd name="connsiteY6" fmla="*/ 1143004 h 1143004"/>
+                    <a:gd name="connsiteX7" fmla="*/ 2217907 w 5438149"/>
+                    <a:gd name="connsiteY7" fmla="*/ 1134905 h 1143004"/>
+                    <a:gd name="connsiteX8" fmla="*/ 8 w 5438149"/>
+                    <a:gd name="connsiteY8" fmla="*/ 571501 h 1143004"/>
+                    <a:gd name="connsiteX9" fmla="*/ 9 w 5438149"/>
+                    <a:gd name="connsiteY9" fmla="*/ 571496 h 1143004"/>
+                    <a:gd name="connsiteX0" fmla="*/ 9 w 5514349"/>
+                    <a:gd name="connsiteY0" fmla="*/ 571496 h 1143004"/>
+                    <a:gd name="connsiteX1" fmla="*/ 2217910 w 5514349"/>
+                    <a:gd name="connsiteY1" fmla="*/ 8099 h 1143004"/>
+                    <a:gd name="connsiteX2" fmla="*/ 2705110 w 5514349"/>
+                    <a:gd name="connsiteY2" fmla="*/ 0 h 1143004"/>
+                    <a:gd name="connsiteX3" fmla="*/ 3192311 w 5514349"/>
+                    <a:gd name="connsiteY3" fmla="*/ 8099 h 1143004"/>
+                    <a:gd name="connsiteX4" fmla="*/ 5486409 w 5514349"/>
+                    <a:gd name="connsiteY4" fmla="*/ 571504 h 1143004"/>
+                    <a:gd name="connsiteX5" fmla="*/ 3192309 w 5514349"/>
+                    <a:gd name="connsiteY5" fmla="*/ 1134905 h 1143004"/>
+                    <a:gd name="connsiteX6" fmla="*/ 2705108 w 5514349"/>
+                    <a:gd name="connsiteY6" fmla="*/ 1143004 h 1143004"/>
+                    <a:gd name="connsiteX7" fmla="*/ 2217907 w 5514349"/>
+                    <a:gd name="connsiteY7" fmla="*/ 1134905 h 1143004"/>
+                    <a:gd name="connsiteX8" fmla="*/ 8 w 5514349"/>
+                    <a:gd name="connsiteY8" fmla="*/ 571501 h 1143004"/>
+                    <a:gd name="connsiteX9" fmla="*/ 9 w 5514349"/>
+                    <a:gd name="connsiteY9" fmla="*/ 571496 h 1143004"/>
+                    <a:gd name="connsiteX0" fmla="*/ 1447809 w 5514349"/>
+                    <a:gd name="connsiteY0" fmla="*/ 571496 h 1143004"/>
+                    <a:gd name="connsiteX1" fmla="*/ 2217910 w 5514349"/>
+                    <a:gd name="connsiteY1" fmla="*/ 8099 h 1143004"/>
+                    <a:gd name="connsiteX2" fmla="*/ 2705110 w 5514349"/>
+                    <a:gd name="connsiteY2" fmla="*/ 0 h 1143004"/>
+                    <a:gd name="connsiteX3" fmla="*/ 3192311 w 5514349"/>
+                    <a:gd name="connsiteY3" fmla="*/ 8099 h 1143004"/>
+                    <a:gd name="connsiteX4" fmla="*/ 5486409 w 5514349"/>
+                    <a:gd name="connsiteY4" fmla="*/ 571504 h 1143004"/>
+                    <a:gd name="connsiteX5" fmla="*/ 3192309 w 5514349"/>
+                    <a:gd name="connsiteY5" fmla="*/ 1134905 h 1143004"/>
+                    <a:gd name="connsiteX6" fmla="*/ 2705108 w 5514349"/>
+                    <a:gd name="connsiteY6" fmla="*/ 1143004 h 1143004"/>
+                    <a:gd name="connsiteX7" fmla="*/ 2217907 w 5514349"/>
+                    <a:gd name="connsiteY7" fmla="*/ 1134905 h 1143004"/>
+                    <a:gd name="connsiteX8" fmla="*/ 8 w 5514349"/>
+                    <a:gd name="connsiteY8" fmla="*/ 571501 h 1143004"/>
+                    <a:gd name="connsiteX9" fmla="*/ 1447809 w 5514349"/>
+                    <a:gd name="connsiteY9" fmla="*/ 571496 h 1143004"/>
+                    <a:gd name="connsiteX0" fmla="*/ 514624 w 4581164"/>
+                    <a:gd name="connsiteY0" fmla="*/ 571496 h 1143004"/>
+                    <a:gd name="connsiteX1" fmla="*/ 1284725 w 4581164"/>
+                    <a:gd name="connsiteY1" fmla="*/ 8099 h 1143004"/>
+                    <a:gd name="connsiteX2" fmla="*/ 1771925 w 4581164"/>
+                    <a:gd name="connsiteY2" fmla="*/ 0 h 1143004"/>
+                    <a:gd name="connsiteX3" fmla="*/ 2259126 w 4581164"/>
+                    <a:gd name="connsiteY3" fmla="*/ 8099 h 1143004"/>
+                    <a:gd name="connsiteX4" fmla="*/ 4553224 w 4581164"/>
+                    <a:gd name="connsiteY4" fmla="*/ 571504 h 1143004"/>
+                    <a:gd name="connsiteX5" fmla="*/ 2259124 w 4581164"/>
+                    <a:gd name="connsiteY5" fmla="*/ 1134905 h 1143004"/>
+                    <a:gd name="connsiteX6" fmla="*/ 1771923 w 4581164"/>
+                    <a:gd name="connsiteY6" fmla="*/ 1143004 h 1143004"/>
+                    <a:gd name="connsiteX7" fmla="*/ 1284722 w 4581164"/>
+                    <a:gd name="connsiteY7" fmla="*/ 1134905 h 1143004"/>
+                    <a:gd name="connsiteX8" fmla="*/ 514623 w 4581164"/>
+                    <a:gd name="connsiteY8" fmla="*/ 571501 h 1143004"/>
+                    <a:gd name="connsiteX9" fmla="*/ 514624 w 4581164"/>
+                    <a:gd name="connsiteY9" fmla="*/ 571496 h 1143004"/>
+                    <a:gd name="connsiteX0" fmla="*/ 514624 w 4581164"/>
+                    <a:gd name="connsiteY0" fmla="*/ 571496 h 1143004"/>
+                    <a:gd name="connsiteX1" fmla="*/ 1284725 w 4581164"/>
+                    <a:gd name="connsiteY1" fmla="*/ 8099 h 1143004"/>
+                    <a:gd name="connsiteX2" fmla="*/ 1771925 w 4581164"/>
+                    <a:gd name="connsiteY2" fmla="*/ 0 h 1143004"/>
+                    <a:gd name="connsiteX3" fmla="*/ 2259126 w 4581164"/>
+                    <a:gd name="connsiteY3" fmla="*/ 8099 h 1143004"/>
+                    <a:gd name="connsiteX4" fmla="*/ 4553224 w 4581164"/>
+                    <a:gd name="connsiteY4" fmla="*/ 571504 h 1143004"/>
+                    <a:gd name="connsiteX5" fmla="*/ 2259124 w 4581164"/>
+                    <a:gd name="connsiteY5" fmla="*/ 1134905 h 1143004"/>
+                    <a:gd name="connsiteX6" fmla="*/ 1771923 w 4581164"/>
+                    <a:gd name="connsiteY6" fmla="*/ 1143004 h 1143004"/>
+                    <a:gd name="connsiteX7" fmla="*/ 1284722 w 4581164"/>
+                    <a:gd name="connsiteY7" fmla="*/ 1134905 h 1143004"/>
+                    <a:gd name="connsiteX8" fmla="*/ 514623 w 4581164"/>
+                    <a:gd name="connsiteY8" fmla="*/ 571501 h 1143004"/>
+                    <a:gd name="connsiteX9" fmla="*/ 514624 w 4581164"/>
+                    <a:gd name="connsiteY9" fmla="*/ 571496 h 1143004"/>
+                    <a:gd name="connsiteX0" fmla="*/ 438424 w 4581164"/>
+                    <a:gd name="connsiteY0" fmla="*/ 571496 h 1143004"/>
+                    <a:gd name="connsiteX1" fmla="*/ 1284725 w 4581164"/>
+                    <a:gd name="connsiteY1" fmla="*/ 8099 h 1143004"/>
+                    <a:gd name="connsiteX2" fmla="*/ 1771925 w 4581164"/>
+                    <a:gd name="connsiteY2" fmla="*/ 0 h 1143004"/>
+                    <a:gd name="connsiteX3" fmla="*/ 2259126 w 4581164"/>
+                    <a:gd name="connsiteY3" fmla="*/ 8099 h 1143004"/>
+                    <a:gd name="connsiteX4" fmla="*/ 4553224 w 4581164"/>
+                    <a:gd name="connsiteY4" fmla="*/ 571504 h 1143004"/>
+                    <a:gd name="connsiteX5" fmla="*/ 2259124 w 4581164"/>
+                    <a:gd name="connsiteY5" fmla="*/ 1134905 h 1143004"/>
+                    <a:gd name="connsiteX6" fmla="*/ 1771923 w 4581164"/>
+                    <a:gd name="connsiteY6" fmla="*/ 1143004 h 1143004"/>
+                    <a:gd name="connsiteX7" fmla="*/ 1284722 w 4581164"/>
+                    <a:gd name="connsiteY7" fmla="*/ 1134905 h 1143004"/>
+                    <a:gd name="connsiteX8" fmla="*/ 514623 w 4581164"/>
+                    <a:gd name="connsiteY8" fmla="*/ 571501 h 1143004"/>
+                    <a:gd name="connsiteX9" fmla="*/ 438424 w 4581164"/>
+                    <a:gd name="connsiteY9" fmla="*/ 571496 h 1143004"/>
+                    <a:gd name="connsiteX0" fmla="*/ 438424 w 4581164"/>
+                    <a:gd name="connsiteY0" fmla="*/ 571496 h 1143004"/>
+                    <a:gd name="connsiteX1" fmla="*/ 1284725 w 4581164"/>
+                    <a:gd name="connsiteY1" fmla="*/ 8099 h 1143004"/>
+                    <a:gd name="connsiteX2" fmla="*/ 1771925 w 4581164"/>
+                    <a:gd name="connsiteY2" fmla="*/ 0 h 1143004"/>
+                    <a:gd name="connsiteX3" fmla="*/ 2259126 w 4581164"/>
+                    <a:gd name="connsiteY3" fmla="*/ 8099 h 1143004"/>
+                    <a:gd name="connsiteX4" fmla="*/ 4553224 w 4581164"/>
+                    <a:gd name="connsiteY4" fmla="*/ 571504 h 1143004"/>
+                    <a:gd name="connsiteX5" fmla="*/ 2259124 w 4581164"/>
+                    <a:gd name="connsiteY5" fmla="*/ 1134905 h 1143004"/>
+                    <a:gd name="connsiteX6" fmla="*/ 1771923 w 4581164"/>
+                    <a:gd name="connsiteY6" fmla="*/ 1143004 h 1143004"/>
+                    <a:gd name="connsiteX7" fmla="*/ 1284722 w 4581164"/>
+                    <a:gd name="connsiteY7" fmla="*/ 1134905 h 1143004"/>
+                    <a:gd name="connsiteX8" fmla="*/ 438423 w 4581164"/>
+                    <a:gd name="connsiteY8" fmla="*/ 571501 h 1143004"/>
+                    <a:gd name="connsiteX9" fmla="*/ 438424 w 4581164"/>
+                    <a:gd name="connsiteY9" fmla="*/ 571496 h 1143004"/>
+                    <a:gd name="connsiteX0" fmla="*/ 438424 w 4581164"/>
+                    <a:gd name="connsiteY0" fmla="*/ 571496 h 1143004"/>
+                    <a:gd name="connsiteX1" fmla="*/ 1284725 w 4581164"/>
+                    <a:gd name="connsiteY1" fmla="*/ 8099 h 1143004"/>
+                    <a:gd name="connsiteX2" fmla="*/ 1771925 w 4581164"/>
+                    <a:gd name="connsiteY2" fmla="*/ 0 h 1143004"/>
+                    <a:gd name="connsiteX3" fmla="*/ 2259126 w 4581164"/>
+                    <a:gd name="connsiteY3" fmla="*/ 8099 h 1143004"/>
+                    <a:gd name="connsiteX4" fmla="*/ 4553224 w 4581164"/>
+                    <a:gd name="connsiteY4" fmla="*/ 571504 h 1143004"/>
+                    <a:gd name="connsiteX5" fmla="*/ 2259124 w 4581164"/>
+                    <a:gd name="connsiteY5" fmla="*/ 1134905 h 1143004"/>
+                    <a:gd name="connsiteX6" fmla="*/ 1771923 w 4581164"/>
+                    <a:gd name="connsiteY6" fmla="*/ 1143004 h 1143004"/>
+                    <a:gd name="connsiteX7" fmla="*/ 1284722 w 4581164"/>
+                    <a:gd name="connsiteY7" fmla="*/ 1134905 h 1143004"/>
+                    <a:gd name="connsiteX8" fmla="*/ 438423 w 4581164"/>
+                    <a:gd name="connsiteY8" fmla="*/ 571501 h 1143004"/>
+                    <a:gd name="connsiteX9" fmla="*/ 438424 w 4581164"/>
+                    <a:gd name="connsiteY9" fmla="*/ 571496 h 1143004"/>
+                    <a:gd name="connsiteX0" fmla="*/ 438424 w 4581164"/>
+                    <a:gd name="connsiteY0" fmla="*/ 571496 h 1143004"/>
+                    <a:gd name="connsiteX1" fmla="*/ 1284725 w 4581164"/>
+                    <a:gd name="connsiteY1" fmla="*/ 8099 h 1143004"/>
+                    <a:gd name="connsiteX2" fmla="*/ 1771925 w 4581164"/>
+                    <a:gd name="connsiteY2" fmla="*/ 0 h 1143004"/>
+                    <a:gd name="connsiteX3" fmla="*/ 2259126 w 4581164"/>
+                    <a:gd name="connsiteY3" fmla="*/ 8099 h 1143004"/>
+                    <a:gd name="connsiteX4" fmla="*/ 4553224 w 4581164"/>
+                    <a:gd name="connsiteY4" fmla="*/ 571504 h 1143004"/>
+                    <a:gd name="connsiteX5" fmla="*/ 2259124 w 4581164"/>
+                    <a:gd name="connsiteY5" fmla="*/ 1134905 h 1143004"/>
+                    <a:gd name="connsiteX6" fmla="*/ 1771923 w 4581164"/>
+                    <a:gd name="connsiteY6" fmla="*/ 1143004 h 1143004"/>
+                    <a:gd name="connsiteX7" fmla="*/ 1284722 w 4581164"/>
+                    <a:gd name="connsiteY7" fmla="*/ 1134905 h 1143004"/>
+                    <a:gd name="connsiteX8" fmla="*/ 438423 w 4581164"/>
+                    <a:gd name="connsiteY8" fmla="*/ 571501 h 1143004"/>
+                    <a:gd name="connsiteX9" fmla="*/ 438424 w 4581164"/>
+                    <a:gd name="connsiteY9" fmla="*/ 571496 h 1143004"/>
+                    <a:gd name="connsiteX0" fmla="*/ 438408 w 4581148"/>
+                    <a:gd name="connsiteY0" fmla="*/ 571496 h 1560755"/>
+                    <a:gd name="connsiteX1" fmla="*/ 1284709 w 4581148"/>
+                    <a:gd name="connsiteY1" fmla="*/ 8099 h 1560755"/>
+                    <a:gd name="connsiteX2" fmla="*/ 1771909 w 4581148"/>
+                    <a:gd name="connsiteY2" fmla="*/ 0 h 1560755"/>
+                    <a:gd name="connsiteX3" fmla="*/ 2259110 w 4581148"/>
+                    <a:gd name="connsiteY3" fmla="*/ 8099 h 1560755"/>
+                    <a:gd name="connsiteX4" fmla="*/ 4553208 w 4581148"/>
+                    <a:gd name="connsiteY4" fmla="*/ 571504 h 1560755"/>
+                    <a:gd name="connsiteX5" fmla="*/ 2259108 w 4581148"/>
+                    <a:gd name="connsiteY5" fmla="*/ 1134905 h 1560755"/>
+                    <a:gd name="connsiteX6" fmla="*/ 1771907 w 4581148"/>
+                    <a:gd name="connsiteY6" fmla="*/ 1143004 h 1560755"/>
+                    <a:gd name="connsiteX7" fmla="*/ 1284706 w 4581148"/>
+                    <a:gd name="connsiteY7" fmla="*/ 1134905 h 1560755"/>
+                    <a:gd name="connsiteX8" fmla="*/ 325488 w 4581148"/>
+                    <a:gd name="connsiteY8" fmla="*/ 1466855 h 1560755"/>
+                    <a:gd name="connsiteX9" fmla="*/ 438407 w 4581148"/>
+                    <a:gd name="connsiteY9" fmla="*/ 571501 h 1560755"/>
+                    <a:gd name="connsiteX10" fmla="*/ 438408 w 4581148"/>
+                    <a:gd name="connsiteY10" fmla="*/ 571496 h 1560755"/>
+                    <a:gd name="connsiteX0" fmla="*/ 438408 w 4581148"/>
+                    <a:gd name="connsiteY0" fmla="*/ 571496 h 1149773"/>
+                    <a:gd name="connsiteX1" fmla="*/ 1284709 w 4581148"/>
+                    <a:gd name="connsiteY1" fmla="*/ 8099 h 1149773"/>
+                    <a:gd name="connsiteX2" fmla="*/ 1771909 w 4581148"/>
+                    <a:gd name="connsiteY2" fmla="*/ 0 h 1149773"/>
+                    <a:gd name="connsiteX3" fmla="*/ 2259110 w 4581148"/>
+                    <a:gd name="connsiteY3" fmla="*/ 8099 h 1149773"/>
+                    <a:gd name="connsiteX4" fmla="*/ 4553208 w 4581148"/>
+                    <a:gd name="connsiteY4" fmla="*/ 571504 h 1149773"/>
+                    <a:gd name="connsiteX5" fmla="*/ 2259108 w 4581148"/>
+                    <a:gd name="connsiteY5" fmla="*/ 1134905 h 1149773"/>
+                    <a:gd name="connsiteX6" fmla="*/ 1771907 w 4581148"/>
+                    <a:gd name="connsiteY6" fmla="*/ 1143004 h 1149773"/>
+                    <a:gd name="connsiteX7" fmla="*/ 1284706 w 4581148"/>
+                    <a:gd name="connsiteY7" fmla="*/ 1134905 h 1149773"/>
+                    <a:gd name="connsiteX8" fmla="*/ 620977 w 4581148"/>
+                    <a:gd name="connsiteY8" fmla="*/ 1053799 h 1149773"/>
+                    <a:gd name="connsiteX9" fmla="*/ 438407 w 4581148"/>
+                    <a:gd name="connsiteY9" fmla="*/ 571501 h 1149773"/>
+                    <a:gd name="connsiteX10" fmla="*/ 438408 w 4581148"/>
+                    <a:gd name="connsiteY10" fmla="*/ 571496 h 1149773"/>
+                  </a:gdLst>
+                  <a:ahLst/>
+                  <a:cxnLst>
+                    <a:cxn ang="0">
+                      <a:pos x="connsiteX0" y="connsiteY0"/>
+                    </a:cxn>
+                    <a:cxn ang="0">
+                      <a:pos x="connsiteX1" y="connsiteY1"/>
+                    </a:cxn>
+                    <a:cxn ang="0">
+                      <a:pos x="connsiteX2" y="connsiteY2"/>
+                    </a:cxn>
+                    <a:cxn ang="0">
+                      <a:pos x="connsiteX3" y="connsiteY3"/>
+                    </a:cxn>
+                    <a:cxn ang="0">
+                      <a:pos x="connsiteX4" y="connsiteY4"/>
+                    </a:cxn>
+                    <a:cxn ang="0">
+                      <a:pos x="connsiteX5" y="connsiteY5"/>
+                    </a:cxn>
+                    <a:cxn ang="0">
+                      <a:pos x="connsiteX6" y="connsiteY6"/>
+                    </a:cxn>
+                    <a:cxn ang="0">
+                      <a:pos x="connsiteX7" y="connsiteY7"/>
+                    </a:cxn>
+                    <a:cxn ang="0">
+                      <a:pos x="connsiteX8" y="connsiteY8"/>
+                    </a:cxn>
+                    <a:cxn ang="0">
+                      <a:pos x="connsiteX9" y="connsiteY9"/>
+                    </a:cxn>
+                    <a:cxn ang="0">
+                      <a:pos x="connsiteX10" y="connsiteY10"/>
+                    </a:cxn>
+                  </a:cxnLst>
+                  <a:rect l="l" t="t" r="r" b="b"/>
+                  <a:pathLst>
+                    <a:path w="4581148" h="1149773">
+                      <a:moveTo>
+                        <a:pt x="438408" y="571496"/>
+                      </a:moveTo>
+                      <a:cubicBezTo>
+                        <a:pt x="575576" y="240917"/>
+                        <a:pt x="-1" y="51168"/>
+                        <a:pt x="1284709" y="8099"/>
+                      </a:cubicBezTo>
+                      <a:cubicBezTo>
+                        <a:pt x="1445440" y="2711"/>
+                        <a:pt x="1609509" y="0"/>
+                        <a:pt x="1771909" y="0"/>
+                      </a:cubicBezTo>
+                      <a:cubicBezTo>
+                        <a:pt x="1934309" y="0"/>
+                        <a:pt x="2098379" y="2711"/>
+                        <a:pt x="2259110" y="8099"/>
+                      </a:cubicBezTo>
+                      <a:cubicBezTo>
+                        <a:pt x="3543835" y="51170"/>
+                        <a:pt x="4537980" y="111382"/>
+                        <a:pt x="4553208" y="571504"/>
+                      </a:cubicBezTo>
+                      <a:cubicBezTo>
+                        <a:pt x="4581148" y="1115444"/>
+                        <a:pt x="3543824" y="1091834"/>
+                        <a:pt x="2259108" y="1134905"/>
+                      </a:cubicBezTo>
+                      <a:cubicBezTo>
+                        <a:pt x="2098377" y="1140294"/>
+                        <a:pt x="1934307" y="1143004"/>
+                        <a:pt x="1771907" y="1143004"/>
+                      </a:cubicBezTo>
+                      <a:cubicBezTo>
+                        <a:pt x="1609507" y="1143004"/>
+                        <a:pt x="1476527" y="1149772"/>
+                        <a:pt x="1284706" y="1134905"/>
+                      </a:cubicBezTo>
+                      <a:cubicBezTo>
+                        <a:pt x="1092885" y="1120038"/>
+                        <a:pt x="762027" y="1147700"/>
+                        <a:pt x="620977" y="1053799"/>
+                      </a:cubicBezTo>
+                      <a:cubicBezTo>
+                        <a:pt x="479927" y="959898"/>
+                        <a:pt x="439680" y="641352"/>
+                        <a:pt x="438407" y="571501"/>
+                      </a:cubicBezTo>
+                      <a:cubicBezTo>
+                        <a:pt x="438407" y="548639"/>
+                        <a:pt x="438408" y="571498"/>
+                        <a:pt x="438408" y="571496"/>
+                      </a:cubicBezTo>
+                      <a:close/>
+                    </a:path>
+                  </a:pathLst>
+                </a:custGeom>
+                <a:solidFill>
+                  <a:srgbClr val="F2F2F2"/>
+                </a:solidFill>
+                <a:ln w="6350">
+                  <a:solidFill>
+                    <a:schemeClr val="tx1"/>
+                  </a:solidFill>
+                </a:ln>
+              </p:spPr>
+              <p:style>
+                <a:lnRef idx="2">
+                  <a:schemeClr val="accent1">
+                    <a:shade val="50000"/>
+                  </a:schemeClr>
+                </a:lnRef>
+                <a:fillRef idx="1">
+                  <a:schemeClr val="accent1"/>
+                </a:fillRef>
+                <a:effectRef idx="0">
+                  <a:schemeClr val="accent1"/>
+                </a:effectRef>
+                <a:fontRef idx="minor">
+                  <a:schemeClr val="lt1"/>
+                </a:fontRef>
+              </p:style>
+              <p:txBody>
+                <a:bodyPr rtlCol="0" anchor="ctr"/>
+                <a:lstStyle/>
+                <a:p>
+                  <a:pPr algn="ctr"/>
+                  <a:endParaRPr lang="en-US"/>
+                </a:p>
+              </p:txBody>
+            </p:sp>
+            <p:sp>
+              <p:nvSpPr>
+                <p:cNvPr id="72" name="Freeform 71"/>
+                <p:cNvSpPr/>
+                <p:nvPr/>
+              </p:nvSpPr>
+              <p:spPr>
+                <a:xfrm rot="18987598">
+                  <a:off x="1969042" y="2018965"/>
+                  <a:ext cx="3468625" cy="658368"/>
+                </a:xfrm>
+                <a:custGeom>
+                  <a:avLst/>
+                  <a:gdLst>
+                    <a:gd name="connsiteX0" fmla="*/ 12192 w 3468624"/>
+                    <a:gd name="connsiteY0" fmla="*/ 0 h 658368"/>
+                    <a:gd name="connsiteX1" fmla="*/ 2670048 w 3468624"/>
+                    <a:gd name="connsiteY1" fmla="*/ 0 h 658368"/>
+                    <a:gd name="connsiteX2" fmla="*/ 2676144 w 3468624"/>
+                    <a:gd name="connsiteY2" fmla="*/ 262128 h 658368"/>
+                    <a:gd name="connsiteX3" fmla="*/ 3468624 w 3468624"/>
+                    <a:gd name="connsiteY3" fmla="*/ 627888 h 658368"/>
+                    <a:gd name="connsiteX4" fmla="*/ 3157728 w 3468624"/>
+                    <a:gd name="connsiteY4" fmla="*/ 658368 h 658368"/>
+                    <a:gd name="connsiteX5" fmla="*/ 3261360 w 3468624"/>
+                    <a:gd name="connsiteY5" fmla="*/ 652272 h 658368"/>
+                    <a:gd name="connsiteX6" fmla="*/ 2566416 w 3468624"/>
+                    <a:gd name="connsiteY6" fmla="*/ 316992 h 658368"/>
+                    <a:gd name="connsiteX7" fmla="*/ 2566416 w 3468624"/>
+                    <a:gd name="connsiteY7" fmla="*/ 121920 h 658368"/>
+                    <a:gd name="connsiteX8" fmla="*/ 0 w 3468624"/>
+                    <a:gd name="connsiteY8" fmla="*/ 109728 h 658368"/>
+                  </a:gdLst>
+                  <a:ahLst/>
+                  <a:cxnLst>
+                    <a:cxn ang="0">
+                      <a:pos x="connsiteX0" y="connsiteY0"/>
+                    </a:cxn>
+                    <a:cxn ang="0">
+                      <a:pos x="connsiteX1" y="connsiteY1"/>
+                    </a:cxn>
+                    <a:cxn ang="0">
+                      <a:pos x="connsiteX2" y="connsiteY2"/>
+                    </a:cxn>
+                    <a:cxn ang="0">
+                      <a:pos x="connsiteX3" y="connsiteY3"/>
+                    </a:cxn>
+                    <a:cxn ang="0">
+                      <a:pos x="connsiteX4" y="connsiteY4"/>
+                    </a:cxn>
+                    <a:cxn ang="0">
+                      <a:pos x="connsiteX5" y="connsiteY5"/>
+                    </a:cxn>
+                    <a:cxn ang="0">
+                      <a:pos x="connsiteX6" y="connsiteY6"/>
+                    </a:cxn>
+                    <a:cxn ang="0">
+                      <a:pos x="connsiteX7" y="connsiteY7"/>
+                    </a:cxn>
+                    <a:cxn ang="0">
+                      <a:pos x="connsiteX8" y="connsiteY8"/>
+                    </a:cxn>
+                  </a:cxnLst>
+                  <a:rect l="l" t="t" r="r" b="b"/>
+                  <a:pathLst>
+                    <a:path w="3468624" h="658368">
+                      <a:moveTo>
+                        <a:pt x="12192" y="0"/>
+                      </a:moveTo>
+                      <a:lnTo>
+                        <a:pt x="2670048" y="0"/>
+                      </a:lnTo>
+                      <a:lnTo>
+                        <a:pt x="2676144" y="262128"/>
+                      </a:lnTo>
+                      <a:lnTo>
+                        <a:pt x="3468624" y="627888"/>
+                      </a:lnTo>
+                      <a:lnTo>
+                        <a:pt x="3157728" y="658368"/>
+                      </a:lnTo>
+                      <a:lnTo>
+                        <a:pt x="3261360" y="652272"/>
+                      </a:lnTo>
+                      <a:lnTo>
+                        <a:pt x="2566416" y="316992"/>
+                      </a:lnTo>
+                      <a:lnTo>
+                        <a:pt x="2566416" y="121920"/>
+                      </a:lnTo>
+                      <a:lnTo>
+                        <a:pt x="0" y="109728"/>
+                      </a:lnTo>
+                    </a:path>
+                  </a:pathLst>
+                </a:custGeom>
+                <a:solidFill>
+                  <a:srgbClr val="73E9F9"/>
+                </a:solidFill>
+                <a:ln w="6350">
+                  <a:solidFill>
+                    <a:schemeClr val="tx1"/>
+                  </a:solidFill>
+                </a:ln>
+              </p:spPr>
+              <p:style>
+                <a:lnRef idx="1">
+                  <a:schemeClr val="accent1"/>
+                </a:lnRef>
+                <a:fillRef idx="0">
+                  <a:schemeClr val="accent1"/>
+                </a:fillRef>
+                <a:effectRef idx="0">
+                  <a:schemeClr val="accent1"/>
+                </a:effectRef>
+                <a:fontRef idx="minor">
+                  <a:schemeClr val="tx1"/>
+                </a:fontRef>
+              </p:style>
+              <p:txBody>
+                <a:bodyPr rtlCol="0" anchor="ctr"/>
+                <a:lstStyle/>
+                <a:p>
+                  <a:pPr algn="ctr"/>
+                  <a:endParaRPr lang="en-US"/>
+                </a:p>
+              </p:txBody>
+            </p:sp>
+          </p:grpSp>
+          <p:grpSp>
+            <p:nvGrpSpPr>
+              <p:cNvPr id="41" name="Group 33"/>
+              <p:cNvGrpSpPr/>
+              <p:nvPr/>
+            </p:nvGrpSpPr>
+            <p:grpSpPr>
+              <a:xfrm rot="5400000">
+                <a:off x="5787685" y="2923079"/>
+                <a:ext cx="1018359" cy="2790754"/>
+                <a:chOff x="3732649" y="512981"/>
+                <a:chExt cx="1800713" cy="3970678"/>
+              </a:xfrm>
+            </p:grpSpPr>
+            <p:sp>
+              <p:nvSpPr>
+                <p:cNvPr id="69" name="Freeform 68"/>
+                <p:cNvSpPr/>
+                <p:nvPr/>
+              </p:nvSpPr>
+              <p:spPr>
+                <a:xfrm rot="17975357">
+                  <a:off x="2647667" y="1597963"/>
+                  <a:ext cx="3970678" cy="1800713"/>
+                </a:xfrm>
+                <a:custGeom>
+                  <a:avLst/>
+                  <a:gdLst>
+                    <a:gd name="connsiteX0" fmla="*/ 0 w 5410200"/>
+                    <a:gd name="connsiteY0" fmla="*/ 495300 h 990600"/>
+                    <a:gd name="connsiteX1" fmla="*/ 2217901 w 5410200"/>
+                    <a:gd name="connsiteY1" fmla="*/ 8103 h 990600"/>
+                    <a:gd name="connsiteX2" fmla="*/ 2705101 w 5410200"/>
+                    <a:gd name="connsiteY2" fmla="*/ 4 h 990600"/>
+                    <a:gd name="connsiteX3" fmla="*/ 3192302 w 5410200"/>
+                    <a:gd name="connsiteY3" fmla="*/ 8103 h 990600"/>
+                    <a:gd name="connsiteX4" fmla="*/ 5410200 w 5410200"/>
+                    <a:gd name="connsiteY4" fmla="*/ 495308 h 990600"/>
+                    <a:gd name="connsiteX5" fmla="*/ 3192300 w 5410200"/>
+                    <a:gd name="connsiteY5" fmla="*/ 982509 h 990600"/>
+                    <a:gd name="connsiteX6" fmla="*/ 2705099 w 5410200"/>
+                    <a:gd name="connsiteY6" fmla="*/ 990608 h 990600"/>
+                    <a:gd name="connsiteX7" fmla="*/ 2217898 w 5410200"/>
+                    <a:gd name="connsiteY7" fmla="*/ 982509 h 990600"/>
+                    <a:gd name="connsiteX8" fmla="*/ -1 w 5410200"/>
+                    <a:gd name="connsiteY8" fmla="*/ 495305 h 990600"/>
+                    <a:gd name="connsiteX9" fmla="*/ 0 w 5410200"/>
+                    <a:gd name="connsiteY9" fmla="*/ 495300 h 990600"/>
+                    <a:gd name="connsiteX0" fmla="*/ 9 w 5410221"/>
+                    <a:gd name="connsiteY0" fmla="*/ 495296 h 1066804"/>
+                    <a:gd name="connsiteX1" fmla="*/ 2217910 w 5410221"/>
+                    <a:gd name="connsiteY1" fmla="*/ 8099 h 1066804"/>
+                    <a:gd name="connsiteX2" fmla="*/ 2705110 w 5410221"/>
+                    <a:gd name="connsiteY2" fmla="*/ 0 h 1066804"/>
+                    <a:gd name="connsiteX3" fmla="*/ 3192311 w 5410221"/>
+                    <a:gd name="connsiteY3" fmla="*/ 8099 h 1066804"/>
+                    <a:gd name="connsiteX4" fmla="*/ 5410209 w 5410221"/>
+                    <a:gd name="connsiteY4" fmla="*/ 495304 h 1066804"/>
+                    <a:gd name="connsiteX5" fmla="*/ 3192309 w 5410221"/>
+                    <a:gd name="connsiteY5" fmla="*/ 982505 h 1066804"/>
+                    <a:gd name="connsiteX6" fmla="*/ 2705108 w 5410221"/>
+                    <a:gd name="connsiteY6" fmla="*/ 1066804 h 1066804"/>
+                    <a:gd name="connsiteX7" fmla="*/ 2217907 w 5410221"/>
+                    <a:gd name="connsiteY7" fmla="*/ 982505 h 1066804"/>
+                    <a:gd name="connsiteX8" fmla="*/ 8 w 5410221"/>
+                    <a:gd name="connsiteY8" fmla="*/ 495301 h 1066804"/>
+                    <a:gd name="connsiteX9" fmla="*/ 9 w 5410221"/>
+                    <a:gd name="connsiteY9" fmla="*/ 495296 h 1066804"/>
+                    <a:gd name="connsiteX0" fmla="*/ 9 w 5410221"/>
+                    <a:gd name="connsiteY0" fmla="*/ 495296 h 1079504"/>
+                    <a:gd name="connsiteX1" fmla="*/ 2217910 w 5410221"/>
+                    <a:gd name="connsiteY1" fmla="*/ 8099 h 1079504"/>
+                    <a:gd name="connsiteX2" fmla="*/ 2705110 w 5410221"/>
+                    <a:gd name="connsiteY2" fmla="*/ 0 h 1079504"/>
+                    <a:gd name="connsiteX3" fmla="*/ 3192311 w 5410221"/>
+                    <a:gd name="connsiteY3" fmla="*/ 8099 h 1079504"/>
+                    <a:gd name="connsiteX4" fmla="*/ 5410209 w 5410221"/>
+                    <a:gd name="connsiteY4" fmla="*/ 495304 h 1079504"/>
+                    <a:gd name="connsiteX5" fmla="*/ 3192309 w 5410221"/>
+                    <a:gd name="connsiteY5" fmla="*/ 982505 h 1079504"/>
+                    <a:gd name="connsiteX6" fmla="*/ 2705108 w 5410221"/>
+                    <a:gd name="connsiteY6" fmla="*/ 1066804 h 1079504"/>
+                    <a:gd name="connsiteX7" fmla="*/ 2217907 w 5410221"/>
+                    <a:gd name="connsiteY7" fmla="*/ 1058705 h 1079504"/>
+                    <a:gd name="connsiteX8" fmla="*/ 8 w 5410221"/>
+                    <a:gd name="connsiteY8" fmla="*/ 495301 h 1079504"/>
+                    <a:gd name="connsiteX9" fmla="*/ 9 w 5410221"/>
+                    <a:gd name="connsiteY9" fmla="*/ 495296 h 1079504"/>
+                    <a:gd name="connsiteX0" fmla="*/ 9 w 5410221"/>
+                    <a:gd name="connsiteY0" fmla="*/ 495296 h 1066804"/>
+                    <a:gd name="connsiteX1" fmla="*/ 2217910 w 5410221"/>
+                    <a:gd name="connsiteY1" fmla="*/ 8099 h 1066804"/>
+                    <a:gd name="connsiteX2" fmla="*/ 2705110 w 5410221"/>
+                    <a:gd name="connsiteY2" fmla="*/ 0 h 1066804"/>
+                    <a:gd name="connsiteX3" fmla="*/ 3192311 w 5410221"/>
+                    <a:gd name="connsiteY3" fmla="*/ 8099 h 1066804"/>
+                    <a:gd name="connsiteX4" fmla="*/ 5410209 w 5410221"/>
+                    <a:gd name="connsiteY4" fmla="*/ 495304 h 1066804"/>
+                    <a:gd name="connsiteX5" fmla="*/ 3192309 w 5410221"/>
+                    <a:gd name="connsiteY5" fmla="*/ 1058705 h 1066804"/>
+                    <a:gd name="connsiteX6" fmla="*/ 2705108 w 5410221"/>
+                    <a:gd name="connsiteY6" fmla="*/ 1066804 h 1066804"/>
+                    <a:gd name="connsiteX7" fmla="*/ 2217907 w 5410221"/>
+                    <a:gd name="connsiteY7" fmla="*/ 1058705 h 1066804"/>
+                    <a:gd name="connsiteX8" fmla="*/ 8 w 5410221"/>
+                    <a:gd name="connsiteY8" fmla="*/ 495301 h 1066804"/>
+                    <a:gd name="connsiteX9" fmla="*/ 9 w 5410221"/>
+                    <a:gd name="connsiteY9" fmla="*/ 495296 h 1066804"/>
+                    <a:gd name="connsiteX0" fmla="*/ 9 w 5410221"/>
+                    <a:gd name="connsiteY0" fmla="*/ 571496 h 1143004"/>
+                    <a:gd name="connsiteX1" fmla="*/ 2217910 w 5410221"/>
+                    <a:gd name="connsiteY1" fmla="*/ 84299 h 1143004"/>
+                    <a:gd name="connsiteX2" fmla="*/ 2705110 w 5410221"/>
+                    <a:gd name="connsiteY2" fmla="*/ 0 h 1143004"/>
+                    <a:gd name="connsiteX3" fmla="*/ 3192311 w 5410221"/>
+                    <a:gd name="connsiteY3" fmla="*/ 84299 h 1143004"/>
+                    <a:gd name="connsiteX4" fmla="*/ 5410209 w 5410221"/>
+                    <a:gd name="connsiteY4" fmla="*/ 571504 h 1143004"/>
+                    <a:gd name="connsiteX5" fmla="*/ 3192309 w 5410221"/>
+                    <a:gd name="connsiteY5" fmla="*/ 1134905 h 1143004"/>
+                    <a:gd name="connsiteX6" fmla="*/ 2705108 w 5410221"/>
+                    <a:gd name="connsiteY6" fmla="*/ 1143004 h 1143004"/>
+                    <a:gd name="connsiteX7" fmla="*/ 2217907 w 5410221"/>
+                    <a:gd name="connsiteY7" fmla="*/ 1134905 h 1143004"/>
+                    <a:gd name="connsiteX8" fmla="*/ 8 w 5410221"/>
+                    <a:gd name="connsiteY8" fmla="*/ 571501 h 1143004"/>
+                    <a:gd name="connsiteX9" fmla="*/ 9 w 5410221"/>
+                    <a:gd name="connsiteY9" fmla="*/ 571496 h 1143004"/>
+                    <a:gd name="connsiteX0" fmla="*/ 9 w 5410221"/>
+                    <a:gd name="connsiteY0" fmla="*/ 584196 h 1155704"/>
+                    <a:gd name="connsiteX1" fmla="*/ 2217910 w 5410221"/>
+                    <a:gd name="connsiteY1" fmla="*/ 96999 h 1155704"/>
+                    <a:gd name="connsiteX2" fmla="*/ 2705110 w 5410221"/>
+                    <a:gd name="connsiteY2" fmla="*/ 12700 h 1155704"/>
+                    <a:gd name="connsiteX3" fmla="*/ 3192311 w 5410221"/>
+                    <a:gd name="connsiteY3" fmla="*/ 20799 h 1155704"/>
+                    <a:gd name="connsiteX4" fmla="*/ 5410209 w 5410221"/>
+                    <a:gd name="connsiteY4" fmla="*/ 584204 h 1155704"/>
+                    <a:gd name="connsiteX5" fmla="*/ 3192309 w 5410221"/>
+                    <a:gd name="connsiteY5" fmla="*/ 1147605 h 1155704"/>
+                    <a:gd name="connsiteX6" fmla="*/ 2705108 w 5410221"/>
+                    <a:gd name="connsiteY6" fmla="*/ 1155704 h 1155704"/>
+                    <a:gd name="connsiteX7" fmla="*/ 2217907 w 5410221"/>
+                    <a:gd name="connsiteY7" fmla="*/ 1147605 h 1155704"/>
+                    <a:gd name="connsiteX8" fmla="*/ 8 w 5410221"/>
+                    <a:gd name="connsiteY8" fmla="*/ 584201 h 1155704"/>
+                    <a:gd name="connsiteX9" fmla="*/ 9 w 5410221"/>
+                    <a:gd name="connsiteY9" fmla="*/ 584196 h 1155704"/>
+                    <a:gd name="connsiteX0" fmla="*/ 9 w 5410221"/>
+                    <a:gd name="connsiteY0" fmla="*/ 571496 h 1143004"/>
+                    <a:gd name="connsiteX1" fmla="*/ 2217910 w 5410221"/>
+                    <a:gd name="connsiteY1" fmla="*/ 8099 h 1143004"/>
+                    <a:gd name="connsiteX2" fmla="*/ 2705110 w 5410221"/>
+                    <a:gd name="connsiteY2" fmla="*/ 0 h 1143004"/>
+                    <a:gd name="connsiteX3" fmla="*/ 3192311 w 5410221"/>
+                    <a:gd name="connsiteY3" fmla="*/ 8099 h 1143004"/>
+                    <a:gd name="connsiteX4" fmla="*/ 5410209 w 5410221"/>
+                    <a:gd name="connsiteY4" fmla="*/ 571504 h 1143004"/>
+                    <a:gd name="connsiteX5" fmla="*/ 3192309 w 5410221"/>
+                    <a:gd name="connsiteY5" fmla="*/ 1134905 h 1143004"/>
+                    <a:gd name="connsiteX6" fmla="*/ 2705108 w 5410221"/>
+                    <a:gd name="connsiteY6" fmla="*/ 1143004 h 1143004"/>
+                    <a:gd name="connsiteX7" fmla="*/ 2217907 w 5410221"/>
+                    <a:gd name="connsiteY7" fmla="*/ 1134905 h 1143004"/>
+                    <a:gd name="connsiteX8" fmla="*/ 8 w 5410221"/>
+                    <a:gd name="connsiteY8" fmla="*/ 571501 h 1143004"/>
+                    <a:gd name="connsiteX9" fmla="*/ 9 w 5410221"/>
+                    <a:gd name="connsiteY9" fmla="*/ 571496 h 1143004"/>
+                    <a:gd name="connsiteX0" fmla="*/ 9 w 5410209"/>
+                    <a:gd name="connsiteY0" fmla="*/ 571496 h 1143004"/>
+                    <a:gd name="connsiteX1" fmla="*/ 2217910 w 5410209"/>
+                    <a:gd name="connsiteY1" fmla="*/ 8099 h 1143004"/>
+                    <a:gd name="connsiteX2" fmla="*/ 2705110 w 5410209"/>
+                    <a:gd name="connsiteY2" fmla="*/ 0 h 1143004"/>
+                    <a:gd name="connsiteX3" fmla="*/ 3192311 w 5410209"/>
+                    <a:gd name="connsiteY3" fmla="*/ 8099 h 1143004"/>
+                    <a:gd name="connsiteX4" fmla="*/ 5410209 w 5410209"/>
+                    <a:gd name="connsiteY4" fmla="*/ 571504 h 1143004"/>
+                    <a:gd name="connsiteX5" fmla="*/ 3192309 w 5410209"/>
+                    <a:gd name="connsiteY5" fmla="*/ 1134905 h 1143004"/>
+                    <a:gd name="connsiteX6" fmla="*/ 2705108 w 5410209"/>
+                    <a:gd name="connsiteY6" fmla="*/ 1143004 h 1143004"/>
+                    <a:gd name="connsiteX7" fmla="*/ 2217907 w 5410209"/>
+                    <a:gd name="connsiteY7" fmla="*/ 1134905 h 1143004"/>
+                    <a:gd name="connsiteX8" fmla="*/ 8 w 5410209"/>
+                    <a:gd name="connsiteY8" fmla="*/ 571501 h 1143004"/>
+                    <a:gd name="connsiteX9" fmla="*/ 9 w 5410209"/>
+                    <a:gd name="connsiteY9" fmla="*/ 571496 h 1143004"/>
+                    <a:gd name="connsiteX0" fmla="*/ 9 w 5438149"/>
+                    <a:gd name="connsiteY0" fmla="*/ 571496 h 1143004"/>
+                    <a:gd name="connsiteX1" fmla="*/ 2217910 w 5438149"/>
+                    <a:gd name="connsiteY1" fmla="*/ 8099 h 1143004"/>
+                    <a:gd name="connsiteX2" fmla="*/ 2705110 w 5438149"/>
+                    <a:gd name="connsiteY2" fmla="*/ 0 h 1143004"/>
+                    <a:gd name="connsiteX3" fmla="*/ 3192311 w 5438149"/>
+                    <a:gd name="connsiteY3" fmla="*/ 8099 h 1143004"/>
+                    <a:gd name="connsiteX4" fmla="*/ 5410209 w 5438149"/>
+                    <a:gd name="connsiteY4" fmla="*/ 571504 h 1143004"/>
+                    <a:gd name="connsiteX5" fmla="*/ 3192309 w 5438149"/>
+                    <a:gd name="connsiteY5" fmla="*/ 1134905 h 1143004"/>
+                    <a:gd name="connsiteX6" fmla="*/ 2705108 w 5438149"/>
+                    <a:gd name="connsiteY6" fmla="*/ 1143004 h 1143004"/>
+                    <a:gd name="connsiteX7" fmla="*/ 2217907 w 5438149"/>
+                    <a:gd name="connsiteY7" fmla="*/ 1134905 h 1143004"/>
+                    <a:gd name="connsiteX8" fmla="*/ 8 w 5438149"/>
+                    <a:gd name="connsiteY8" fmla="*/ 571501 h 1143004"/>
+                    <a:gd name="connsiteX9" fmla="*/ 9 w 5438149"/>
+                    <a:gd name="connsiteY9" fmla="*/ 571496 h 1143004"/>
+                    <a:gd name="connsiteX0" fmla="*/ 9 w 5514349"/>
+                    <a:gd name="connsiteY0" fmla="*/ 571496 h 1143004"/>
+                    <a:gd name="connsiteX1" fmla="*/ 2217910 w 5514349"/>
+                    <a:gd name="connsiteY1" fmla="*/ 8099 h 1143004"/>
+                    <a:gd name="connsiteX2" fmla="*/ 2705110 w 5514349"/>
+                    <a:gd name="connsiteY2" fmla="*/ 0 h 1143004"/>
+                    <a:gd name="connsiteX3" fmla="*/ 3192311 w 5514349"/>
+                    <a:gd name="connsiteY3" fmla="*/ 8099 h 1143004"/>
+                    <a:gd name="connsiteX4" fmla="*/ 5486409 w 5514349"/>
+                    <a:gd name="connsiteY4" fmla="*/ 571504 h 1143004"/>
+                    <a:gd name="connsiteX5" fmla="*/ 3192309 w 5514349"/>
+                    <a:gd name="connsiteY5" fmla="*/ 1134905 h 1143004"/>
+                    <a:gd name="connsiteX6" fmla="*/ 2705108 w 5514349"/>
+                    <a:gd name="connsiteY6" fmla="*/ 1143004 h 1143004"/>
+                    <a:gd name="connsiteX7" fmla="*/ 2217907 w 5514349"/>
+                    <a:gd name="connsiteY7" fmla="*/ 1134905 h 1143004"/>
+                    <a:gd name="connsiteX8" fmla="*/ 8 w 5514349"/>
+                    <a:gd name="connsiteY8" fmla="*/ 571501 h 1143004"/>
+                    <a:gd name="connsiteX9" fmla="*/ 9 w 5514349"/>
+                    <a:gd name="connsiteY9" fmla="*/ 571496 h 1143004"/>
+                    <a:gd name="connsiteX0" fmla="*/ 1447809 w 5514349"/>
+                    <a:gd name="connsiteY0" fmla="*/ 571496 h 1143004"/>
+                    <a:gd name="connsiteX1" fmla="*/ 2217910 w 5514349"/>
+                    <a:gd name="connsiteY1" fmla="*/ 8099 h 1143004"/>
+                    <a:gd name="connsiteX2" fmla="*/ 2705110 w 5514349"/>
+                    <a:gd name="connsiteY2" fmla="*/ 0 h 1143004"/>
+                    <a:gd name="connsiteX3" fmla="*/ 3192311 w 5514349"/>
+                    <a:gd name="connsiteY3" fmla="*/ 8099 h 1143004"/>
+                    <a:gd name="connsiteX4" fmla="*/ 5486409 w 5514349"/>
+                    <a:gd name="connsiteY4" fmla="*/ 571504 h 1143004"/>
+                    <a:gd name="connsiteX5" fmla="*/ 3192309 w 5514349"/>
+                    <a:gd name="connsiteY5" fmla="*/ 1134905 h 1143004"/>
+                    <a:gd name="connsiteX6" fmla="*/ 2705108 w 5514349"/>
+                    <a:gd name="connsiteY6" fmla="*/ 1143004 h 1143004"/>
+                    <a:gd name="connsiteX7" fmla="*/ 2217907 w 5514349"/>
+                    <a:gd name="connsiteY7" fmla="*/ 1134905 h 1143004"/>
+                    <a:gd name="connsiteX8" fmla="*/ 8 w 5514349"/>
+                    <a:gd name="connsiteY8" fmla="*/ 571501 h 1143004"/>
+                    <a:gd name="connsiteX9" fmla="*/ 1447809 w 5514349"/>
+                    <a:gd name="connsiteY9" fmla="*/ 571496 h 1143004"/>
+                    <a:gd name="connsiteX0" fmla="*/ 514624 w 4581164"/>
+                    <a:gd name="connsiteY0" fmla="*/ 571496 h 1143004"/>
+                    <a:gd name="connsiteX1" fmla="*/ 1284725 w 4581164"/>
+                    <a:gd name="connsiteY1" fmla="*/ 8099 h 1143004"/>
+                    <a:gd name="connsiteX2" fmla="*/ 1771925 w 4581164"/>
+                    <a:gd name="connsiteY2" fmla="*/ 0 h 1143004"/>
+                    <a:gd name="connsiteX3" fmla="*/ 2259126 w 4581164"/>
+                    <a:gd name="connsiteY3" fmla="*/ 8099 h 1143004"/>
+                    <a:gd name="connsiteX4" fmla="*/ 4553224 w 4581164"/>
+                    <a:gd name="connsiteY4" fmla="*/ 571504 h 1143004"/>
+                    <a:gd name="connsiteX5" fmla="*/ 2259124 w 4581164"/>
+                    <a:gd name="connsiteY5" fmla="*/ 1134905 h 1143004"/>
+                    <a:gd name="connsiteX6" fmla="*/ 1771923 w 4581164"/>
+                    <a:gd name="connsiteY6" fmla="*/ 1143004 h 1143004"/>
+                    <a:gd name="connsiteX7" fmla="*/ 1284722 w 4581164"/>
+                    <a:gd name="connsiteY7" fmla="*/ 1134905 h 1143004"/>
+                    <a:gd name="connsiteX8" fmla="*/ 514623 w 4581164"/>
+                    <a:gd name="connsiteY8" fmla="*/ 571501 h 1143004"/>
+                    <a:gd name="connsiteX9" fmla="*/ 514624 w 4581164"/>
+                    <a:gd name="connsiteY9" fmla="*/ 571496 h 1143004"/>
+                    <a:gd name="connsiteX0" fmla="*/ 514624 w 4581164"/>
+                    <a:gd name="connsiteY0" fmla="*/ 571496 h 1143004"/>
+                    <a:gd name="connsiteX1" fmla="*/ 1284725 w 4581164"/>
+                    <a:gd name="connsiteY1" fmla="*/ 8099 h 1143004"/>
+                    <a:gd name="connsiteX2" fmla="*/ 1771925 w 4581164"/>
+                    <a:gd name="connsiteY2" fmla="*/ 0 h 1143004"/>
+                    <a:gd name="connsiteX3" fmla="*/ 2259126 w 4581164"/>
+                    <a:gd name="connsiteY3" fmla="*/ 8099 h 1143004"/>
+                    <a:gd name="connsiteX4" fmla="*/ 4553224 w 4581164"/>
+                    <a:gd name="connsiteY4" fmla="*/ 571504 h 1143004"/>
+                    <a:gd name="connsiteX5" fmla="*/ 2259124 w 4581164"/>
+                    <a:gd name="connsiteY5" fmla="*/ 1134905 h 1143004"/>
+                    <a:gd name="connsiteX6" fmla="*/ 1771923 w 4581164"/>
+                    <a:gd name="connsiteY6" fmla="*/ 1143004 h 1143004"/>
+                    <a:gd name="connsiteX7" fmla="*/ 1284722 w 4581164"/>
+                    <a:gd name="connsiteY7" fmla="*/ 1134905 h 1143004"/>
+                    <a:gd name="connsiteX8" fmla="*/ 514623 w 4581164"/>
+                    <a:gd name="connsiteY8" fmla="*/ 571501 h 1143004"/>
+                    <a:gd name="connsiteX9" fmla="*/ 514624 w 4581164"/>
+                    <a:gd name="connsiteY9" fmla="*/ 571496 h 1143004"/>
+                    <a:gd name="connsiteX0" fmla="*/ 438424 w 4581164"/>
+                    <a:gd name="connsiteY0" fmla="*/ 571496 h 1143004"/>
+                    <a:gd name="connsiteX1" fmla="*/ 1284725 w 4581164"/>
+                    <a:gd name="connsiteY1" fmla="*/ 8099 h 1143004"/>
+                    <a:gd name="connsiteX2" fmla="*/ 1771925 w 4581164"/>
+                    <a:gd name="connsiteY2" fmla="*/ 0 h 1143004"/>
+                    <a:gd name="connsiteX3" fmla="*/ 2259126 w 4581164"/>
+                    <a:gd name="connsiteY3" fmla="*/ 8099 h 1143004"/>
+                    <a:gd name="connsiteX4" fmla="*/ 4553224 w 4581164"/>
+                    <a:gd name="connsiteY4" fmla="*/ 571504 h 1143004"/>
+                    <a:gd name="connsiteX5" fmla="*/ 2259124 w 4581164"/>
+                    <a:gd name="connsiteY5" fmla="*/ 1134905 h 1143004"/>
+                    <a:gd name="connsiteX6" fmla="*/ 1771923 w 4581164"/>
+                    <a:gd name="connsiteY6" fmla="*/ 1143004 h 1143004"/>
+                    <a:gd name="connsiteX7" fmla="*/ 1284722 w 4581164"/>
+                    <a:gd name="connsiteY7" fmla="*/ 1134905 h 1143004"/>
+                    <a:gd name="connsiteX8" fmla="*/ 514623 w 4581164"/>
+                    <a:gd name="connsiteY8" fmla="*/ 571501 h 1143004"/>
+                    <a:gd name="connsiteX9" fmla="*/ 438424 w 4581164"/>
+                    <a:gd name="connsiteY9" fmla="*/ 571496 h 1143004"/>
+                    <a:gd name="connsiteX0" fmla="*/ 438424 w 4581164"/>
+                    <a:gd name="connsiteY0" fmla="*/ 571496 h 1143004"/>
+                    <a:gd name="connsiteX1" fmla="*/ 1284725 w 4581164"/>
+                    <a:gd name="connsiteY1" fmla="*/ 8099 h 1143004"/>
+                    <a:gd name="connsiteX2" fmla="*/ 1771925 w 4581164"/>
+                    <a:gd name="connsiteY2" fmla="*/ 0 h 1143004"/>
+                    <a:gd name="connsiteX3" fmla="*/ 2259126 w 4581164"/>
+                    <a:gd name="connsiteY3" fmla="*/ 8099 h 1143004"/>
+                    <a:gd name="connsiteX4" fmla="*/ 4553224 w 4581164"/>
+                    <a:gd name="connsiteY4" fmla="*/ 571504 h 1143004"/>
+                    <a:gd name="connsiteX5" fmla="*/ 2259124 w 4581164"/>
+                    <a:gd name="connsiteY5" fmla="*/ 1134905 h 1143004"/>
+                    <a:gd name="connsiteX6" fmla="*/ 1771923 w 4581164"/>
+                    <a:gd name="connsiteY6" fmla="*/ 1143004 h 1143004"/>
+                    <a:gd name="connsiteX7" fmla="*/ 1284722 w 4581164"/>
+                    <a:gd name="connsiteY7" fmla="*/ 1134905 h 1143004"/>
+                    <a:gd name="connsiteX8" fmla="*/ 438423 w 4581164"/>
+                    <a:gd name="connsiteY8" fmla="*/ 571501 h 1143004"/>
+                    <a:gd name="connsiteX9" fmla="*/ 438424 w 4581164"/>
+                    <a:gd name="connsiteY9" fmla="*/ 571496 h 1143004"/>
+                    <a:gd name="connsiteX0" fmla="*/ 438424 w 4581164"/>
+                    <a:gd name="connsiteY0" fmla="*/ 571496 h 1143004"/>
+                    <a:gd name="connsiteX1" fmla="*/ 1284725 w 4581164"/>
+                    <a:gd name="connsiteY1" fmla="*/ 8099 h 1143004"/>
+                    <a:gd name="connsiteX2" fmla="*/ 1771925 w 4581164"/>
+                    <a:gd name="connsiteY2" fmla="*/ 0 h 1143004"/>
+                    <a:gd name="connsiteX3" fmla="*/ 2259126 w 4581164"/>
+                    <a:gd name="connsiteY3" fmla="*/ 8099 h 1143004"/>
+                    <a:gd name="connsiteX4" fmla="*/ 4553224 w 4581164"/>
+                    <a:gd name="connsiteY4" fmla="*/ 571504 h 1143004"/>
+                    <a:gd name="connsiteX5" fmla="*/ 2259124 w 4581164"/>
+                    <a:gd name="connsiteY5" fmla="*/ 1134905 h 1143004"/>
+                    <a:gd name="connsiteX6" fmla="*/ 1771923 w 4581164"/>
+                    <a:gd name="connsiteY6" fmla="*/ 1143004 h 1143004"/>
+                    <a:gd name="connsiteX7" fmla="*/ 1284722 w 4581164"/>
+                    <a:gd name="connsiteY7" fmla="*/ 1134905 h 1143004"/>
+                    <a:gd name="connsiteX8" fmla="*/ 438423 w 4581164"/>
+                    <a:gd name="connsiteY8" fmla="*/ 571501 h 1143004"/>
+                    <a:gd name="connsiteX9" fmla="*/ 438424 w 4581164"/>
+                    <a:gd name="connsiteY9" fmla="*/ 571496 h 1143004"/>
+                    <a:gd name="connsiteX0" fmla="*/ 438424 w 4581164"/>
+                    <a:gd name="connsiteY0" fmla="*/ 571496 h 1143004"/>
+                    <a:gd name="connsiteX1" fmla="*/ 1284725 w 4581164"/>
+                    <a:gd name="connsiteY1" fmla="*/ 8099 h 1143004"/>
+                    <a:gd name="connsiteX2" fmla="*/ 1771925 w 4581164"/>
+                    <a:gd name="connsiteY2" fmla="*/ 0 h 1143004"/>
+                    <a:gd name="connsiteX3" fmla="*/ 2259126 w 4581164"/>
+                    <a:gd name="connsiteY3" fmla="*/ 8099 h 1143004"/>
+                    <a:gd name="connsiteX4" fmla="*/ 4553224 w 4581164"/>
+                    <a:gd name="connsiteY4" fmla="*/ 571504 h 1143004"/>
+                    <a:gd name="connsiteX5" fmla="*/ 2259124 w 4581164"/>
+                    <a:gd name="connsiteY5" fmla="*/ 1134905 h 1143004"/>
+                    <a:gd name="connsiteX6" fmla="*/ 1771923 w 4581164"/>
+                    <a:gd name="connsiteY6" fmla="*/ 1143004 h 1143004"/>
+                    <a:gd name="connsiteX7" fmla="*/ 1284722 w 4581164"/>
+                    <a:gd name="connsiteY7" fmla="*/ 1134905 h 1143004"/>
+                    <a:gd name="connsiteX8" fmla="*/ 438423 w 4581164"/>
+                    <a:gd name="connsiteY8" fmla="*/ 571501 h 1143004"/>
+                    <a:gd name="connsiteX9" fmla="*/ 438424 w 4581164"/>
+                    <a:gd name="connsiteY9" fmla="*/ 571496 h 1143004"/>
+                    <a:gd name="connsiteX0" fmla="*/ 438408 w 4581148"/>
+                    <a:gd name="connsiteY0" fmla="*/ 571496 h 1560755"/>
+                    <a:gd name="connsiteX1" fmla="*/ 1284709 w 4581148"/>
+                    <a:gd name="connsiteY1" fmla="*/ 8099 h 1560755"/>
+                    <a:gd name="connsiteX2" fmla="*/ 1771909 w 4581148"/>
+                    <a:gd name="connsiteY2" fmla="*/ 0 h 1560755"/>
+                    <a:gd name="connsiteX3" fmla="*/ 2259110 w 4581148"/>
+                    <a:gd name="connsiteY3" fmla="*/ 8099 h 1560755"/>
+                    <a:gd name="connsiteX4" fmla="*/ 4553208 w 4581148"/>
+                    <a:gd name="connsiteY4" fmla="*/ 571504 h 1560755"/>
+                    <a:gd name="connsiteX5" fmla="*/ 2259108 w 4581148"/>
+                    <a:gd name="connsiteY5" fmla="*/ 1134905 h 1560755"/>
+                    <a:gd name="connsiteX6" fmla="*/ 1771907 w 4581148"/>
+                    <a:gd name="connsiteY6" fmla="*/ 1143004 h 1560755"/>
+                    <a:gd name="connsiteX7" fmla="*/ 1284706 w 4581148"/>
+                    <a:gd name="connsiteY7" fmla="*/ 1134905 h 1560755"/>
+                    <a:gd name="connsiteX8" fmla="*/ 325488 w 4581148"/>
+                    <a:gd name="connsiteY8" fmla="*/ 1466855 h 1560755"/>
+                    <a:gd name="connsiteX9" fmla="*/ 438407 w 4581148"/>
+                    <a:gd name="connsiteY9" fmla="*/ 571501 h 1560755"/>
+                    <a:gd name="connsiteX10" fmla="*/ 438408 w 4581148"/>
+                    <a:gd name="connsiteY10" fmla="*/ 571496 h 1560755"/>
+                  </a:gdLst>
+                  <a:ahLst/>
+                  <a:cxnLst>
+                    <a:cxn ang="0">
+                      <a:pos x="connsiteX0" y="connsiteY0"/>
+                    </a:cxn>
+                    <a:cxn ang="0">
+                      <a:pos x="connsiteX1" y="connsiteY1"/>
+                    </a:cxn>
+                    <a:cxn ang="0">
+                      <a:pos x="connsiteX2" y="connsiteY2"/>
+                    </a:cxn>
+                    <a:cxn ang="0">
+                      <a:pos x="connsiteX3" y="connsiteY3"/>
+                    </a:cxn>
+                    <a:cxn ang="0">
+                      <a:pos x="connsiteX4" y="connsiteY4"/>
+                    </a:cxn>
+                    <a:cxn ang="0">
+                      <a:pos x="connsiteX5" y="connsiteY5"/>
+                    </a:cxn>
+                    <a:cxn ang="0">
+                      <a:pos x="connsiteX6" y="connsiteY6"/>
+                    </a:cxn>
+                    <a:cxn ang="0">
+                      <a:pos x="connsiteX7" y="connsiteY7"/>
+                    </a:cxn>
+                    <a:cxn ang="0">
+                      <a:pos x="connsiteX8" y="connsiteY8"/>
+                    </a:cxn>
+                    <a:cxn ang="0">
+                      <a:pos x="connsiteX9" y="connsiteY9"/>
+                    </a:cxn>
+                    <a:cxn ang="0">
+                      <a:pos x="connsiteX10" y="connsiteY10"/>
+                    </a:cxn>
+                  </a:cxnLst>
+                  <a:rect l="l" t="t" r="r" b="b"/>
+                  <a:pathLst>
+                    <a:path w="4581148" h="1560755">
+                      <a:moveTo>
+                        <a:pt x="438408" y="571496"/>
+                      </a:moveTo>
+                      <a:cubicBezTo>
+                        <a:pt x="575576" y="240917"/>
+                        <a:pt x="-1" y="51168"/>
+                        <a:pt x="1284709" y="8099"/>
+                      </a:cubicBezTo>
+                      <a:cubicBezTo>
+                        <a:pt x="1445440" y="2711"/>
+                        <a:pt x="1609509" y="0"/>
+                        <a:pt x="1771909" y="0"/>
+                      </a:cubicBezTo>
+                      <a:cubicBezTo>
+                        <a:pt x="1934309" y="0"/>
+                        <a:pt x="2098379" y="2711"/>
+                        <a:pt x="2259110" y="8099"/>
+                      </a:cubicBezTo>
+                      <a:cubicBezTo>
+                        <a:pt x="3543835" y="51170"/>
+                        <a:pt x="4537980" y="111382"/>
+                        <a:pt x="4553208" y="571504"/>
+                      </a:cubicBezTo>
+                      <a:cubicBezTo>
+                        <a:pt x="4581148" y="1115444"/>
+                        <a:pt x="3543824" y="1091834"/>
+                        <a:pt x="2259108" y="1134905"/>
+                      </a:cubicBezTo>
+                      <a:cubicBezTo>
+                        <a:pt x="2098377" y="1140294"/>
+                        <a:pt x="1934307" y="1143004"/>
+                        <a:pt x="1771907" y="1143004"/>
+                      </a:cubicBezTo>
+                      <a:cubicBezTo>
+                        <a:pt x="1609507" y="1143004"/>
+                        <a:pt x="1525776" y="1080930"/>
+                        <a:pt x="1284706" y="1134905"/>
+                      </a:cubicBezTo>
+                      <a:cubicBezTo>
+                        <a:pt x="1043636" y="1188880"/>
+                        <a:pt x="466538" y="1560756"/>
+                        <a:pt x="325488" y="1466855"/>
+                      </a:cubicBezTo>
+                      <a:cubicBezTo>
+                        <a:pt x="184438" y="1372954"/>
+                        <a:pt x="439680" y="641352"/>
+                        <a:pt x="438407" y="571501"/>
+                      </a:cubicBezTo>
+                      <a:cubicBezTo>
+                        <a:pt x="438407" y="548639"/>
+                        <a:pt x="438408" y="571498"/>
+                        <a:pt x="438408" y="571496"/>
+                      </a:cubicBezTo>
+                      <a:close/>
+                    </a:path>
+                  </a:pathLst>
+                </a:custGeom>
+                <a:solidFill>
+                  <a:srgbClr val="F2F2F2"/>
+                </a:solidFill>
+                <a:ln w="6350">
+                  <a:solidFill>
+                    <a:schemeClr val="tx1"/>
+                  </a:solidFill>
+                </a:ln>
+              </p:spPr>
+              <p:style>
+                <a:lnRef idx="2">
+                  <a:schemeClr val="accent1">
+                    <a:shade val="50000"/>
+                  </a:schemeClr>
+                </a:lnRef>
+                <a:fillRef idx="1">
+                  <a:schemeClr val="accent1"/>
+                </a:fillRef>
+                <a:effectRef idx="0">
+                  <a:schemeClr val="accent1"/>
+                </a:effectRef>
+                <a:fontRef idx="minor">
+                  <a:schemeClr val="lt1"/>
+                </a:fontRef>
+              </p:style>
+              <p:txBody>
+                <a:bodyPr rtlCol="0" anchor="ctr"/>
+                <a:lstStyle/>
+                <a:p>
+                  <a:pPr algn="ctr"/>
+                  <a:endParaRPr lang="en-US"/>
+                </a:p>
+              </p:txBody>
+            </p:sp>
+            <p:sp>
+              <p:nvSpPr>
+                <p:cNvPr id="70" name="Freeform 69"/>
+                <p:cNvSpPr/>
+                <p:nvPr/>
+              </p:nvSpPr>
+              <p:spPr>
+                <a:xfrm rot="17794966">
+                  <a:off x="3080325" y="1904449"/>
+                  <a:ext cx="3006407" cy="759588"/>
+                </a:xfrm>
+                <a:custGeom>
+                  <a:avLst/>
+                  <a:gdLst>
+                    <a:gd name="connsiteX0" fmla="*/ 12192 w 3468624"/>
+                    <a:gd name="connsiteY0" fmla="*/ 0 h 658368"/>
+                    <a:gd name="connsiteX1" fmla="*/ 2670048 w 3468624"/>
+                    <a:gd name="connsiteY1" fmla="*/ 0 h 658368"/>
+                    <a:gd name="connsiteX2" fmla="*/ 2676144 w 3468624"/>
+                    <a:gd name="connsiteY2" fmla="*/ 262128 h 658368"/>
+                    <a:gd name="connsiteX3" fmla="*/ 3468624 w 3468624"/>
+                    <a:gd name="connsiteY3" fmla="*/ 627888 h 658368"/>
+                    <a:gd name="connsiteX4" fmla="*/ 3157728 w 3468624"/>
+                    <a:gd name="connsiteY4" fmla="*/ 658368 h 658368"/>
+                    <a:gd name="connsiteX5" fmla="*/ 3261360 w 3468624"/>
+                    <a:gd name="connsiteY5" fmla="*/ 652272 h 658368"/>
+                    <a:gd name="connsiteX6" fmla="*/ 2566416 w 3468624"/>
+                    <a:gd name="connsiteY6" fmla="*/ 316992 h 658368"/>
+                    <a:gd name="connsiteX7" fmla="*/ 2566416 w 3468624"/>
+                    <a:gd name="connsiteY7" fmla="*/ 121920 h 658368"/>
+                    <a:gd name="connsiteX8" fmla="*/ 0 w 3468624"/>
+                    <a:gd name="connsiteY8" fmla="*/ 109728 h 658368"/>
+                  </a:gdLst>
+                  <a:ahLst/>
+                  <a:cxnLst>
+                    <a:cxn ang="0">
+                      <a:pos x="connsiteX0" y="connsiteY0"/>
+                    </a:cxn>
+                    <a:cxn ang="0">
+                      <a:pos x="connsiteX1" y="connsiteY1"/>
+                    </a:cxn>
+                    <a:cxn ang="0">
+                      <a:pos x="connsiteX2" y="connsiteY2"/>
+                    </a:cxn>
+                    <a:cxn ang="0">
+                      <a:pos x="connsiteX3" y="connsiteY3"/>
+                    </a:cxn>
+                    <a:cxn ang="0">
+                      <a:pos x="connsiteX4" y="connsiteY4"/>
+                    </a:cxn>
+                    <a:cxn ang="0">
+                      <a:pos x="connsiteX5" y="connsiteY5"/>
+                    </a:cxn>
+                    <a:cxn ang="0">
+                      <a:pos x="connsiteX6" y="connsiteY6"/>
+                    </a:cxn>
+                    <a:cxn ang="0">
+                      <a:pos x="connsiteX7" y="connsiteY7"/>
+                    </a:cxn>
+                    <a:cxn ang="0">
+                      <a:pos x="connsiteX8" y="connsiteY8"/>
+                    </a:cxn>
+                  </a:cxnLst>
+                  <a:rect l="l" t="t" r="r" b="b"/>
+                  <a:pathLst>
+                    <a:path w="3468624" h="658368">
+                      <a:moveTo>
+                        <a:pt x="12192" y="0"/>
+                      </a:moveTo>
+                      <a:lnTo>
+                        <a:pt x="2670048" y="0"/>
+                      </a:lnTo>
+                      <a:lnTo>
+                        <a:pt x="2676144" y="262128"/>
+                      </a:lnTo>
+                      <a:lnTo>
+                        <a:pt x="3468624" y="627888"/>
+                      </a:lnTo>
+                      <a:lnTo>
+                        <a:pt x="3157728" y="658368"/>
+                      </a:lnTo>
+                      <a:lnTo>
+                        <a:pt x="3261360" y="652272"/>
+                      </a:lnTo>
+                      <a:lnTo>
+                        <a:pt x="2566416" y="316992"/>
+                      </a:lnTo>
+                      <a:lnTo>
+                        <a:pt x="2566416" y="121920"/>
+                      </a:lnTo>
+                      <a:lnTo>
+                        <a:pt x="0" y="109728"/>
+                      </a:lnTo>
+                    </a:path>
+                  </a:pathLst>
+                </a:custGeom>
+                <a:solidFill>
+                  <a:srgbClr val="73E9F9"/>
+                </a:solidFill>
+                <a:ln w="6350">
+                  <a:solidFill>
+                    <a:schemeClr val="tx1"/>
+                  </a:solidFill>
+                </a:ln>
+              </p:spPr>
+              <p:style>
+                <a:lnRef idx="1">
+                  <a:schemeClr val="accent1"/>
+                </a:lnRef>
+                <a:fillRef idx="0">
+                  <a:schemeClr val="accent1"/>
+                </a:fillRef>
+                <a:effectRef idx="0">
+                  <a:schemeClr val="accent1"/>
+                </a:effectRef>
+                <a:fontRef idx="minor">
+                  <a:schemeClr val="tx1"/>
+                </a:fontRef>
+              </p:style>
+              <p:txBody>
+                <a:bodyPr rtlCol="0" anchor="ctr"/>
+                <a:lstStyle/>
+                <a:p>
+                  <a:pPr algn="ctr"/>
+                  <a:endParaRPr lang="en-US"/>
+                </a:p>
+              </p:txBody>
+            </p:sp>
+          </p:grpSp>
+          <p:grpSp>
+            <p:nvGrpSpPr>
+              <p:cNvPr id="42" name="Group 29"/>
+              <p:cNvGrpSpPr/>
+              <p:nvPr/>
+            </p:nvGrpSpPr>
+            <p:grpSpPr>
+              <a:xfrm>
+                <a:off x="2893056" y="2895599"/>
+                <a:ext cx="2897614" cy="3045478"/>
+                <a:chOff x="1447800" y="986118"/>
+                <a:chExt cx="4513729" cy="5410201"/>
+              </a:xfrm>
+            </p:grpSpPr>
+            <p:sp>
+              <p:nvSpPr>
+                <p:cNvPr id="61" name="Rounded Rectangle 60"/>
+                <p:cNvSpPr/>
+                <p:nvPr/>
+              </p:nvSpPr>
+              <p:spPr>
+                <a:xfrm>
+                  <a:off x="1570464" y="986118"/>
+                  <a:ext cx="4277155" cy="5410201"/>
+                </a:xfrm>
+                <a:prstGeom prst="roundRect">
+                  <a:avLst>
+                    <a:gd name="adj" fmla="val 9887"/>
+                  </a:avLst>
+                </a:prstGeom>
+                <a:solidFill>
+                  <a:srgbClr val="F2F2F2"/>
+                </a:solidFill>
+                <a:ln w="6350">
+                  <a:solidFill>
+                    <a:schemeClr val="tx1"/>
+                  </a:solidFill>
+                </a:ln>
+              </p:spPr>
+              <p:style>
+                <a:lnRef idx="2">
+                  <a:schemeClr val="accent1">
+                    <a:shade val="50000"/>
+                  </a:schemeClr>
+                </a:lnRef>
+                <a:fillRef idx="1">
+                  <a:schemeClr val="accent1"/>
+                </a:fillRef>
+                <a:effectRef idx="0">
+                  <a:schemeClr val="accent1"/>
+                </a:effectRef>
+                <a:fontRef idx="minor">
+                  <a:schemeClr val="lt1"/>
+                </a:fontRef>
+              </p:style>
+              <p:txBody>
+                <a:bodyPr rtlCol="0" anchor="ctr"/>
+                <a:lstStyle/>
+                <a:p>
+                  <a:pPr algn="ctr"/>
+                  <a:endParaRPr lang="en-US"/>
+                </a:p>
+              </p:txBody>
+            </p:sp>
+            <p:sp>
+              <p:nvSpPr>
+                <p:cNvPr id="62" name="Freeform 61"/>
+                <p:cNvSpPr/>
+                <p:nvPr/>
+              </p:nvSpPr>
+              <p:spPr>
+                <a:xfrm>
+                  <a:off x="4876800" y="986119"/>
+                  <a:ext cx="1084729" cy="1909481"/>
+                </a:xfrm>
+                <a:custGeom>
+                  <a:avLst/>
+                  <a:gdLst>
+                    <a:gd name="connsiteX0" fmla="*/ 0 w 1210235"/>
+                    <a:gd name="connsiteY0" fmla="*/ 0 h 1927411"/>
+                    <a:gd name="connsiteX1" fmla="*/ 26894 w 1210235"/>
+                    <a:gd name="connsiteY1" fmla="*/ 1927411 h 1927411"/>
+                    <a:gd name="connsiteX2" fmla="*/ 1210235 w 1210235"/>
+                    <a:gd name="connsiteY2" fmla="*/ 1927411 h 1927411"/>
+                  </a:gdLst>
+                  <a:ahLst/>
+                  <a:cxnLst>
+                    <a:cxn ang="0">
+                      <a:pos x="connsiteX0" y="connsiteY0"/>
+                    </a:cxn>
+                    <a:cxn ang="0">
+                      <a:pos x="connsiteX1" y="connsiteY1"/>
+                    </a:cxn>
+                    <a:cxn ang="0">
+                      <a:pos x="connsiteX2" y="connsiteY2"/>
+                    </a:cxn>
+                  </a:cxnLst>
+                  <a:rect l="l" t="t" r="r" b="b"/>
+                  <a:pathLst>
+                    <a:path w="1210235" h="1927411">
+                      <a:moveTo>
+                        <a:pt x="0" y="0"/>
+                      </a:moveTo>
+                      <a:lnTo>
+                        <a:pt x="26894" y="1927411"/>
+                      </a:lnTo>
+                      <a:lnTo>
+                        <a:pt x="1210235" y="1927411"/>
+                      </a:lnTo>
+                    </a:path>
+                  </a:pathLst>
+                </a:custGeom>
+                <a:solidFill>
+                  <a:srgbClr val="F2F2F2"/>
+                </a:solidFill>
+                <a:ln w="57150">
+                  <a:solidFill>
+                    <a:srgbClr val="73E9F9"/>
+                  </a:solidFill>
+                </a:ln>
+              </p:spPr>
+              <p:style>
+                <a:lnRef idx="1">
+                  <a:schemeClr val="accent1"/>
+                </a:lnRef>
+                <a:fillRef idx="0">
+                  <a:schemeClr val="accent1"/>
+                </a:fillRef>
+                <a:effectRef idx="0">
+                  <a:schemeClr val="accent1"/>
+                </a:effectRef>
+                <a:fontRef idx="minor">
+                  <a:schemeClr val="tx1"/>
+                </a:fontRef>
+              </p:style>
+              <p:txBody>
+                <a:bodyPr rtlCol="0" anchor="ctr"/>
+                <a:lstStyle/>
+                <a:p>
+                  <a:pPr algn="ctr"/>
+                  <a:endParaRPr lang="en-US"/>
+                </a:p>
+              </p:txBody>
+            </p:sp>
+            <p:sp>
+              <p:nvSpPr>
+                <p:cNvPr id="63" name="Freeform 62"/>
+                <p:cNvSpPr/>
+                <p:nvPr/>
+              </p:nvSpPr>
+              <p:spPr>
+                <a:xfrm>
+                  <a:off x="2796988" y="3173506"/>
+                  <a:ext cx="788894" cy="788894"/>
+                </a:xfrm>
+                <a:custGeom>
+                  <a:avLst/>
+                  <a:gdLst>
+                    <a:gd name="connsiteX0" fmla="*/ 0 w 788894"/>
+                    <a:gd name="connsiteY0" fmla="*/ 0 h 591670"/>
+                    <a:gd name="connsiteX1" fmla="*/ 788894 w 788894"/>
+                    <a:gd name="connsiteY1" fmla="*/ 0 h 591670"/>
+                    <a:gd name="connsiteX2" fmla="*/ 412377 w 788894"/>
+                    <a:gd name="connsiteY2" fmla="*/ 0 h 591670"/>
+                    <a:gd name="connsiteX3" fmla="*/ 403412 w 788894"/>
+                    <a:gd name="connsiteY3" fmla="*/ 591670 h 591670"/>
+                  </a:gdLst>
+                  <a:ahLst/>
+                  <a:cxnLst>
+                    <a:cxn ang="0">
+                      <a:pos x="connsiteX0" y="connsiteY0"/>
+                    </a:cxn>
+                    <a:cxn ang="0">
+                      <a:pos x="connsiteX1" y="connsiteY1"/>
+                    </a:cxn>
+                    <a:cxn ang="0">
+                      <a:pos x="connsiteX2" y="connsiteY2"/>
+                    </a:cxn>
+                    <a:cxn ang="0">
+                      <a:pos x="connsiteX3" y="connsiteY3"/>
+                    </a:cxn>
+                  </a:cxnLst>
+                  <a:rect l="l" t="t" r="r" b="b"/>
+                  <a:pathLst>
+                    <a:path w="788894" h="591670">
+                      <a:moveTo>
+                        <a:pt x="0" y="0"/>
+                      </a:moveTo>
+                      <a:lnTo>
+                        <a:pt x="788894" y="0"/>
+                      </a:lnTo>
+                      <a:lnTo>
+                        <a:pt x="412377" y="0"/>
+                      </a:lnTo>
+                      <a:lnTo>
+                        <a:pt x="403412" y="591670"/>
+                      </a:lnTo>
+                    </a:path>
+                  </a:pathLst>
+                </a:custGeom>
+                <a:solidFill>
+                  <a:srgbClr val="F2F2F2"/>
+                </a:solidFill>
+                <a:ln w="19050">
+                  <a:solidFill>
+                    <a:srgbClr val="73E9F9"/>
+                  </a:solidFill>
+                </a:ln>
+              </p:spPr>
+              <p:style>
+                <a:lnRef idx="1">
+                  <a:schemeClr val="accent1"/>
+                </a:lnRef>
+                <a:fillRef idx="0">
+                  <a:schemeClr val="accent1"/>
+                </a:fillRef>
+                <a:effectRef idx="0">
+                  <a:schemeClr val="accent1"/>
+                </a:effectRef>
+                <a:fontRef idx="minor">
+                  <a:schemeClr val="tx1"/>
+                </a:fontRef>
+              </p:style>
+              <p:txBody>
+                <a:bodyPr rtlCol="0" anchor="ctr"/>
+                <a:lstStyle/>
+                <a:p>
+                  <a:pPr algn="ctr"/>
+                  <a:endParaRPr lang="en-US"/>
+                </a:p>
+              </p:txBody>
+            </p:sp>
+            <p:sp>
+              <p:nvSpPr>
+                <p:cNvPr id="64" name="Freeform 63"/>
+                <p:cNvSpPr/>
+                <p:nvPr/>
+              </p:nvSpPr>
+              <p:spPr>
+                <a:xfrm>
+                  <a:off x="3550024" y="3325906"/>
+                  <a:ext cx="914400" cy="663388"/>
+                </a:xfrm>
+                <a:custGeom>
+                  <a:avLst/>
+                  <a:gdLst>
+                    <a:gd name="connsiteX0" fmla="*/ 0 w 914400"/>
+                    <a:gd name="connsiteY0" fmla="*/ 0 h 663388"/>
+                    <a:gd name="connsiteX1" fmla="*/ 152400 w 914400"/>
+                    <a:gd name="connsiteY1" fmla="*/ 663388 h 663388"/>
+                    <a:gd name="connsiteX2" fmla="*/ 412376 w 914400"/>
+                    <a:gd name="connsiteY2" fmla="*/ 259976 h 663388"/>
+                    <a:gd name="connsiteX3" fmla="*/ 582705 w 914400"/>
+                    <a:gd name="connsiteY3" fmla="*/ 627529 h 663388"/>
+                    <a:gd name="connsiteX4" fmla="*/ 824752 w 914400"/>
+                    <a:gd name="connsiteY4" fmla="*/ 44823 h 663388"/>
+                    <a:gd name="connsiteX5" fmla="*/ 914400 w 914400"/>
+                    <a:gd name="connsiteY5" fmla="*/ 0 h 663388"/>
+                  </a:gdLst>
+                  <a:ahLst/>
+                  <a:cxnLst>
+                    <a:cxn ang="0">
+                      <a:pos x="connsiteX0" y="connsiteY0"/>
+                    </a:cxn>
+                    <a:cxn ang="0">
+                      <a:pos x="connsiteX1" y="connsiteY1"/>
+                    </a:cxn>
+                    <a:cxn ang="0">
+                      <a:pos x="connsiteX2" y="connsiteY2"/>
+                    </a:cxn>
+                    <a:cxn ang="0">
+                      <a:pos x="connsiteX3" y="connsiteY3"/>
+                    </a:cxn>
+                    <a:cxn ang="0">
+                      <a:pos x="connsiteX4" y="connsiteY4"/>
+                    </a:cxn>
+                    <a:cxn ang="0">
+                      <a:pos x="connsiteX5" y="connsiteY5"/>
+                    </a:cxn>
+                  </a:cxnLst>
+                  <a:rect l="l" t="t" r="r" b="b"/>
+                  <a:pathLst>
+                    <a:path w="914400" h="663388">
+                      <a:moveTo>
+                        <a:pt x="0" y="0"/>
+                      </a:moveTo>
+                      <a:lnTo>
+                        <a:pt x="152400" y="663388"/>
+                      </a:lnTo>
+                      <a:lnTo>
+                        <a:pt x="412376" y="259976"/>
+                      </a:lnTo>
+                      <a:lnTo>
+                        <a:pt x="582705" y="627529"/>
+                      </a:lnTo>
+                      <a:lnTo>
+                        <a:pt x="824752" y="44823"/>
+                      </a:lnTo>
+                      <a:lnTo>
+                        <a:pt x="914400" y="0"/>
+                      </a:lnTo>
+                    </a:path>
+                  </a:pathLst>
+                </a:custGeom>
+                <a:solidFill>
+                  <a:srgbClr val="F2F2F2"/>
+                </a:solidFill>
+                <a:ln w="19050">
+                  <a:solidFill>
+                    <a:srgbClr val="73E9F9"/>
+                  </a:solidFill>
+                </a:ln>
+              </p:spPr>
+              <p:style>
+                <a:lnRef idx="1">
+                  <a:schemeClr val="accent1"/>
+                </a:lnRef>
+                <a:fillRef idx="0">
+                  <a:schemeClr val="accent1"/>
+                </a:fillRef>
+                <a:effectRef idx="0">
+                  <a:schemeClr val="accent1"/>
+                </a:effectRef>
+                <a:fontRef idx="minor">
+                  <a:schemeClr val="tx1"/>
+                </a:fontRef>
+              </p:style>
+              <p:txBody>
+                <a:bodyPr rtlCol="0" anchor="ctr"/>
+                <a:lstStyle/>
+                <a:p>
+                  <a:pPr algn="ctr"/>
+                  <a:endParaRPr lang="en-US"/>
+                </a:p>
+              </p:txBody>
+            </p:sp>
+            <p:sp>
+              <p:nvSpPr>
+                <p:cNvPr id="65" name="Block Arc 64"/>
+                <p:cNvSpPr/>
+                <p:nvPr/>
+              </p:nvSpPr>
+              <p:spPr>
+                <a:xfrm rot="9241312">
+                  <a:off x="2610311" y="2544675"/>
+                  <a:ext cx="1857730" cy="1909296"/>
+                </a:xfrm>
+                <a:prstGeom prst="blockArc">
+                  <a:avLst>
+                    <a:gd name="adj1" fmla="val 11578021"/>
+                    <a:gd name="adj2" fmla="val 7544808"/>
+                    <a:gd name="adj3" fmla="val 0"/>
+                  </a:avLst>
+                </a:prstGeom>
+                <a:solidFill>
+                  <a:schemeClr val="bg1"/>
+                </a:solidFill>
+                <a:ln w="19050">
+                  <a:solidFill>
+                    <a:srgbClr val="73E9F9"/>
+                  </a:solidFill>
+                </a:ln>
+              </p:spPr>
+              <p:style>
+                <a:lnRef idx="2">
+                  <a:schemeClr val="accent1">
+                    <a:shade val="50000"/>
+                  </a:schemeClr>
+                </a:lnRef>
+                <a:fillRef idx="1">
+                  <a:schemeClr val="accent1"/>
+                </a:fillRef>
+                <a:effectRef idx="0">
+                  <a:schemeClr val="accent1"/>
+                </a:effectRef>
+                <a:fontRef idx="minor">
+                  <a:schemeClr val="lt1"/>
+                </a:fontRef>
+              </p:style>
+              <p:txBody>
+                <a:bodyPr rtlCol="0" anchor="ctr"/>
+                <a:lstStyle/>
+                <a:p>
+                  <a:pPr algn="ctr"/>
+                  <a:endParaRPr lang="en-US">
+                    <a:solidFill>
+                      <a:schemeClr val="tx1"/>
+                    </a:solidFill>
+                  </a:endParaRPr>
+                </a:p>
+              </p:txBody>
+            </p:sp>
+            <p:sp>
+              <p:nvSpPr>
+                <p:cNvPr id="66" name="Freeform 65"/>
+                <p:cNvSpPr/>
+                <p:nvPr/>
+              </p:nvSpPr>
+              <p:spPr>
+                <a:xfrm>
+                  <a:off x="4353327" y="3283857"/>
+                  <a:ext cx="122788" cy="95007"/>
+                </a:xfrm>
+                <a:custGeom>
+                  <a:avLst/>
+                  <a:gdLst>
+                    <a:gd name="connsiteX0" fmla="*/ 84053 w 95528"/>
+                    <a:gd name="connsiteY0" fmla="*/ 4233 h 93797"/>
+                    <a:gd name="connsiteX1" fmla="*/ 53573 w 95528"/>
+                    <a:gd name="connsiteY1" fmla="*/ 19473 h 93797"/>
+                    <a:gd name="connsiteX2" fmla="*/ 38333 w 95528"/>
+                    <a:gd name="connsiteY2" fmla="*/ 29633 h 93797"/>
+                    <a:gd name="connsiteX3" fmla="*/ 30713 w 95528"/>
+                    <a:gd name="connsiteY3" fmla="*/ 47413 h 93797"/>
+                    <a:gd name="connsiteX4" fmla="*/ 20553 w 95528"/>
+                    <a:gd name="connsiteY4" fmla="*/ 62653 h 93797"/>
+                    <a:gd name="connsiteX5" fmla="*/ 10393 w 95528"/>
+                    <a:gd name="connsiteY5" fmla="*/ 77893 h 93797"/>
+                    <a:gd name="connsiteX6" fmla="*/ 5313 w 95528"/>
+                    <a:gd name="connsiteY6" fmla="*/ 93133 h 93797"/>
+                    <a:gd name="connsiteX7" fmla="*/ 25633 w 95528"/>
+                    <a:gd name="connsiteY7" fmla="*/ 90593 h 93797"/>
+                    <a:gd name="connsiteX8" fmla="*/ 33253 w 95528"/>
+                    <a:gd name="connsiteY8" fmla="*/ 88053 h 93797"/>
+                    <a:gd name="connsiteX9" fmla="*/ 48493 w 95528"/>
+                    <a:gd name="connsiteY9" fmla="*/ 77893 h 93797"/>
+                    <a:gd name="connsiteX10" fmla="*/ 71353 w 95528"/>
+                    <a:gd name="connsiteY10" fmla="*/ 65193 h 93797"/>
+                    <a:gd name="connsiteX11" fmla="*/ 86593 w 95528"/>
+                    <a:gd name="connsiteY11" fmla="*/ 52493 h 93797"/>
+                    <a:gd name="connsiteX12" fmla="*/ 94213 w 95528"/>
+                    <a:gd name="connsiteY12" fmla="*/ 37253 h 93797"/>
+                    <a:gd name="connsiteX13" fmla="*/ 86593 w 95528"/>
+                    <a:gd name="connsiteY13" fmla="*/ 32173 h 93797"/>
+                    <a:gd name="connsiteX14" fmla="*/ 78973 w 95528"/>
+                    <a:gd name="connsiteY14" fmla="*/ 14393 h 93797"/>
+                    <a:gd name="connsiteX15" fmla="*/ 86593 w 95528"/>
+                    <a:gd name="connsiteY15" fmla="*/ 9313 h 93797"/>
+                    <a:gd name="connsiteX16" fmla="*/ 86593 w 95528"/>
+                    <a:gd name="connsiteY16" fmla="*/ 27093 h 93797"/>
+                    <a:gd name="connsiteX17" fmla="*/ 89133 w 95528"/>
+                    <a:gd name="connsiteY17" fmla="*/ 44873 h 93797"/>
+                    <a:gd name="connsiteX18" fmla="*/ 84053 w 95528"/>
+                    <a:gd name="connsiteY18" fmla="*/ 4233 h 93797"/>
+                    <a:gd name="connsiteX0" fmla="*/ 84053 w 95528"/>
+                    <a:gd name="connsiteY0" fmla="*/ 4233 h 93797"/>
+                    <a:gd name="connsiteX1" fmla="*/ 53573 w 95528"/>
+                    <a:gd name="connsiteY1" fmla="*/ 19473 h 93797"/>
+                    <a:gd name="connsiteX2" fmla="*/ 38333 w 95528"/>
+                    <a:gd name="connsiteY2" fmla="*/ 29633 h 93797"/>
+                    <a:gd name="connsiteX3" fmla="*/ 30713 w 95528"/>
+                    <a:gd name="connsiteY3" fmla="*/ 47413 h 93797"/>
+                    <a:gd name="connsiteX4" fmla="*/ 20553 w 95528"/>
+                    <a:gd name="connsiteY4" fmla="*/ 62653 h 93797"/>
+                    <a:gd name="connsiteX5" fmla="*/ 10393 w 95528"/>
+                    <a:gd name="connsiteY5" fmla="*/ 77893 h 93797"/>
+                    <a:gd name="connsiteX6" fmla="*/ 5313 w 95528"/>
+                    <a:gd name="connsiteY6" fmla="*/ 93133 h 93797"/>
+                    <a:gd name="connsiteX7" fmla="*/ 25633 w 95528"/>
+                    <a:gd name="connsiteY7" fmla="*/ 90593 h 93797"/>
+                    <a:gd name="connsiteX8" fmla="*/ 33253 w 95528"/>
+                    <a:gd name="connsiteY8" fmla="*/ 88053 h 93797"/>
+                    <a:gd name="connsiteX9" fmla="*/ 48493 w 95528"/>
+                    <a:gd name="connsiteY9" fmla="*/ 77893 h 93797"/>
+                    <a:gd name="connsiteX10" fmla="*/ 71353 w 95528"/>
+                    <a:gd name="connsiteY10" fmla="*/ 65193 h 93797"/>
+                    <a:gd name="connsiteX11" fmla="*/ 86593 w 95528"/>
+                    <a:gd name="connsiteY11" fmla="*/ 52493 h 93797"/>
+                    <a:gd name="connsiteX12" fmla="*/ 94213 w 95528"/>
+                    <a:gd name="connsiteY12" fmla="*/ 37253 h 93797"/>
+                    <a:gd name="connsiteX13" fmla="*/ 86593 w 95528"/>
+                    <a:gd name="connsiteY13" fmla="*/ 32173 h 93797"/>
+                    <a:gd name="connsiteX14" fmla="*/ 78973 w 95528"/>
+                    <a:gd name="connsiteY14" fmla="*/ 14393 h 93797"/>
+                    <a:gd name="connsiteX15" fmla="*/ 86593 w 95528"/>
+                    <a:gd name="connsiteY15" fmla="*/ 9313 h 93797"/>
+                    <a:gd name="connsiteX16" fmla="*/ 86593 w 95528"/>
+                    <a:gd name="connsiteY16" fmla="*/ 27093 h 93797"/>
+                    <a:gd name="connsiteX17" fmla="*/ 89133 w 95528"/>
+                    <a:gd name="connsiteY17" fmla="*/ 44873 h 93797"/>
+                    <a:gd name="connsiteX18" fmla="*/ 84053 w 95528"/>
+                    <a:gd name="connsiteY18" fmla="*/ 4233 h 93797"/>
+                    <a:gd name="connsiteX0" fmla="*/ 84053 w 122788"/>
+                    <a:gd name="connsiteY0" fmla="*/ 5443 h 95007"/>
+                    <a:gd name="connsiteX1" fmla="*/ 53573 w 122788"/>
+                    <a:gd name="connsiteY1" fmla="*/ 20683 h 95007"/>
+                    <a:gd name="connsiteX2" fmla="*/ 38333 w 122788"/>
+                    <a:gd name="connsiteY2" fmla="*/ 30843 h 95007"/>
+                    <a:gd name="connsiteX3" fmla="*/ 30713 w 122788"/>
+                    <a:gd name="connsiteY3" fmla="*/ 48623 h 95007"/>
+                    <a:gd name="connsiteX4" fmla="*/ 20553 w 122788"/>
+                    <a:gd name="connsiteY4" fmla="*/ 63863 h 95007"/>
+                    <a:gd name="connsiteX5" fmla="*/ 10393 w 122788"/>
+                    <a:gd name="connsiteY5" fmla="*/ 79103 h 95007"/>
+                    <a:gd name="connsiteX6" fmla="*/ 5313 w 122788"/>
+                    <a:gd name="connsiteY6" fmla="*/ 94343 h 95007"/>
+                    <a:gd name="connsiteX7" fmla="*/ 25633 w 122788"/>
+                    <a:gd name="connsiteY7" fmla="*/ 91803 h 95007"/>
+                    <a:gd name="connsiteX8" fmla="*/ 33253 w 122788"/>
+                    <a:gd name="connsiteY8" fmla="*/ 89263 h 95007"/>
+                    <a:gd name="connsiteX9" fmla="*/ 48493 w 122788"/>
+                    <a:gd name="connsiteY9" fmla="*/ 79103 h 95007"/>
+                    <a:gd name="connsiteX10" fmla="*/ 71353 w 122788"/>
+                    <a:gd name="connsiteY10" fmla="*/ 66403 h 95007"/>
+                    <a:gd name="connsiteX11" fmla="*/ 86593 w 122788"/>
+                    <a:gd name="connsiteY11" fmla="*/ 53703 h 95007"/>
+                    <a:gd name="connsiteX12" fmla="*/ 94213 w 122788"/>
+                    <a:gd name="connsiteY12" fmla="*/ 38463 h 95007"/>
+                    <a:gd name="connsiteX13" fmla="*/ 86593 w 122788"/>
+                    <a:gd name="connsiteY13" fmla="*/ 33383 h 95007"/>
+                    <a:gd name="connsiteX14" fmla="*/ 78973 w 122788"/>
+                    <a:gd name="connsiteY14" fmla="*/ 15603 h 95007"/>
+                    <a:gd name="connsiteX15" fmla="*/ 86593 w 122788"/>
+                    <a:gd name="connsiteY15" fmla="*/ 10523 h 95007"/>
+                    <a:gd name="connsiteX16" fmla="*/ 86593 w 122788"/>
+                    <a:gd name="connsiteY16" fmla="*/ 28303 h 95007"/>
+                    <a:gd name="connsiteX17" fmla="*/ 89133 w 122788"/>
+                    <a:gd name="connsiteY17" fmla="*/ 46083 h 95007"/>
+                    <a:gd name="connsiteX18" fmla="*/ 84053 w 122788"/>
+                    <a:gd name="connsiteY18" fmla="*/ 5443 h 95007"/>
+                  </a:gdLst>
+                  <a:ahLst/>
+                  <a:cxnLst>
+                    <a:cxn ang="0">
+                      <a:pos x="connsiteX0" y="connsiteY0"/>
+                    </a:cxn>
+                    <a:cxn ang="0">
+                      <a:pos x="connsiteX1" y="connsiteY1"/>
+                    </a:cxn>
+                    <a:cxn ang="0">
+                      <a:pos x="connsiteX2" y="connsiteY2"/>
+                    </a:cxn>
+                    <a:cxn ang="0">
+                      <a:pos x="connsiteX3" y="connsiteY3"/>
+                    </a:cxn>
+                    <a:cxn ang="0">
+                      <a:pos x="connsiteX4" y="connsiteY4"/>
+                    </a:cxn>
+                    <a:cxn ang="0">
+                      <a:pos x="connsiteX5" y="connsiteY5"/>
+                    </a:cxn>
+                    <a:cxn ang="0">
+                      <a:pos x="connsiteX6" y="connsiteY6"/>
+                    </a:cxn>
+                    <a:cxn ang="0">
+                      <a:pos x="connsiteX7" y="connsiteY7"/>
+                    </a:cxn>
+                    <a:cxn ang="0">
+                      <a:pos x="connsiteX8" y="connsiteY8"/>
+                    </a:cxn>
+                    <a:cxn ang="0">
+                      <a:pos x="connsiteX9" y="connsiteY9"/>
+                    </a:cxn>
+                    <a:cxn ang="0">
+                      <a:pos x="connsiteX10" y="connsiteY10"/>
+                    </a:cxn>
+                    <a:cxn ang="0">
+                      <a:pos x="connsiteX11" y="connsiteY11"/>
+                    </a:cxn>
+                    <a:cxn ang="0">
+                      <a:pos x="connsiteX12" y="connsiteY12"/>
+                    </a:cxn>
+                    <a:cxn ang="0">
+                      <a:pos x="connsiteX13" y="connsiteY13"/>
+                    </a:cxn>
+                    <a:cxn ang="0">
+                      <a:pos x="connsiteX14" y="connsiteY14"/>
+                    </a:cxn>
+                    <a:cxn ang="0">
+                      <a:pos x="connsiteX15" y="connsiteY15"/>
+                    </a:cxn>
+                    <a:cxn ang="0">
+                      <a:pos x="connsiteX16" y="connsiteY16"/>
+                    </a:cxn>
+                    <a:cxn ang="0">
+                      <a:pos x="connsiteX17" y="connsiteY17"/>
+                    </a:cxn>
+                    <a:cxn ang="0">
+                      <a:pos x="connsiteX18" y="connsiteY18"/>
+                    </a:cxn>
+                  </a:cxnLst>
+                  <a:rect l="l" t="t" r="r" b="b"/>
+                  <a:pathLst>
+                    <a:path w="122788" h="95007">
+                      <a:moveTo>
+                        <a:pt x="84053" y="5443"/>
+                      </a:moveTo>
+                      <a:cubicBezTo>
+                        <a:pt x="78126" y="1210"/>
+                        <a:pt x="73522" y="5167"/>
+                        <a:pt x="53573" y="20683"/>
+                      </a:cubicBezTo>
+                      <a:cubicBezTo>
+                        <a:pt x="48754" y="24431"/>
+                        <a:pt x="38333" y="30843"/>
+                        <a:pt x="38333" y="30843"/>
+                      </a:cubicBezTo>
+                      <a:cubicBezTo>
+                        <a:pt x="31041" y="60012"/>
+                        <a:pt x="41238" y="24066"/>
+                        <a:pt x="30713" y="48623"/>
+                      </a:cubicBezTo>
+                      <a:cubicBezTo>
+                        <a:pt x="24152" y="63931"/>
+                        <a:pt x="33946" y="54934"/>
+                        <a:pt x="20553" y="63863"/>
+                      </a:cubicBezTo>
+                      <a:cubicBezTo>
+                        <a:pt x="12150" y="89072"/>
+                        <a:pt x="26248" y="50563"/>
+                        <a:pt x="10393" y="79103"/>
+                      </a:cubicBezTo>
+                      <a:cubicBezTo>
+                        <a:pt x="7792" y="83784"/>
+                        <a:pt x="0" y="95007"/>
+                        <a:pt x="5313" y="94343"/>
+                      </a:cubicBezTo>
+                      <a:lnTo>
+                        <a:pt x="25633" y="91803"/>
+                      </a:lnTo>
+                      <a:cubicBezTo>
+                        <a:pt x="28173" y="90956"/>
+                        <a:pt x="30913" y="90563"/>
+                        <a:pt x="33253" y="89263"/>
+                      </a:cubicBezTo>
+                      <a:cubicBezTo>
+                        <a:pt x="38590" y="86298"/>
+                        <a:pt x="42701" y="81034"/>
+                        <a:pt x="48493" y="79103"/>
+                      </a:cubicBezTo>
+                      <a:cubicBezTo>
+                        <a:pt x="58075" y="75909"/>
+                        <a:pt x="62619" y="75137"/>
+                        <a:pt x="71353" y="66403"/>
+                      </a:cubicBezTo>
+                      <a:cubicBezTo>
+                        <a:pt x="81132" y="56624"/>
+                        <a:pt x="75984" y="60776"/>
+                        <a:pt x="86593" y="53703"/>
+                      </a:cubicBezTo>
+                      <a:cubicBezTo>
+                        <a:pt x="87663" y="52098"/>
+                        <a:pt x="95528" y="41749"/>
+                        <a:pt x="94213" y="38463"/>
+                      </a:cubicBezTo>
+                      <a:cubicBezTo>
+                        <a:pt x="93079" y="35629"/>
+                        <a:pt x="89133" y="35076"/>
+                        <a:pt x="86593" y="33383"/>
+                      </a:cubicBezTo>
+                      <a:cubicBezTo>
+                        <a:pt x="84039" y="29552"/>
+                        <a:pt x="77151" y="21070"/>
+                        <a:pt x="78973" y="15603"/>
+                      </a:cubicBezTo>
+                      <a:cubicBezTo>
+                        <a:pt x="79938" y="12707"/>
+                        <a:pt x="84053" y="12216"/>
+                        <a:pt x="86593" y="10523"/>
+                      </a:cubicBezTo>
+                      <a:cubicBezTo>
+                        <a:pt x="92683" y="28793"/>
+                        <a:pt x="86593" y="5977"/>
+                        <a:pt x="86593" y="28303"/>
+                      </a:cubicBezTo>
+                      <a:cubicBezTo>
+                        <a:pt x="122788" y="0"/>
+                        <a:pt x="87240" y="40403"/>
+                        <a:pt x="89133" y="46083"/>
+                      </a:cubicBezTo>
+                      <a:cubicBezTo>
+                        <a:pt x="89890" y="48355"/>
+                        <a:pt x="89980" y="9676"/>
+                        <a:pt x="84053" y="5443"/>
+                      </a:cubicBezTo>
+                      <a:close/>
+                    </a:path>
+                  </a:pathLst>
+                </a:custGeom>
+                <a:solidFill>
+                  <a:srgbClr val="00B0F0"/>
+                </a:solidFill>
+                <a:ln>
+                  <a:noFill/>
+                </a:ln>
+              </p:spPr>
+              <p:style>
+                <a:lnRef idx="2">
+                  <a:schemeClr val="accent1">
+                    <a:shade val="50000"/>
+                  </a:schemeClr>
+                </a:lnRef>
+                <a:fillRef idx="1">
+                  <a:schemeClr val="accent1"/>
+                </a:fillRef>
+                <a:effectRef idx="0">
+                  <a:schemeClr val="accent1"/>
+                </a:effectRef>
+                <a:fontRef idx="minor">
+                  <a:schemeClr val="lt1"/>
+                </a:fontRef>
+              </p:style>
+              <p:txBody>
+                <a:bodyPr rtlCol="0" anchor="ctr"/>
+                <a:lstStyle/>
+                <a:p>
+                  <a:pPr algn="ctr"/>
+                  <a:endParaRPr lang="en-US"/>
+                </a:p>
+              </p:txBody>
+            </p:sp>
+            <p:sp>
+              <p:nvSpPr>
+                <p:cNvPr id="67" name="Freeform 66"/>
+                <p:cNvSpPr/>
+                <p:nvPr/>
+              </p:nvSpPr>
+              <p:spPr>
+                <a:xfrm>
+                  <a:off x="1447800" y="4495800"/>
+                  <a:ext cx="4470400" cy="731520"/>
+                </a:xfrm>
+                <a:custGeom>
+                  <a:avLst/>
+                  <a:gdLst>
+                    <a:gd name="connsiteX0" fmla="*/ 0 w 4470400"/>
+                    <a:gd name="connsiteY0" fmla="*/ 519853 h 731520"/>
+                    <a:gd name="connsiteX1" fmla="*/ 528320 w 4470400"/>
+                    <a:gd name="connsiteY1" fmla="*/ 540173 h 731520"/>
+                    <a:gd name="connsiteX2" fmla="*/ 883920 w 4470400"/>
+                    <a:gd name="connsiteY2" fmla="*/ 154093 h 731520"/>
+                    <a:gd name="connsiteX3" fmla="*/ 1422400 w 4470400"/>
+                    <a:gd name="connsiteY3" fmla="*/ 143933 h 731520"/>
+                    <a:gd name="connsiteX4" fmla="*/ 1615440 w 4470400"/>
+                    <a:gd name="connsiteY4" fmla="*/ 570653 h 731520"/>
+                    <a:gd name="connsiteX5" fmla="*/ 2397760 w 4470400"/>
+                    <a:gd name="connsiteY5" fmla="*/ 631613 h 731520"/>
+                    <a:gd name="connsiteX6" fmla="*/ 2763520 w 4470400"/>
+                    <a:gd name="connsiteY6" fmla="*/ 82973 h 731520"/>
+                    <a:gd name="connsiteX7" fmla="*/ 3434080 w 4470400"/>
+                    <a:gd name="connsiteY7" fmla="*/ 133773 h 731520"/>
+                    <a:gd name="connsiteX8" fmla="*/ 3566160 w 4470400"/>
+                    <a:gd name="connsiteY8" fmla="*/ 641773 h 731520"/>
+                    <a:gd name="connsiteX9" fmla="*/ 4236720 w 4470400"/>
+                    <a:gd name="connsiteY9" fmla="*/ 672253 h 731520"/>
+                    <a:gd name="connsiteX10" fmla="*/ 4470400 w 4470400"/>
+                    <a:gd name="connsiteY10" fmla="*/ 326813 h 731520"/>
+                    <a:gd name="connsiteX0" fmla="*/ 0 w 4470400"/>
+                    <a:gd name="connsiteY0" fmla="*/ 519853 h 731520"/>
+                    <a:gd name="connsiteX1" fmla="*/ 528320 w 4470400"/>
+                    <a:gd name="connsiteY1" fmla="*/ 540173 h 731520"/>
+                    <a:gd name="connsiteX2" fmla="*/ 807720 w 4470400"/>
+                    <a:gd name="connsiteY2" fmla="*/ 154093 h 731520"/>
+                    <a:gd name="connsiteX3" fmla="*/ 1422400 w 4470400"/>
+                    <a:gd name="connsiteY3" fmla="*/ 143933 h 731520"/>
+                    <a:gd name="connsiteX4" fmla="*/ 1615440 w 4470400"/>
+                    <a:gd name="connsiteY4" fmla="*/ 570653 h 731520"/>
+                    <a:gd name="connsiteX5" fmla="*/ 2397760 w 4470400"/>
+                    <a:gd name="connsiteY5" fmla="*/ 631613 h 731520"/>
+                    <a:gd name="connsiteX6" fmla="*/ 2763520 w 4470400"/>
+                    <a:gd name="connsiteY6" fmla="*/ 82973 h 731520"/>
+                    <a:gd name="connsiteX7" fmla="*/ 3434080 w 4470400"/>
+                    <a:gd name="connsiteY7" fmla="*/ 133773 h 731520"/>
+                    <a:gd name="connsiteX8" fmla="*/ 3566160 w 4470400"/>
+                    <a:gd name="connsiteY8" fmla="*/ 641773 h 731520"/>
+                    <a:gd name="connsiteX9" fmla="*/ 4236720 w 4470400"/>
+                    <a:gd name="connsiteY9" fmla="*/ 672253 h 731520"/>
+                    <a:gd name="connsiteX10" fmla="*/ 4470400 w 4470400"/>
+                    <a:gd name="connsiteY10" fmla="*/ 326813 h 731520"/>
+                    <a:gd name="connsiteX0" fmla="*/ 0 w 4470400"/>
+                    <a:gd name="connsiteY0" fmla="*/ 519853 h 731520"/>
+                    <a:gd name="connsiteX1" fmla="*/ 528320 w 4470400"/>
+                    <a:gd name="connsiteY1" fmla="*/ 540173 h 731520"/>
+                    <a:gd name="connsiteX2" fmla="*/ 807720 w 4470400"/>
+                    <a:gd name="connsiteY2" fmla="*/ 154093 h 731520"/>
+                    <a:gd name="connsiteX3" fmla="*/ 1422400 w 4470400"/>
+                    <a:gd name="connsiteY3" fmla="*/ 143933 h 731520"/>
+                    <a:gd name="connsiteX4" fmla="*/ 1615440 w 4470400"/>
+                    <a:gd name="connsiteY4" fmla="*/ 570653 h 731520"/>
+                    <a:gd name="connsiteX5" fmla="*/ 2397760 w 4470400"/>
+                    <a:gd name="connsiteY5" fmla="*/ 631613 h 731520"/>
+                    <a:gd name="connsiteX6" fmla="*/ 2763520 w 4470400"/>
+                    <a:gd name="connsiteY6" fmla="*/ 82973 h 731520"/>
+                    <a:gd name="connsiteX7" fmla="*/ 3434080 w 4470400"/>
+                    <a:gd name="connsiteY7" fmla="*/ 133773 h 731520"/>
+                    <a:gd name="connsiteX8" fmla="*/ 3566160 w 4470400"/>
+                    <a:gd name="connsiteY8" fmla="*/ 641773 h 731520"/>
+                    <a:gd name="connsiteX9" fmla="*/ 4236720 w 4470400"/>
+                    <a:gd name="connsiteY9" fmla="*/ 672253 h 731520"/>
+                    <a:gd name="connsiteX10" fmla="*/ 4470400 w 4470400"/>
+                    <a:gd name="connsiteY10" fmla="*/ 326813 h 731520"/>
+                  </a:gdLst>
+                  <a:ahLst/>
+                  <a:cxnLst>
+                    <a:cxn ang="0">
+                      <a:pos x="connsiteX0" y="connsiteY0"/>
+                    </a:cxn>
+                    <a:cxn ang="0">
+                      <a:pos x="connsiteX1" y="connsiteY1"/>
+                    </a:cxn>
+                    <a:cxn ang="0">
+                      <a:pos x="connsiteX2" y="connsiteY2"/>
+                    </a:cxn>
+                    <a:cxn ang="0">
+                      <a:pos x="connsiteX3" y="connsiteY3"/>
+                    </a:cxn>
+                    <a:cxn ang="0">
+                      <a:pos x="connsiteX4" y="connsiteY4"/>
+                    </a:cxn>
+                    <a:cxn ang="0">
+                      <a:pos x="connsiteX5" y="connsiteY5"/>
+                    </a:cxn>
+                    <a:cxn ang="0">
+                      <a:pos x="connsiteX6" y="connsiteY6"/>
+                    </a:cxn>
+                    <a:cxn ang="0">
+                      <a:pos x="connsiteX7" y="connsiteY7"/>
+                    </a:cxn>
+                    <a:cxn ang="0">
+                      <a:pos x="connsiteX8" y="connsiteY8"/>
+                    </a:cxn>
+                    <a:cxn ang="0">
+                      <a:pos x="connsiteX9" y="connsiteY9"/>
+                    </a:cxn>
+                    <a:cxn ang="0">
+                      <a:pos x="connsiteX10" y="connsiteY10"/>
+                    </a:cxn>
+                  </a:cxnLst>
+                  <a:rect l="l" t="t" r="r" b="b"/>
+                  <a:pathLst>
+                    <a:path w="4470400" h="731520">
+                      <a:moveTo>
+                        <a:pt x="0" y="519853"/>
+                      </a:moveTo>
+                      <a:cubicBezTo>
+                        <a:pt x="190500" y="560493"/>
+                        <a:pt x="393700" y="601133"/>
+                        <a:pt x="528320" y="540173"/>
+                      </a:cubicBezTo>
+                      <a:cubicBezTo>
+                        <a:pt x="662940" y="479213"/>
+                        <a:pt x="658707" y="220133"/>
+                        <a:pt x="807720" y="154093"/>
+                      </a:cubicBezTo>
+                      <a:cubicBezTo>
+                        <a:pt x="956733" y="88053"/>
+                        <a:pt x="1287780" y="74506"/>
+                        <a:pt x="1422400" y="143933"/>
+                      </a:cubicBezTo>
+                      <a:cubicBezTo>
+                        <a:pt x="1557020" y="213360"/>
+                        <a:pt x="1452880" y="489373"/>
+                        <a:pt x="1615440" y="570653"/>
+                      </a:cubicBezTo>
+                      <a:cubicBezTo>
+                        <a:pt x="1778000" y="651933"/>
+                        <a:pt x="2206413" y="712893"/>
+                        <a:pt x="2397760" y="631613"/>
+                      </a:cubicBezTo>
+                      <a:cubicBezTo>
+                        <a:pt x="2589107" y="550333"/>
+                        <a:pt x="2590800" y="165946"/>
+                        <a:pt x="2763520" y="82973"/>
+                      </a:cubicBezTo>
+                      <a:cubicBezTo>
+                        <a:pt x="2936240" y="0"/>
+                        <a:pt x="3300307" y="40640"/>
+                        <a:pt x="3434080" y="133773"/>
+                      </a:cubicBezTo>
+                      <a:cubicBezTo>
+                        <a:pt x="3567853" y="226906"/>
+                        <a:pt x="3432387" y="552026"/>
+                        <a:pt x="3566160" y="641773"/>
+                      </a:cubicBezTo>
+                      <a:cubicBezTo>
+                        <a:pt x="3699933" y="731520"/>
+                        <a:pt x="4086013" y="724746"/>
+                        <a:pt x="4236720" y="672253"/>
+                      </a:cubicBezTo>
+                      <a:cubicBezTo>
+                        <a:pt x="4387427" y="619760"/>
+                        <a:pt x="4428913" y="473286"/>
+                        <a:pt x="4470400" y="326813"/>
+                      </a:cubicBezTo>
+                    </a:path>
+                  </a:pathLst>
+                </a:custGeom>
+                <a:solidFill>
+                  <a:srgbClr val="F2F2F2"/>
+                </a:solidFill>
+                <a:ln w="38100">
+                  <a:solidFill>
+                    <a:srgbClr val="73E9F9"/>
+                  </a:solidFill>
+                </a:ln>
+              </p:spPr>
+              <p:style>
+                <a:lnRef idx="1">
+                  <a:schemeClr val="accent1"/>
+                </a:lnRef>
+                <a:fillRef idx="0">
+                  <a:schemeClr val="accent1"/>
+                </a:fillRef>
+                <a:effectRef idx="0">
+                  <a:schemeClr val="accent1"/>
+                </a:effectRef>
+                <a:fontRef idx="minor">
+                  <a:schemeClr val="tx1"/>
+                </a:fontRef>
+              </p:style>
+              <p:txBody>
+                <a:bodyPr rtlCol="0" anchor="ctr"/>
+                <a:lstStyle/>
+                <a:p>
+                  <a:pPr algn="ctr"/>
+                  <a:endParaRPr lang="en-US"/>
+                </a:p>
+              </p:txBody>
+            </p:sp>
+            <p:sp>
+              <p:nvSpPr>
+                <p:cNvPr id="68" name="Freeform 67"/>
+                <p:cNvSpPr/>
+                <p:nvPr/>
+              </p:nvSpPr>
+              <p:spPr>
+                <a:xfrm>
+                  <a:off x="1447800" y="5280521"/>
+                  <a:ext cx="4513729" cy="556400"/>
+                </a:xfrm>
+                <a:custGeom>
+                  <a:avLst/>
+                  <a:gdLst>
+                    <a:gd name="connsiteX0" fmla="*/ 0 w 4470400"/>
+                    <a:gd name="connsiteY0" fmla="*/ 519853 h 731520"/>
+                    <a:gd name="connsiteX1" fmla="*/ 528320 w 4470400"/>
+                    <a:gd name="connsiteY1" fmla="*/ 540173 h 731520"/>
+                    <a:gd name="connsiteX2" fmla="*/ 883920 w 4470400"/>
+                    <a:gd name="connsiteY2" fmla="*/ 154093 h 731520"/>
+                    <a:gd name="connsiteX3" fmla="*/ 1422400 w 4470400"/>
+                    <a:gd name="connsiteY3" fmla="*/ 143933 h 731520"/>
+                    <a:gd name="connsiteX4" fmla="*/ 1615440 w 4470400"/>
+                    <a:gd name="connsiteY4" fmla="*/ 570653 h 731520"/>
+                    <a:gd name="connsiteX5" fmla="*/ 2397760 w 4470400"/>
+                    <a:gd name="connsiteY5" fmla="*/ 631613 h 731520"/>
+                    <a:gd name="connsiteX6" fmla="*/ 2763520 w 4470400"/>
+                    <a:gd name="connsiteY6" fmla="*/ 82973 h 731520"/>
+                    <a:gd name="connsiteX7" fmla="*/ 3434080 w 4470400"/>
+                    <a:gd name="connsiteY7" fmla="*/ 133773 h 731520"/>
+                    <a:gd name="connsiteX8" fmla="*/ 3566160 w 4470400"/>
+                    <a:gd name="connsiteY8" fmla="*/ 641773 h 731520"/>
+                    <a:gd name="connsiteX9" fmla="*/ 4236720 w 4470400"/>
+                    <a:gd name="connsiteY9" fmla="*/ 672253 h 731520"/>
+                    <a:gd name="connsiteX10" fmla="*/ 4470400 w 4470400"/>
+                    <a:gd name="connsiteY10" fmla="*/ 326813 h 731520"/>
+                    <a:gd name="connsiteX0" fmla="*/ 0 w 4470400"/>
+                    <a:gd name="connsiteY0" fmla="*/ 519853 h 731520"/>
+                    <a:gd name="connsiteX1" fmla="*/ 528320 w 4470400"/>
+                    <a:gd name="connsiteY1" fmla="*/ 540173 h 731520"/>
+                    <a:gd name="connsiteX2" fmla="*/ 807720 w 4470400"/>
+                    <a:gd name="connsiteY2" fmla="*/ 154093 h 731520"/>
+                    <a:gd name="connsiteX3" fmla="*/ 1422400 w 4470400"/>
+                    <a:gd name="connsiteY3" fmla="*/ 143933 h 731520"/>
+                    <a:gd name="connsiteX4" fmla="*/ 1615440 w 4470400"/>
+                    <a:gd name="connsiteY4" fmla="*/ 570653 h 731520"/>
+                    <a:gd name="connsiteX5" fmla="*/ 2397760 w 4470400"/>
+                    <a:gd name="connsiteY5" fmla="*/ 631613 h 731520"/>
+                    <a:gd name="connsiteX6" fmla="*/ 2763520 w 4470400"/>
+                    <a:gd name="connsiteY6" fmla="*/ 82973 h 731520"/>
+                    <a:gd name="connsiteX7" fmla="*/ 3434080 w 4470400"/>
+                    <a:gd name="connsiteY7" fmla="*/ 133773 h 731520"/>
+                    <a:gd name="connsiteX8" fmla="*/ 3566160 w 4470400"/>
+                    <a:gd name="connsiteY8" fmla="*/ 641773 h 731520"/>
+                    <a:gd name="connsiteX9" fmla="*/ 4236720 w 4470400"/>
+                    <a:gd name="connsiteY9" fmla="*/ 672253 h 731520"/>
+                    <a:gd name="connsiteX10" fmla="*/ 4470400 w 4470400"/>
+                    <a:gd name="connsiteY10" fmla="*/ 326813 h 731520"/>
+                    <a:gd name="connsiteX0" fmla="*/ 0 w 4470400"/>
+                    <a:gd name="connsiteY0" fmla="*/ 519853 h 731520"/>
+                    <a:gd name="connsiteX1" fmla="*/ 528320 w 4470400"/>
+                    <a:gd name="connsiteY1" fmla="*/ 540173 h 731520"/>
+                    <a:gd name="connsiteX2" fmla="*/ 807720 w 4470400"/>
+                    <a:gd name="connsiteY2" fmla="*/ 154093 h 731520"/>
+                    <a:gd name="connsiteX3" fmla="*/ 1422400 w 4470400"/>
+                    <a:gd name="connsiteY3" fmla="*/ 143933 h 731520"/>
+                    <a:gd name="connsiteX4" fmla="*/ 1615440 w 4470400"/>
+                    <a:gd name="connsiteY4" fmla="*/ 570653 h 731520"/>
+                    <a:gd name="connsiteX5" fmla="*/ 2397760 w 4470400"/>
+                    <a:gd name="connsiteY5" fmla="*/ 631613 h 731520"/>
+                    <a:gd name="connsiteX6" fmla="*/ 2763520 w 4470400"/>
+                    <a:gd name="connsiteY6" fmla="*/ 82973 h 731520"/>
+                    <a:gd name="connsiteX7" fmla="*/ 3434080 w 4470400"/>
+                    <a:gd name="connsiteY7" fmla="*/ 133773 h 731520"/>
+                    <a:gd name="connsiteX8" fmla="*/ 3566160 w 4470400"/>
+                    <a:gd name="connsiteY8" fmla="*/ 641773 h 731520"/>
+                    <a:gd name="connsiteX9" fmla="*/ 4236720 w 4470400"/>
+                    <a:gd name="connsiteY9" fmla="*/ 672253 h 731520"/>
+                    <a:gd name="connsiteX10" fmla="*/ 4470400 w 4470400"/>
+                    <a:gd name="connsiteY10" fmla="*/ 326813 h 731520"/>
+                  </a:gdLst>
+                  <a:ahLst/>
+                  <a:cxnLst>
+                    <a:cxn ang="0">
+                      <a:pos x="connsiteX0" y="connsiteY0"/>
+                    </a:cxn>
+                    <a:cxn ang="0">
+                      <a:pos x="connsiteX1" y="connsiteY1"/>
+                    </a:cxn>
+                    <a:cxn ang="0">
+                      <a:pos x="connsiteX2" y="connsiteY2"/>
+                    </a:cxn>
+                    <a:cxn ang="0">
+                      <a:pos x="connsiteX3" y="connsiteY3"/>
+                    </a:cxn>
+                    <a:cxn ang="0">
+                      <a:pos x="connsiteX4" y="connsiteY4"/>
+                    </a:cxn>
+                    <a:cxn ang="0">
+                      <a:pos x="connsiteX5" y="connsiteY5"/>
+                    </a:cxn>
+                    <a:cxn ang="0">
+                      <a:pos x="connsiteX6" y="connsiteY6"/>
+                    </a:cxn>
+                    <a:cxn ang="0">
+                      <a:pos x="connsiteX7" y="connsiteY7"/>
+                    </a:cxn>
+                    <a:cxn ang="0">
+                      <a:pos x="connsiteX8" y="connsiteY8"/>
+                    </a:cxn>
+                    <a:cxn ang="0">
+                      <a:pos x="connsiteX9" y="connsiteY9"/>
+                    </a:cxn>
+                    <a:cxn ang="0">
+                      <a:pos x="connsiteX10" y="connsiteY10"/>
+                    </a:cxn>
+                  </a:cxnLst>
+                  <a:rect l="l" t="t" r="r" b="b"/>
+                  <a:pathLst>
+                    <a:path w="4470400" h="731520">
+                      <a:moveTo>
+                        <a:pt x="0" y="519853"/>
+                      </a:moveTo>
+                      <a:cubicBezTo>
+                        <a:pt x="190500" y="560493"/>
+                        <a:pt x="393700" y="601133"/>
+                        <a:pt x="528320" y="540173"/>
+                      </a:cubicBezTo>
+                      <a:cubicBezTo>
+                        <a:pt x="662940" y="479213"/>
+                        <a:pt x="658707" y="220133"/>
+                        <a:pt x="807720" y="154093"/>
+                      </a:cubicBezTo>
+                      <a:cubicBezTo>
+                        <a:pt x="956733" y="88053"/>
+                        <a:pt x="1287780" y="74506"/>
+                        <a:pt x="1422400" y="143933"/>
+                      </a:cubicBezTo>
+                      <a:cubicBezTo>
+                        <a:pt x="1557020" y="213360"/>
+                        <a:pt x="1452880" y="489373"/>
+                        <a:pt x="1615440" y="570653"/>
+                      </a:cubicBezTo>
+                      <a:cubicBezTo>
+                        <a:pt x="1778000" y="651933"/>
+                        <a:pt x="2206413" y="712893"/>
+                        <a:pt x="2397760" y="631613"/>
+                      </a:cubicBezTo>
+                      <a:cubicBezTo>
+                        <a:pt x="2589107" y="550333"/>
+                        <a:pt x="2590800" y="165946"/>
+                        <a:pt x="2763520" y="82973"/>
+                      </a:cubicBezTo>
+                      <a:cubicBezTo>
+                        <a:pt x="2936240" y="0"/>
+                        <a:pt x="3300307" y="40640"/>
+                        <a:pt x="3434080" y="133773"/>
+                      </a:cubicBezTo>
+                      <a:cubicBezTo>
+                        <a:pt x="3567853" y="226906"/>
+                        <a:pt x="3432387" y="552026"/>
+                        <a:pt x="3566160" y="641773"/>
+                      </a:cubicBezTo>
+                      <a:cubicBezTo>
+                        <a:pt x="3699933" y="731520"/>
+                        <a:pt x="4086013" y="724746"/>
+                        <a:pt x="4236720" y="672253"/>
+                      </a:cubicBezTo>
+                      <a:cubicBezTo>
+                        <a:pt x="4387427" y="619760"/>
+                        <a:pt x="4428913" y="473286"/>
+                        <a:pt x="4470400" y="326813"/>
+                      </a:cubicBezTo>
+                    </a:path>
+                  </a:pathLst>
+                </a:custGeom>
+                <a:solidFill>
+                  <a:srgbClr val="F2F2F2"/>
+                </a:solidFill>
+                <a:ln w="38100">
+                  <a:solidFill>
+                    <a:srgbClr val="73E9F9"/>
+                  </a:solidFill>
+                </a:ln>
+              </p:spPr>
+              <p:style>
+                <a:lnRef idx="1">
+                  <a:schemeClr val="accent1"/>
+                </a:lnRef>
+                <a:fillRef idx="0">
+                  <a:schemeClr val="accent1"/>
+                </a:fillRef>
+                <a:effectRef idx="0">
+                  <a:schemeClr val="accent1"/>
+                </a:effectRef>
+                <a:fontRef idx="minor">
+                  <a:schemeClr val="tx1"/>
+                </a:fontRef>
+              </p:style>
+              <p:txBody>
+                <a:bodyPr rtlCol="0" anchor="ctr"/>
+                <a:lstStyle/>
+                <a:p>
+                  <a:pPr algn="ctr"/>
+                  <a:endParaRPr lang="en-US"/>
+                </a:p>
+              </p:txBody>
+            </p:sp>
+          </p:grpSp>
+          <p:grpSp>
+            <p:nvGrpSpPr>
+              <p:cNvPr id="43" name="Group 15"/>
+              <p:cNvGrpSpPr/>
+              <p:nvPr/>
+            </p:nvGrpSpPr>
+            <p:grpSpPr>
+              <a:xfrm>
+                <a:off x="2819400" y="609600"/>
+                <a:ext cx="3050544" cy="2743200"/>
+                <a:chOff x="2971800" y="1219200"/>
+                <a:chExt cx="3124200" cy="2590800"/>
+              </a:xfrm>
+            </p:grpSpPr>
+            <p:sp>
+              <p:nvSpPr>
+                <p:cNvPr id="54" name="Rounded Rectangle 53"/>
+                <p:cNvSpPr/>
+                <p:nvPr/>
+              </p:nvSpPr>
+              <p:spPr>
+                <a:xfrm>
+                  <a:off x="2971800" y="1295400"/>
+                  <a:ext cx="3124200" cy="2057400"/>
+                </a:xfrm>
+                <a:prstGeom prst="roundRect">
+                  <a:avLst/>
+                </a:prstGeom>
+                <a:solidFill>
+                  <a:srgbClr val="F2F2F2"/>
+                </a:solidFill>
+                <a:ln w="6350">
+                  <a:solidFill>
+                    <a:schemeClr val="tx1"/>
+                  </a:solidFill>
+                </a:ln>
+              </p:spPr>
+              <p:style>
+                <a:lnRef idx="2">
+                  <a:schemeClr val="accent1">
+                    <a:shade val="50000"/>
+                  </a:schemeClr>
+                </a:lnRef>
+                <a:fillRef idx="1">
+                  <a:schemeClr val="accent1"/>
+                </a:fillRef>
+                <a:effectRef idx="0">
+                  <a:schemeClr val="accent1"/>
+                </a:effectRef>
+                <a:fontRef idx="minor">
+                  <a:schemeClr val="lt1"/>
+                </a:fontRef>
+              </p:style>
+              <p:txBody>
+                <a:bodyPr rtlCol="0" anchor="ctr"/>
+                <a:lstStyle/>
+                <a:p>
+                  <a:pPr algn="ctr"/>
+                  <a:endParaRPr lang="en-US"/>
+                </a:p>
+              </p:txBody>
+            </p:sp>
+            <p:sp>
+              <p:nvSpPr>
+                <p:cNvPr id="55" name="Rounded Rectangle 4"/>
+                <p:cNvSpPr/>
+                <p:nvPr/>
+              </p:nvSpPr>
+              <p:spPr>
+                <a:xfrm>
+                  <a:off x="3200400" y="1524000"/>
+                  <a:ext cx="2667000" cy="1828800"/>
+                </a:xfrm>
+                <a:prstGeom prst="roundRect">
+                  <a:avLst/>
+                </a:prstGeom>
+                <a:solidFill>
+                  <a:srgbClr val="030170"/>
+                </a:solidFill>
+                <a:ln w="6350">
+                  <a:solidFill>
+                    <a:schemeClr val="tx1"/>
+                  </a:solidFill>
+                </a:ln>
+              </p:spPr>
+              <p:style>
+                <a:lnRef idx="2">
+                  <a:schemeClr val="accent1">
+                    <a:shade val="50000"/>
+                  </a:schemeClr>
+                </a:lnRef>
+                <a:fillRef idx="1">
+                  <a:schemeClr val="accent1"/>
+                </a:fillRef>
+                <a:effectRef idx="0">
+                  <a:schemeClr val="accent1"/>
+                </a:effectRef>
+                <a:fontRef idx="minor">
+                  <a:schemeClr val="lt1"/>
+                </a:fontRef>
+              </p:style>
+              <p:txBody>
+                <a:bodyPr rtlCol="0" anchor="ctr"/>
+                <a:lstStyle/>
+                <a:p>
+                  <a:pPr algn="ctr"/>
+                  <a:endParaRPr lang="en-US"/>
+                </a:p>
+              </p:txBody>
+            </p:sp>
+            <p:sp>
+              <p:nvSpPr>
+                <p:cNvPr id="56" name="Rectangle 5"/>
+                <p:cNvSpPr/>
+                <p:nvPr/>
+              </p:nvSpPr>
+              <p:spPr>
+                <a:xfrm>
+                  <a:off x="4122821" y="1219200"/>
+                  <a:ext cx="842213" cy="304801"/>
+                </a:xfrm>
+                <a:prstGeom prst="rect">
+                  <a:avLst/>
+                </a:prstGeom>
+                <a:solidFill>
+                  <a:srgbClr val="73E9F9"/>
+                </a:solidFill>
+                <a:ln w="6350"/>
+              </p:spPr>
+              <p:style>
+                <a:lnRef idx="2">
+                  <a:schemeClr val="accent1">
+                    <a:shade val="50000"/>
+                  </a:schemeClr>
+                </a:lnRef>
+                <a:fillRef idx="1">
+                  <a:schemeClr val="accent1"/>
+                </a:fillRef>
+                <a:effectRef idx="0">
+                  <a:schemeClr val="accent1"/>
+                </a:effectRef>
+                <a:fontRef idx="minor">
+                  <a:schemeClr val="lt1"/>
+                </a:fontRef>
+              </p:style>
+              <p:txBody>
+                <a:bodyPr rtlCol="0" anchor="ctr"/>
+                <a:lstStyle/>
+                <a:p>
+                  <a:pPr algn="ctr"/>
+                  <a:endParaRPr lang="en-US"/>
+                </a:p>
+              </p:txBody>
+            </p:sp>
+            <p:sp>
+              <p:nvSpPr>
+                <p:cNvPr id="57" name="Freeform 7"/>
+                <p:cNvSpPr/>
+                <p:nvPr/>
+              </p:nvSpPr>
+              <p:spPr>
+                <a:xfrm>
+                  <a:off x="3070860" y="3302039"/>
+                  <a:ext cx="2961614" cy="203166"/>
+                </a:xfrm>
+                <a:custGeom>
+                  <a:avLst/>
+                  <a:gdLst>
+                    <a:gd name="connsiteX0" fmla="*/ 0 w 3048000"/>
+                    <a:gd name="connsiteY0" fmla="*/ 76200 h 152400"/>
+                    <a:gd name="connsiteX1" fmla="*/ 1447895 w 3048000"/>
+                    <a:gd name="connsiteY1" fmla="*/ 97 h 152400"/>
+                    <a:gd name="connsiteX2" fmla="*/ 1524000 w 3048000"/>
+                    <a:gd name="connsiteY2" fmla="*/ 2 h 152400"/>
+                    <a:gd name="connsiteX3" fmla="*/ 1600105 w 3048000"/>
+                    <a:gd name="connsiteY3" fmla="*/ 97 h 152400"/>
+                    <a:gd name="connsiteX4" fmla="*/ 3048000 w 3048000"/>
+                    <a:gd name="connsiteY4" fmla="*/ 76205 h 152400"/>
+                    <a:gd name="connsiteX5" fmla="*/ 1600105 w 3048000"/>
+                    <a:gd name="connsiteY5" fmla="*/ 152310 h 152400"/>
+                    <a:gd name="connsiteX6" fmla="*/ 1524000 w 3048000"/>
+                    <a:gd name="connsiteY6" fmla="*/ 152405 h 152400"/>
+                    <a:gd name="connsiteX7" fmla="*/ 1447895 w 3048000"/>
+                    <a:gd name="connsiteY7" fmla="*/ 152310 h 152400"/>
+                    <a:gd name="connsiteX8" fmla="*/ 0 w 3048000"/>
+                    <a:gd name="connsiteY8" fmla="*/ 76203 h 152400"/>
+                    <a:gd name="connsiteX9" fmla="*/ 0 w 3048000"/>
+                    <a:gd name="connsiteY9" fmla="*/ 76200 h 152400"/>
+                    <a:gd name="connsiteX0" fmla="*/ 19 w 3048047"/>
+                    <a:gd name="connsiteY0" fmla="*/ 40604 h 193009"/>
+                    <a:gd name="connsiteX1" fmla="*/ 1447914 w 3048047"/>
+                    <a:gd name="connsiteY1" fmla="*/ 40701 h 193009"/>
+                    <a:gd name="connsiteX2" fmla="*/ 1524019 w 3048047"/>
+                    <a:gd name="connsiteY2" fmla="*/ 40606 h 193009"/>
+                    <a:gd name="connsiteX3" fmla="*/ 1600124 w 3048047"/>
+                    <a:gd name="connsiteY3" fmla="*/ 40701 h 193009"/>
+                    <a:gd name="connsiteX4" fmla="*/ 3048019 w 3048047"/>
+                    <a:gd name="connsiteY4" fmla="*/ 116809 h 193009"/>
+                    <a:gd name="connsiteX5" fmla="*/ 1600124 w 3048047"/>
+                    <a:gd name="connsiteY5" fmla="*/ 192914 h 193009"/>
+                    <a:gd name="connsiteX6" fmla="*/ 1524019 w 3048047"/>
+                    <a:gd name="connsiteY6" fmla="*/ 193009 h 193009"/>
+                    <a:gd name="connsiteX7" fmla="*/ 1447914 w 3048047"/>
+                    <a:gd name="connsiteY7" fmla="*/ 192914 h 193009"/>
+                    <a:gd name="connsiteX8" fmla="*/ 19 w 3048047"/>
+                    <a:gd name="connsiteY8" fmla="*/ 116807 h 193009"/>
+                    <a:gd name="connsiteX9" fmla="*/ 19 w 3048047"/>
+                    <a:gd name="connsiteY9" fmla="*/ 40604 h 193009"/>
+                    <a:gd name="connsiteX0" fmla="*/ 53340 w 3101368"/>
+                    <a:gd name="connsiteY0" fmla="*/ 40604 h 193009"/>
+                    <a:gd name="connsiteX1" fmla="*/ 1501235 w 3101368"/>
+                    <a:gd name="connsiteY1" fmla="*/ 40701 h 193009"/>
+                    <a:gd name="connsiteX2" fmla="*/ 1577340 w 3101368"/>
+                    <a:gd name="connsiteY2" fmla="*/ 40606 h 193009"/>
+                    <a:gd name="connsiteX3" fmla="*/ 1653445 w 3101368"/>
+                    <a:gd name="connsiteY3" fmla="*/ 40701 h 193009"/>
+                    <a:gd name="connsiteX4" fmla="*/ 3101340 w 3101368"/>
+                    <a:gd name="connsiteY4" fmla="*/ 116809 h 193009"/>
+                    <a:gd name="connsiteX5" fmla="*/ 1653445 w 3101368"/>
+                    <a:gd name="connsiteY5" fmla="*/ 192914 h 193009"/>
+                    <a:gd name="connsiteX6" fmla="*/ 1577340 w 3101368"/>
+                    <a:gd name="connsiteY6" fmla="*/ 193009 h 193009"/>
+                    <a:gd name="connsiteX7" fmla="*/ 1501235 w 3101368"/>
+                    <a:gd name="connsiteY7" fmla="*/ 192914 h 193009"/>
+                    <a:gd name="connsiteX8" fmla="*/ 53340 w 3101368"/>
+                    <a:gd name="connsiteY8" fmla="*/ 116807 h 193009"/>
+                    <a:gd name="connsiteX9" fmla="*/ 53340 w 3101368"/>
+                    <a:gd name="connsiteY9" fmla="*/ 40604 h 193009"/>
+                    <a:gd name="connsiteX0" fmla="*/ 53340 w 3101368"/>
+                    <a:gd name="connsiteY0" fmla="*/ 40604 h 193009"/>
+                    <a:gd name="connsiteX1" fmla="*/ 1501235 w 3101368"/>
+                    <a:gd name="connsiteY1" fmla="*/ 40701 h 193009"/>
+                    <a:gd name="connsiteX2" fmla="*/ 1577340 w 3101368"/>
+                    <a:gd name="connsiteY2" fmla="*/ 40606 h 193009"/>
+                    <a:gd name="connsiteX3" fmla="*/ 1653445 w 3101368"/>
+                    <a:gd name="connsiteY3" fmla="*/ 40701 h 193009"/>
+                    <a:gd name="connsiteX4" fmla="*/ 3101340 w 3101368"/>
+                    <a:gd name="connsiteY4" fmla="*/ 116809 h 193009"/>
+                    <a:gd name="connsiteX5" fmla="*/ 1653445 w 3101368"/>
+                    <a:gd name="connsiteY5" fmla="*/ 192914 h 193009"/>
+                    <a:gd name="connsiteX6" fmla="*/ 1577340 w 3101368"/>
+                    <a:gd name="connsiteY6" fmla="*/ 193009 h 193009"/>
+                    <a:gd name="connsiteX7" fmla="*/ 1501235 w 3101368"/>
+                    <a:gd name="connsiteY7" fmla="*/ 192914 h 193009"/>
+                    <a:gd name="connsiteX8" fmla="*/ 53340 w 3101368"/>
+                    <a:gd name="connsiteY8" fmla="*/ 116807 h 193009"/>
+                    <a:gd name="connsiteX9" fmla="*/ 53340 w 3101368"/>
+                    <a:gd name="connsiteY9" fmla="*/ 40604 h 193009"/>
+                    <a:gd name="connsiteX0" fmla="*/ 53340 w 3101368"/>
+                    <a:gd name="connsiteY0" fmla="*/ 40604 h 193009"/>
+                    <a:gd name="connsiteX1" fmla="*/ 1501235 w 3101368"/>
+                    <a:gd name="connsiteY1" fmla="*/ 40701 h 193009"/>
+                    <a:gd name="connsiteX2" fmla="*/ 1577340 w 3101368"/>
+                    <a:gd name="connsiteY2" fmla="*/ 40606 h 193009"/>
+                    <a:gd name="connsiteX3" fmla="*/ 1653445 w 3101368"/>
+                    <a:gd name="connsiteY3" fmla="*/ 40701 h 193009"/>
+                    <a:gd name="connsiteX4" fmla="*/ 3101340 w 3101368"/>
+                    <a:gd name="connsiteY4" fmla="*/ 116809 h 193009"/>
+                    <a:gd name="connsiteX5" fmla="*/ 1653445 w 3101368"/>
+                    <a:gd name="connsiteY5" fmla="*/ 192914 h 193009"/>
+                    <a:gd name="connsiteX6" fmla="*/ 1577340 w 3101368"/>
+                    <a:gd name="connsiteY6" fmla="*/ 193009 h 193009"/>
+                    <a:gd name="connsiteX7" fmla="*/ 1501235 w 3101368"/>
+                    <a:gd name="connsiteY7" fmla="*/ 192914 h 193009"/>
+                    <a:gd name="connsiteX8" fmla="*/ 53340 w 3101368"/>
+                    <a:gd name="connsiteY8" fmla="*/ 116807 h 193009"/>
+                    <a:gd name="connsiteX9" fmla="*/ 53340 w 3101368"/>
+                    <a:gd name="connsiteY9" fmla="*/ 40604 h 193009"/>
+                    <a:gd name="connsiteX0" fmla="*/ 53340 w 3101368"/>
+                    <a:gd name="connsiteY0" fmla="*/ 40604 h 193009"/>
+                    <a:gd name="connsiteX1" fmla="*/ 1501235 w 3101368"/>
+                    <a:gd name="connsiteY1" fmla="*/ 40701 h 193009"/>
+                    <a:gd name="connsiteX2" fmla="*/ 1577340 w 3101368"/>
+                    <a:gd name="connsiteY2" fmla="*/ 40606 h 193009"/>
+                    <a:gd name="connsiteX3" fmla="*/ 1653445 w 3101368"/>
+                    <a:gd name="connsiteY3" fmla="*/ 40701 h 193009"/>
+                    <a:gd name="connsiteX4" fmla="*/ 3101340 w 3101368"/>
+                    <a:gd name="connsiteY4" fmla="*/ 40609 h 193009"/>
+                    <a:gd name="connsiteX5" fmla="*/ 1653445 w 3101368"/>
+                    <a:gd name="connsiteY5" fmla="*/ 192914 h 193009"/>
+                    <a:gd name="connsiteX6" fmla="*/ 1577340 w 3101368"/>
+                    <a:gd name="connsiteY6" fmla="*/ 193009 h 193009"/>
+                    <a:gd name="connsiteX7" fmla="*/ 1501235 w 3101368"/>
+                    <a:gd name="connsiteY7" fmla="*/ 192914 h 193009"/>
+                    <a:gd name="connsiteX8" fmla="*/ 53340 w 3101368"/>
+                    <a:gd name="connsiteY8" fmla="*/ 116807 h 193009"/>
+                    <a:gd name="connsiteX9" fmla="*/ 53340 w 3101368"/>
+                    <a:gd name="connsiteY9" fmla="*/ 40604 h 193009"/>
+                    <a:gd name="connsiteX0" fmla="*/ 53340 w 3128052"/>
+                    <a:gd name="connsiteY0" fmla="*/ 40604 h 193009"/>
+                    <a:gd name="connsiteX1" fmla="*/ 1501235 w 3128052"/>
+                    <a:gd name="connsiteY1" fmla="*/ 40701 h 193009"/>
+                    <a:gd name="connsiteX2" fmla="*/ 1577340 w 3128052"/>
+                    <a:gd name="connsiteY2" fmla="*/ 40606 h 193009"/>
+                    <a:gd name="connsiteX3" fmla="*/ 1653445 w 3128052"/>
+                    <a:gd name="connsiteY3" fmla="*/ 40701 h 193009"/>
+                    <a:gd name="connsiteX4" fmla="*/ 3101340 w 3128052"/>
+                    <a:gd name="connsiteY4" fmla="*/ 40609 h 193009"/>
+                    <a:gd name="connsiteX5" fmla="*/ 1653445 w 3128052"/>
+                    <a:gd name="connsiteY5" fmla="*/ 192914 h 193009"/>
+                    <a:gd name="connsiteX6" fmla="*/ 1577340 w 3128052"/>
+                    <a:gd name="connsiteY6" fmla="*/ 193009 h 193009"/>
+                    <a:gd name="connsiteX7" fmla="*/ 1501235 w 3128052"/>
+                    <a:gd name="connsiteY7" fmla="*/ 192914 h 193009"/>
+                    <a:gd name="connsiteX8" fmla="*/ 53340 w 3128052"/>
+                    <a:gd name="connsiteY8" fmla="*/ 116807 h 193009"/>
+                    <a:gd name="connsiteX9" fmla="*/ 53340 w 3128052"/>
+                    <a:gd name="connsiteY9" fmla="*/ 40604 h 193009"/>
+                    <a:gd name="connsiteX0" fmla="*/ 53340 w 3114696"/>
+                    <a:gd name="connsiteY0" fmla="*/ 40604 h 193009"/>
+                    <a:gd name="connsiteX1" fmla="*/ 1501235 w 3114696"/>
+                    <a:gd name="connsiteY1" fmla="*/ 40701 h 193009"/>
+                    <a:gd name="connsiteX2" fmla="*/ 1577340 w 3114696"/>
+                    <a:gd name="connsiteY2" fmla="*/ 40606 h 193009"/>
+                    <a:gd name="connsiteX3" fmla="*/ 1653445 w 3114696"/>
+                    <a:gd name="connsiteY3" fmla="*/ 40701 h 193009"/>
+                    <a:gd name="connsiteX4" fmla="*/ 3101340 w 3114696"/>
+                    <a:gd name="connsiteY4" fmla="*/ 40609 h 193009"/>
+                    <a:gd name="connsiteX5" fmla="*/ 1653445 w 3114696"/>
+                    <a:gd name="connsiteY5" fmla="*/ 192914 h 193009"/>
+                    <a:gd name="connsiteX6" fmla="*/ 1577340 w 3114696"/>
+                    <a:gd name="connsiteY6" fmla="*/ 193009 h 193009"/>
+                    <a:gd name="connsiteX7" fmla="*/ 1501235 w 3114696"/>
+                    <a:gd name="connsiteY7" fmla="*/ 192914 h 193009"/>
+                    <a:gd name="connsiteX8" fmla="*/ 53340 w 3114696"/>
+                    <a:gd name="connsiteY8" fmla="*/ 116807 h 193009"/>
+                    <a:gd name="connsiteX9" fmla="*/ 53340 w 3114696"/>
+                    <a:gd name="connsiteY9" fmla="*/ 40604 h 193009"/>
+                    <a:gd name="connsiteX0" fmla="*/ 53340 w 3114696"/>
+                    <a:gd name="connsiteY0" fmla="*/ 50761 h 203166"/>
+                    <a:gd name="connsiteX1" fmla="*/ 1501235 w 3114696"/>
+                    <a:gd name="connsiteY1" fmla="*/ 50858 h 203166"/>
+                    <a:gd name="connsiteX2" fmla="*/ 1577340 w 3114696"/>
+                    <a:gd name="connsiteY2" fmla="*/ 50763 h 203166"/>
+                    <a:gd name="connsiteX3" fmla="*/ 1653445 w 3114696"/>
+                    <a:gd name="connsiteY3" fmla="*/ 50858 h 203166"/>
+                    <a:gd name="connsiteX4" fmla="*/ 3101340 w 3114696"/>
+                    <a:gd name="connsiteY4" fmla="*/ 50766 h 203166"/>
+                    <a:gd name="connsiteX5" fmla="*/ 1653445 w 3114696"/>
+                    <a:gd name="connsiteY5" fmla="*/ 203071 h 203166"/>
+                    <a:gd name="connsiteX6" fmla="*/ 1577340 w 3114696"/>
+                    <a:gd name="connsiteY6" fmla="*/ 203166 h 203166"/>
+                    <a:gd name="connsiteX7" fmla="*/ 1501235 w 3114696"/>
+                    <a:gd name="connsiteY7" fmla="*/ 203071 h 203166"/>
+                    <a:gd name="connsiteX8" fmla="*/ 53340 w 3114696"/>
+                    <a:gd name="connsiteY8" fmla="*/ 126964 h 203166"/>
+                    <a:gd name="connsiteX9" fmla="*/ 53340 w 3114696"/>
+                    <a:gd name="connsiteY9" fmla="*/ 50761 h 203166"/>
+                  </a:gdLst>
+                  <a:ahLst/>
+                  <a:cxnLst>
+                    <a:cxn ang="0">
+                      <a:pos x="connsiteX0" y="connsiteY0"/>
+                    </a:cxn>
+                    <a:cxn ang="0">
+                      <a:pos x="connsiteX1" y="connsiteY1"/>
+                    </a:cxn>
+                    <a:cxn ang="0">
+                      <a:pos x="connsiteX2" y="connsiteY2"/>
+                    </a:cxn>
+                    <a:cxn ang="0">
+                      <a:pos x="connsiteX3" y="connsiteY3"/>
+                    </a:cxn>
+                    <a:cxn ang="0">
+                      <a:pos x="connsiteX4" y="connsiteY4"/>
+                    </a:cxn>
+                    <a:cxn ang="0">
+                      <a:pos x="connsiteX5" y="connsiteY5"/>
+                    </a:cxn>
+                    <a:cxn ang="0">
+                      <a:pos x="connsiteX6" y="connsiteY6"/>
+                    </a:cxn>
+                    <a:cxn ang="0">
+                      <a:pos x="connsiteX7" y="connsiteY7"/>
+                    </a:cxn>
+                    <a:cxn ang="0">
+                      <a:pos x="connsiteX8" y="connsiteY8"/>
+                    </a:cxn>
+                    <a:cxn ang="0">
+                      <a:pos x="connsiteX9" y="connsiteY9"/>
+                    </a:cxn>
+                  </a:cxnLst>
+                  <a:rect l="l" t="t" r="r" b="b"/>
+                  <a:pathLst>
+                    <a:path w="3114696" h="203166">
+                      <a:moveTo>
+                        <a:pt x="53340" y="50761"/>
+                      </a:moveTo>
+                      <a:cubicBezTo>
+                        <a:pt x="81299" y="10157"/>
+                        <a:pt x="690162" y="52886"/>
+                        <a:pt x="1501235" y="50858"/>
+                      </a:cubicBezTo>
+                      <a:lnTo>
+                        <a:pt x="1577340" y="50763"/>
+                      </a:lnTo>
+                      <a:lnTo>
+                        <a:pt x="1653445" y="50858"/>
+                      </a:lnTo>
+                      <a:cubicBezTo>
+                        <a:pt x="2464552" y="52886"/>
+                        <a:pt x="3021229" y="0"/>
+                        <a:pt x="3101340" y="50766"/>
+                      </a:cubicBezTo>
+                      <a:cubicBezTo>
+                        <a:pt x="3114696" y="200591"/>
+                        <a:pt x="2464532" y="201043"/>
+                        <a:pt x="1653445" y="203071"/>
+                      </a:cubicBezTo>
+                      <a:lnTo>
+                        <a:pt x="1577340" y="203166"/>
+                      </a:lnTo>
+                      <a:lnTo>
+                        <a:pt x="1501235" y="203071"/>
+                      </a:lnTo>
+                      <a:cubicBezTo>
+                        <a:pt x="690134" y="201043"/>
+                        <a:pt x="53321" y="167570"/>
+                        <a:pt x="53340" y="126964"/>
+                      </a:cubicBezTo>
+                      <a:cubicBezTo>
+                        <a:pt x="53340" y="101563"/>
+                        <a:pt x="0" y="96482"/>
+                        <a:pt x="53340" y="50761"/>
+                      </a:cubicBezTo>
+                      <a:close/>
+                    </a:path>
+                  </a:pathLst>
+                </a:custGeom>
+                <a:solidFill>
+                  <a:srgbClr val="FF0000"/>
+                </a:solidFill>
+                <a:ln w="6350">
+                  <a:solidFill>
+                    <a:schemeClr val="tx1"/>
+                  </a:solidFill>
+                </a:ln>
+              </p:spPr>
+              <p:style>
+                <a:lnRef idx="2">
+                  <a:schemeClr val="accent1">
+                    <a:shade val="50000"/>
+                  </a:schemeClr>
+                </a:lnRef>
+                <a:fillRef idx="1">
+                  <a:schemeClr val="accent1"/>
+                </a:fillRef>
+                <a:effectRef idx="0">
+                  <a:schemeClr val="accent1"/>
+                </a:effectRef>
+                <a:fontRef idx="minor">
+                  <a:schemeClr val="lt1"/>
+                </a:fontRef>
+              </p:style>
+              <p:txBody>
+                <a:bodyPr rtlCol="0" anchor="ctr"/>
+                <a:lstStyle/>
+                <a:p>
+                  <a:pPr algn="ctr"/>
+                  <a:endParaRPr lang="en-US"/>
+                </a:p>
+              </p:txBody>
+            </p:sp>
+            <p:sp>
+              <p:nvSpPr>
+                <p:cNvPr id="58" name="Oval 8"/>
+                <p:cNvSpPr/>
+                <p:nvPr/>
+              </p:nvSpPr>
+              <p:spPr>
+                <a:xfrm>
+                  <a:off x="4343400" y="3352800"/>
+                  <a:ext cx="457200" cy="457200"/>
+                </a:xfrm>
+                <a:prstGeom prst="ellipse">
+                  <a:avLst/>
+                </a:prstGeom>
+                <a:solidFill>
+                  <a:srgbClr val="FAD344"/>
+                </a:solidFill>
+                <a:ln w="6350">
+                  <a:solidFill>
+                    <a:srgbClr val="FAD344"/>
+                  </a:solidFill>
+                </a:ln>
+              </p:spPr>
+              <p:style>
+                <a:lnRef idx="2">
+                  <a:schemeClr val="accent1">
+                    <a:shade val="50000"/>
+                  </a:schemeClr>
+                </a:lnRef>
+                <a:fillRef idx="1">
+                  <a:schemeClr val="accent1"/>
+                </a:fillRef>
+                <a:effectRef idx="0">
+                  <a:schemeClr val="accent1"/>
+                </a:effectRef>
+                <a:fontRef idx="minor">
+                  <a:schemeClr val="lt1"/>
+                </a:fontRef>
+              </p:style>
+              <p:txBody>
+                <a:bodyPr rtlCol="0" anchor="ctr"/>
+                <a:lstStyle/>
+                <a:p>
+                  <a:pPr algn="ctr"/>
+                  <a:endParaRPr lang="en-US"/>
+                </a:p>
+              </p:txBody>
+            </p:sp>
+            <p:sp>
+              <p:nvSpPr>
+                <p:cNvPr id="59" name="Freeform 13"/>
+                <p:cNvSpPr/>
+                <p:nvPr/>
+              </p:nvSpPr>
+              <p:spPr>
+                <a:xfrm rot="10800000">
+                  <a:off x="4343400" y="3575049"/>
+                  <a:ext cx="461010" cy="26035"/>
+                </a:xfrm>
+                <a:custGeom>
+                  <a:avLst/>
+                  <a:gdLst>
+                    <a:gd name="connsiteX0" fmla="*/ 0 w 461010"/>
+                    <a:gd name="connsiteY0" fmla="*/ 0 h 0"/>
+                    <a:gd name="connsiteX1" fmla="*/ 461010 w 461010"/>
+                    <a:gd name="connsiteY1" fmla="*/ 0 h 0"/>
+                    <a:gd name="connsiteX0" fmla="*/ 0 w 461010"/>
+                    <a:gd name="connsiteY0" fmla="*/ 0 h 0"/>
+                    <a:gd name="connsiteX1" fmla="*/ 232410 w 461010"/>
+                    <a:gd name="connsiteY1" fmla="*/ 0 h 0"/>
+                    <a:gd name="connsiteX2" fmla="*/ 461010 w 461010"/>
+                    <a:gd name="connsiteY2" fmla="*/ 0 h 0"/>
+                    <a:gd name="connsiteX0" fmla="*/ 0 w 461010"/>
+                    <a:gd name="connsiteY0" fmla="*/ 0 h 76200"/>
+                    <a:gd name="connsiteX1" fmla="*/ 232410 w 461010"/>
+                    <a:gd name="connsiteY1" fmla="*/ 76200 h 76200"/>
+                    <a:gd name="connsiteX2" fmla="*/ 461010 w 461010"/>
+                    <a:gd name="connsiteY2" fmla="*/ 0 h 76200"/>
+                    <a:gd name="connsiteX0" fmla="*/ 0 w 461010"/>
+                    <a:gd name="connsiteY0" fmla="*/ 0 h 0"/>
+                    <a:gd name="connsiteX1" fmla="*/ 232410 w 461010"/>
+                    <a:gd name="connsiteY1" fmla="*/ 0 h 0"/>
+                    <a:gd name="connsiteX2" fmla="*/ 461010 w 461010"/>
+                    <a:gd name="connsiteY2" fmla="*/ 0 h 0"/>
+                    <a:gd name="connsiteX0" fmla="*/ 0 w 461010"/>
+                    <a:gd name="connsiteY0" fmla="*/ 0 h 76200"/>
+                    <a:gd name="connsiteX1" fmla="*/ 232410 w 461010"/>
+                    <a:gd name="connsiteY1" fmla="*/ 76200 h 76200"/>
+                    <a:gd name="connsiteX2" fmla="*/ 461010 w 461010"/>
+                    <a:gd name="connsiteY2" fmla="*/ 0 h 76200"/>
+                    <a:gd name="connsiteX0" fmla="*/ 0 w 461010"/>
+                    <a:gd name="connsiteY0" fmla="*/ 0 h 76200"/>
+                    <a:gd name="connsiteX1" fmla="*/ 232410 w 461010"/>
+                    <a:gd name="connsiteY1" fmla="*/ 76200 h 76200"/>
+                    <a:gd name="connsiteX2" fmla="*/ 461010 w 461010"/>
+                    <a:gd name="connsiteY2" fmla="*/ 0 h 76200"/>
+                    <a:gd name="connsiteX0" fmla="*/ 0 w 461010"/>
+                    <a:gd name="connsiteY0" fmla="*/ 0 h 77470"/>
+                    <a:gd name="connsiteX1" fmla="*/ 232410 w 461010"/>
+                    <a:gd name="connsiteY1" fmla="*/ 76200 h 77470"/>
+                    <a:gd name="connsiteX2" fmla="*/ 461010 w 461010"/>
+                    <a:gd name="connsiteY2" fmla="*/ 0 h 77470"/>
+                    <a:gd name="connsiteX0" fmla="*/ 0 w 461010"/>
+                    <a:gd name="connsiteY0" fmla="*/ 635 h 26035"/>
+                    <a:gd name="connsiteX1" fmla="*/ 232410 w 461010"/>
+                    <a:gd name="connsiteY1" fmla="*/ 635 h 26035"/>
+                    <a:gd name="connsiteX2" fmla="*/ 461010 w 461010"/>
+                    <a:gd name="connsiteY2" fmla="*/ 635 h 26035"/>
+                  </a:gdLst>
+                  <a:ahLst/>
+                  <a:cxnLst>
+                    <a:cxn ang="0">
+                      <a:pos x="connsiteX0" y="connsiteY0"/>
+                    </a:cxn>
+                    <a:cxn ang="0">
+                      <a:pos x="connsiteX1" y="connsiteY1"/>
+                    </a:cxn>
+                    <a:cxn ang="0">
+                      <a:pos x="connsiteX2" y="connsiteY2"/>
+                    </a:cxn>
+                  </a:cxnLst>
+                  <a:rect l="l" t="t" r="r" b="b"/>
+                  <a:pathLst>
+                    <a:path w="461010" h="26035">
+                      <a:moveTo>
+                        <a:pt x="0" y="635"/>
+                      </a:moveTo>
+                      <a:cubicBezTo>
+                        <a:pt x="77470" y="26035"/>
+                        <a:pt x="107315" y="1905"/>
+                        <a:pt x="232410" y="635"/>
+                      </a:cubicBezTo>
+                      <a:cubicBezTo>
+                        <a:pt x="342900" y="0"/>
+                        <a:pt x="384810" y="26035"/>
+                        <a:pt x="461010" y="635"/>
+                      </a:cubicBezTo>
+                    </a:path>
+                  </a:pathLst>
+                </a:custGeom>
+                <a:solidFill>
+                  <a:srgbClr val="C55A11"/>
+                </a:solidFill>
+                <a:ln w="28575">
+                  <a:solidFill>
+                    <a:srgbClr val="C55A11"/>
+                  </a:solidFill>
+                </a:ln>
+              </p:spPr>
+              <p:style>
+                <a:lnRef idx="1">
+                  <a:schemeClr val="accent1"/>
+                </a:lnRef>
+                <a:fillRef idx="0">
+                  <a:schemeClr val="accent1"/>
+                </a:fillRef>
+                <a:effectRef idx="0">
+                  <a:schemeClr val="accent1"/>
+                </a:effectRef>
+                <a:fontRef idx="minor">
+                  <a:schemeClr val="tx1"/>
+                </a:fontRef>
+              </p:style>
+              <p:txBody>
+                <a:bodyPr rtlCol="0" anchor="ctr"/>
+                <a:lstStyle/>
+                <a:p>
+                  <a:pPr algn="ctr"/>
+                  <a:endParaRPr lang="en-US"/>
+                </a:p>
+              </p:txBody>
+            </p:sp>
+            <p:sp>
+              <p:nvSpPr>
+                <p:cNvPr id="60" name="Oval 14"/>
+                <p:cNvSpPr/>
+                <p:nvPr/>
+              </p:nvSpPr>
+              <p:spPr>
+                <a:xfrm>
+                  <a:off x="4572000" y="3581400"/>
+                  <a:ext cx="45719" cy="76200"/>
+                </a:xfrm>
+                <a:prstGeom prst="ellipse">
+                  <a:avLst/>
+                </a:prstGeom>
+                <a:solidFill>
+                  <a:srgbClr val="FFC000"/>
+                </a:solidFill>
+                <a:ln>
+                  <a:solidFill>
+                    <a:srgbClr val="C55A11"/>
+                  </a:solidFill>
+                </a:ln>
+              </p:spPr>
+              <p:style>
+                <a:lnRef idx="2">
+                  <a:schemeClr val="accent1">
+                    <a:shade val="50000"/>
+                  </a:schemeClr>
+                </a:lnRef>
+                <a:fillRef idx="1">
+                  <a:schemeClr val="accent1"/>
+                </a:fillRef>
+                <a:effectRef idx="0">
+                  <a:schemeClr val="accent1"/>
+                </a:effectRef>
+                <a:fontRef idx="minor">
+                  <a:schemeClr val="lt1"/>
+                </a:fontRef>
+              </p:style>
+              <p:txBody>
+                <a:bodyPr rtlCol="0" anchor="ctr"/>
+                <a:lstStyle/>
+                <a:p>
+                  <a:pPr algn="ctr"/>
+                  <a:endParaRPr lang="en-US"/>
+                </a:p>
+              </p:txBody>
+            </p:sp>
+          </p:grpSp>
+          <p:grpSp>
+            <p:nvGrpSpPr>
+              <p:cNvPr id="44" name="Group 41"/>
+              <p:cNvGrpSpPr/>
+              <p:nvPr/>
+            </p:nvGrpSpPr>
+            <p:grpSpPr>
+              <a:xfrm>
+                <a:off x="3808094" y="5486401"/>
+                <a:ext cx="915036" cy="1219201"/>
+                <a:chOff x="3886200" y="3124200"/>
+                <a:chExt cx="1219200" cy="1600200"/>
+              </a:xfrm>
+              <a:solidFill>
+                <a:srgbClr val="D9D9D9"/>
+              </a:solidFill>
+            </p:grpSpPr>
+            <p:sp>
+              <p:nvSpPr>
+                <p:cNvPr id="52" name="Oval 51"/>
+                <p:cNvSpPr/>
+                <p:nvPr/>
+              </p:nvSpPr>
+              <p:spPr>
+                <a:xfrm>
+                  <a:off x="4343400" y="3810000"/>
+                  <a:ext cx="304800" cy="914400"/>
+                </a:xfrm>
+                <a:prstGeom prst="ellipse">
+                  <a:avLst/>
+                </a:prstGeom>
+                <a:grpFill/>
+                <a:ln w="76200">
+                  <a:solidFill>
+                    <a:schemeClr val="tx1"/>
+                  </a:solidFill>
+                </a:ln>
+              </p:spPr>
+              <p:style>
+                <a:lnRef idx="2">
+                  <a:schemeClr val="accent1">
+                    <a:shade val="50000"/>
+                  </a:schemeClr>
+                </a:lnRef>
+                <a:fillRef idx="1">
+                  <a:schemeClr val="accent1"/>
+                </a:fillRef>
+                <a:effectRef idx="0">
+                  <a:schemeClr val="accent1"/>
+                </a:effectRef>
+                <a:fontRef idx="minor">
+                  <a:schemeClr val="lt1"/>
+                </a:fontRef>
+              </p:style>
+              <p:txBody>
+                <a:bodyPr rtlCol="0" anchor="ctr"/>
+                <a:lstStyle/>
+                <a:p>
+                  <a:pPr algn="ctr"/>
+                  <a:endParaRPr lang="en-US"/>
+                </a:p>
+              </p:txBody>
+            </p:sp>
+            <p:sp>
+              <p:nvSpPr>
+                <p:cNvPr id="53" name="Freeform 52"/>
+                <p:cNvSpPr/>
+                <p:nvPr/>
+              </p:nvSpPr>
+              <p:spPr>
+                <a:xfrm>
+                  <a:off x="3886200" y="3124200"/>
+                  <a:ext cx="1219200" cy="1371600"/>
+                </a:xfrm>
+                <a:custGeom>
+                  <a:avLst/>
+                  <a:gdLst>
+                    <a:gd name="connsiteX0" fmla="*/ 0 w 1981200"/>
+                    <a:gd name="connsiteY0" fmla="*/ 1981200 h 3962400"/>
+                    <a:gd name="connsiteX1" fmla="*/ 104581 w 1981200"/>
+                    <a:gd name="connsiteY1" fmla="*/ 1095180 h 3962400"/>
+                    <a:gd name="connsiteX2" fmla="*/ 990604 w 1981200"/>
+                    <a:gd name="connsiteY2" fmla="*/ 2 h 3962400"/>
+                    <a:gd name="connsiteX3" fmla="*/ 1876622 w 1981200"/>
+                    <a:gd name="connsiteY3" fmla="*/ 1095184 h 3962400"/>
+                    <a:gd name="connsiteX4" fmla="*/ 1981202 w 1981200"/>
+                    <a:gd name="connsiteY4" fmla="*/ 1981203 h 3962400"/>
+                    <a:gd name="connsiteX5" fmla="*/ 1876621 w 1981200"/>
+                    <a:gd name="connsiteY5" fmla="*/ 2867223 h 3962400"/>
+                    <a:gd name="connsiteX6" fmla="*/ 990600 w 1981200"/>
+                    <a:gd name="connsiteY6" fmla="*/ 3962403 h 3962400"/>
+                    <a:gd name="connsiteX7" fmla="*/ 104581 w 1981200"/>
+                    <a:gd name="connsiteY7" fmla="*/ 2867221 h 3962400"/>
+                    <a:gd name="connsiteX8" fmla="*/ 1 w 1981200"/>
+                    <a:gd name="connsiteY8" fmla="*/ 1981202 h 3962400"/>
+                    <a:gd name="connsiteX9" fmla="*/ 0 w 1981200"/>
+                    <a:gd name="connsiteY9" fmla="*/ 1981200 h 3962400"/>
+                    <a:gd name="connsiteX0" fmla="*/ 0 w 1981202"/>
+                    <a:gd name="connsiteY0" fmla="*/ 1981201 h 3538423"/>
+                    <a:gd name="connsiteX1" fmla="*/ 104581 w 1981202"/>
+                    <a:gd name="connsiteY1" fmla="*/ 1095181 h 3538423"/>
+                    <a:gd name="connsiteX2" fmla="*/ 990604 w 1981202"/>
+                    <a:gd name="connsiteY2" fmla="*/ 3 h 3538423"/>
+                    <a:gd name="connsiteX3" fmla="*/ 1876622 w 1981202"/>
+                    <a:gd name="connsiteY3" fmla="*/ 1095185 h 3538423"/>
+                    <a:gd name="connsiteX4" fmla="*/ 1981202 w 1981202"/>
+                    <a:gd name="connsiteY4" fmla="*/ 1981204 h 3538423"/>
+                    <a:gd name="connsiteX5" fmla="*/ 1876621 w 1981202"/>
+                    <a:gd name="connsiteY5" fmla="*/ 2867224 h 3538423"/>
+                    <a:gd name="connsiteX6" fmla="*/ 990600 w 1981202"/>
+                    <a:gd name="connsiteY6" fmla="*/ 3429004 h 3538423"/>
+                    <a:gd name="connsiteX7" fmla="*/ 104581 w 1981202"/>
+                    <a:gd name="connsiteY7" fmla="*/ 2867222 h 3538423"/>
+                    <a:gd name="connsiteX8" fmla="*/ 1 w 1981202"/>
+                    <a:gd name="connsiteY8" fmla="*/ 1981203 h 3538423"/>
+                    <a:gd name="connsiteX9" fmla="*/ 0 w 1981202"/>
+                    <a:gd name="connsiteY9" fmla="*/ 1981201 h 3538423"/>
+                    <a:gd name="connsiteX0" fmla="*/ 0 w 1981202"/>
+                    <a:gd name="connsiteY0" fmla="*/ 1981201 h 3538423"/>
+                    <a:gd name="connsiteX1" fmla="*/ 104581 w 1981202"/>
+                    <a:gd name="connsiteY1" fmla="*/ 1095181 h 3538423"/>
+                    <a:gd name="connsiteX2" fmla="*/ 990604 w 1981202"/>
+                    <a:gd name="connsiteY2" fmla="*/ 3 h 3538423"/>
+                    <a:gd name="connsiteX3" fmla="*/ 1876622 w 1981202"/>
+                    <a:gd name="connsiteY3" fmla="*/ 1095185 h 3538423"/>
+                    <a:gd name="connsiteX4" fmla="*/ 1981202 w 1981202"/>
+                    <a:gd name="connsiteY4" fmla="*/ 1981204 h 3538423"/>
+                    <a:gd name="connsiteX5" fmla="*/ 1876621 w 1981202"/>
+                    <a:gd name="connsiteY5" fmla="*/ 2867224 h 3538423"/>
+                    <a:gd name="connsiteX6" fmla="*/ 990601 w 1981202"/>
+                    <a:gd name="connsiteY6" fmla="*/ 3035847 h 3538423"/>
+                    <a:gd name="connsiteX7" fmla="*/ 104581 w 1981202"/>
+                    <a:gd name="connsiteY7" fmla="*/ 2867222 h 3538423"/>
+                    <a:gd name="connsiteX8" fmla="*/ 1 w 1981202"/>
+                    <a:gd name="connsiteY8" fmla="*/ 1981203 h 3538423"/>
+                    <a:gd name="connsiteX9" fmla="*/ 0 w 1981202"/>
+                    <a:gd name="connsiteY9" fmla="*/ 1981201 h 3538423"/>
+                    <a:gd name="connsiteX0" fmla="*/ 0 w 1981202"/>
+                    <a:gd name="connsiteY0" fmla="*/ 1981201 h 3538423"/>
+                    <a:gd name="connsiteX1" fmla="*/ 104581 w 1981202"/>
+                    <a:gd name="connsiteY1" fmla="*/ 1095181 h 3538423"/>
+                    <a:gd name="connsiteX2" fmla="*/ 990604 w 1981202"/>
+                    <a:gd name="connsiteY2" fmla="*/ 3 h 3538423"/>
+                    <a:gd name="connsiteX3" fmla="*/ 1876622 w 1981202"/>
+                    <a:gd name="connsiteY3" fmla="*/ 1095185 h 3538423"/>
+                    <a:gd name="connsiteX4" fmla="*/ 1981202 w 1981202"/>
+                    <a:gd name="connsiteY4" fmla="*/ 1981204 h 3538423"/>
+                    <a:gd name="connsiteX5" fmla="*/ 1876622 w 1981202"/>
+                    <a:gd name="connsiteY5" fmla="*/ 2474065 h 3538423"/>
+                    <a:gd name="connsiteX6" fmla="*/ 990601 w 1981202"/>
+                    <a:gd name="connsiteY6" fmla="*/ 3035847 h 3538423"/>
+                    <a:gd name="connsiteX7" fmla="*/ 104581 w 1981202"/>
+                    <a:gd name="connsiteY7" fmla="*/ 2867222 h 3538423"/>
+                    <a:gd name="connsiteX8" fmla="*/ 1 w 1981202"/>
+                    <a:gd name="connsiteY8" fmla="*/ 1981203 h 3538423"/>
+                    <a:gd name="connsiteX9" fmla="*/ 0 w 1981202"/>
+                    <a:gd name="connsiteY9" fmla="*/ 1981201 h 3538423"/>
+                    <a:gd name="connsiteX0" fmla="*/ 0 w 1981202"/>
+                    <a:gd name="connsiteY0" fmla="*/ 1981201 h 3145265"/>
+                    <a:gd name="connsiteX1" fmla="*/ 104581 w 1981202"/>
+                    <a:gd name="connsiteY1" fmla="*/ 1095181 h 3145265"/>
+                    <a:gd name="connsiteX2" fmla="*/ 990604 w 1981202"/>
+                    <a:gd name="connsiteY2" fmla="*/ 3 h 3145265"/>
+                    <a:gd name="connsiteX3" fmla="*/ 1876622 w 1981202"/>
+                    <a:gd name="connsiteY3" fmla="*/ 1095185 h 3145265"/>
+                    <a:gd name="connsiteX4" fmla="*/ 1981202 w 1981202"/>
+                    <a:gd name="connsiteY4" fmla="*/ 1981204 h 3145265"/>
+                    <a:gd name="connsiteX5" fmla="*/ 1876622 w 1981202"/>
+                    <a:gd name="connsiteY5" fmla="*/ 2474065 h 3145265"/>
+                    <a:gd name="connsiteX6" fmla="*/ 990601 w 1981202"/>
+                    <a:gd name="connsiteY6" fmla="*/ 3035847 h 3145265"/>
+                    <a:gd name="connsiteX7" fmla="*/ 104583 w 1981202"/>
+                    <a:gd name="connsiteY7" fmla="*/ 2474065 h 3145265"/>
+                    <a:gd name="connsiteX8" fmla="*/ 1 w 1981202"/>
+                    <a:gd name="connsiteY8" fmla="*/ 1981203 h 3145265"/>
+                    <a:gd name="connsiteX9" fmla="*/ 0 w 1981202"/>
+                    <a:gd name="connsiteY9" fmla="*/ 1981201 h 3145265"/>
+                    <a:gd name="connsiteX0" fmla="*/ 0 w 1981202"/>
+                    <a:gd name="connsiteY0" fmla="*/ 1981201 h 3145265"/>
+                    <a:gd name="connsiteX1" fmla="*/ 104581 w 1981202"/>
+                    <a:gd name="connsiteY1" fmla="*/ 1095181 h 3145265"/>
+                    <a:gd name="connsiteX2" fmla="*/ 990604 w 1981202"/>
+                    <a:gd name="connsiteY2" fmla="*/ 3 h 3145265"/>
+                    <a:gd name="connsiteX3" fmla="*/ 1876622 w 1981202"/>
+                    <a:gd name="connsiteY3" fmla="*/ 1095185 h 3145265"/>
+                    <a:gd name="connsiteX4" fmla="*/ 1981202 w 1981202"/>
+                    <a:gd name="connsiteY4" fmla="*/ 1981204 h 3145265"/>
+                    <a:gd name="connsiteX5" fmla="*/ 1876622 w 1981202"/>
+                    <a:gd name="connsiteY5" fmla="*/ 2474065 h 3145265"/>
+                    <a:gd name="connsiteX6" fmla="*/ 990601 w 1981202"/>
+                    <a:gd name="connsiteY6" fmla="*/ 2642689 h 3145265"/>
+                    <a:gd name="connsiteX7" fmla="*/ 104583 w 1981202"/>
+                    <a:gd name="connsiteY7" fmla="*/ 2474065 h 3145265"/>
+                    <a:gd name="connsiteX8" fmla="*/ 1 w 1981202"/>
+                    <a:gd name="connsiteY8" fmla="*/ 1981203 h 3145265"/>
+                    <a:gd name="connsiteX9" fmla="*/ 0 w 1981202"/>
+                    <a:gd name="connsiteY9" fmla="*/ 1981201 h 3145265"/>
+                    <a:gd name="connsiteX0" fmla="*/ 0 w 1981202"/>
+                    <a:gd name="connsiteY0" fmla="*/ 1981201 h 3145265"/>
+                    <a:gd name="connsiteX1" fmla="*/ 104581 w 1981202"/>
+                    <a:gd name="connsiteY1" fmla="*/ 1095181 h 3145265"/>
+                    <a:gd name="connsiteX2" fmla="*/ 990604 w 1981202"/>
+                    <a:gd name="connsiteY2" fmla="*/ 3 h 3145265"/>
+                    <a:gd name="connsiteX3" fmla="*/ 1876622 w 1981202"/>
+                    <a:gd name="connsiteY3" fmla="*/ 1095185 h 3145265"/>
+                    <a:gd name="connsiteX4" fmla="*/ 1981202 w 1981202"/>
+                    <a:gd name="connsiteY4" fmla="*/ 1981204 h 3145265"/>
+                    <a:gd name="connsiteX5" fmla="*/ 1876622 w 1981202"/>
+                    <a:gd name="connsiteY5" fmla="*/ 2474065 h 3145265"/>
+                    <a:gd name="connsiteX6" fmla="*/ 990601 w 1981202"/>
+                    <a:gd name="connsiteY6" fmla="*/ 2642689 h 3145265"/>
+                    <a:gd name="connsiteX7" fmla="*/ 104583 w 1981202"/>
+                    <a:gd name="connsiteY7" fmla="*/ 2474065 h 3145265"/>
+                    <a:gd name="connsiteX8" fmla="*/ 1 w 1981202"/>
+                    <a:gd name="connsiteY8" fmla="*/ 1981203 h 3145265"/>
+                    <a:gd name="connsiteX9" fmla="*/ 0 w 1981202"/>
+                    <a:gd name="connsiteY9" fmla="*/ 1981201 h 3145265"/>
+                    <a:gd name="connsiteX0" fmla="*/ 0 w 1981202"/>
+                    <a:gd name="connsiteY0" fmla="*/ 1981201 h 3145265"/>
+                    <a:gd name="connsiteX1" fmla="*/ 104581 w 1981202"/>
+                    <a:gd name="connsiteY1" fmla="*/ 1095181 h 3145265"/>
+                    <a:gd name="connsiteX2" fmla="*/ 990604 w 1981202"/>
+                    <a:gd name="connsiteY2" fmla="*/ 3 h 3145265"/>
+                    <a:gd name="connsiteX3" fmla="*/ 1876622 w 1981202"/>
+                    <a:gd name="connsiteY3" fmla="*/ 1095185 h 3145265"/>
+                    <a:gd name="connsiteX4" fmla="*/ 1981202 w 1981202"/>
+                    <a:gd name="connsiteY4" fmla="*/ 1981204 h 3145265"/>
+                    <a:gd name="connsiteX5" fmla="*/ 1876622 w 1981202"/>
+                    <a:gd name="connsiteY5" fmla="*/ 2474065 h 3145265"/>
+                    <a:gd name="connsiteX6" fmla="*/ 990601 w 1981202"/>
+                    <a:gd name="connsiteY6" fmla="*/ 2642689 h 3145265"/>
+                    <a:gd name="connsiteX7" fmla="*/ 104583 w 1981202"/>
+                    <a:gd name="connsiteY7" fmla="*/ 2474065 h 3145265"/>
+                    <a:gd name="connsiteX8" fmla="*/ 1 w 1981202"/>
+                    <a:gd name="connsiteY8" fmla="*/ 1981203 h 3145265"/>
+                    <a:gd name="connsiteX9" fmla="*/ 0 w 1981202"/>
+                    <a:gd name="connsiteY9" fmla="*/ 1981201 h 3145265"/>
+                    <a:gd name="connsiteX0" fmla="*/ 0 w 1981202"/>
+                    <a:gd name="connsiteY0" fmla="*/ 1981201 h 3145265"/>
+                    <a:gd name="connsiteX1" fmla="*/ 104581 w 1981202"/>
+                    <a:gd name="connsiteY1" fmla="*/ 1095181 h 3145265"/>
+                    <a:gd name="connsiteX2" fmla="*/ 990604 w 1981202"/>
+                    <a:gd name="connsiteY2" fmla="*/ 3 h 3145265"/>
+                    <a:gd name="connsiteX3" fmla="*/ 1876622 w 1981202"/>
+                    <a:gd name="connsiteY3" fmla="*/ 1095185 h 3145265"/>
+                    <a:gd name="connsiteX4" fmla="*/ 1981202 w 1981202"/>
+                    <a:gd name="connsiteY4" fmla="*/ 1981204 h 3145265"/>
+                    <a:gd name="connsiteX5" fmla="*/ 1876622 w 1981202"/>
+                    <a:gd name="connsiteY5" fmla="*/ 2474065 h 3145265"/>
+                    <a:gd name="connsiteX6" fmla="*/ 990601 w 1981202"/>
+                    <a:gd name="connsiteY6" fmla="*/ 2642689 h 3145265"/>
+                    <a:gd name="connsiteX7" fmla="*/ 104583 w 1981202"/>
+                    <a:gd name="connsiteY7" fmla="*/ 2474065 h 3145265"/>
+                    <a:gd name="connsiteX8" fmla="*/ 1 w 1981202"/>
+                    <a:gd name="connsiteY8" fmla="*/ 1981203 h 3145265"/>
+                    <a:gd name="connsiteX9" fmla="*/ 0 w 1981202"/>
+                    <a:gd name="connsiteY9" fmla="*/ 1981201 h 3145265"/>
+                    <a:gd name="connsiteX0" fmla="*/ 0 w 1981202"/>
+                    <a:gd name="connsiteY0" fmla="*/ 1981201 h 3145265"/>
+                    <a:gd name="connsiteX1" fmla="*/ 104581 w 1981202"/>
+                    <a:gd name="connsiteY1" fmla="*/ 1095181 h 3145265"/>
+                    <a:gd name="connsiteX2" fmla="*/ 990604 w 1981202"/>
+                    <a:gd name="connsiteY2" fmla="*/ 3 h 3145265"/>
+                    <a:gd name="connsiteX3" fmla="*/ 1876622 w 1981202"/>
+                    <a:gd name="connsiteY3" fmla="*/ 1095185 h 3145265"/>
+                    <a:gd name="connsiteX4" fmla="*/ 1981202 w 1981202"/>
+                    <a:gd name="connsiteY4" fmla="*/ 1981204 h 3145265"/>
+                    <a:gd name="connsiteX5" fmla="*/ 1876622 w 1981202"/>
+                    <a:gd name="connsiteY5" fmla="*/ 2474065 h 3145265"/>
+                    <a:gd name="connsiteX6" fmla="*/ 990601 w 1981202"/>
+                    <a:gd name="connsiteY6" fmla="*/ 2642689 h 3145265"/>
+                    <a:gd name="connsiteX7" fmla="*/ 104583 w 1981202"/>
+                    <a:gd name="connsiteY7" fmla="*/ 2474065 h 3145265"/>
+                    <a:gd name="connsiteX8" fmla="*/ 1 w 1981202"/>
+                    <a:gd name="connsiteY8" fmla="*/ 1981203 h 3145265"/>
+                    <a:gd name="connsiteX9" fmla="*/ 0 w 1981202"/>
+                    <a:gd name="connsiteY9" fmla="*/ 1981201 h 3145265"/>
+                  </a:gdLst>
+                  <a:ahLst/>
+                  <a:cxnLst>
+                    <a:cxn ang="0">
+                      <a:pos x="connsiteX0" y="connsiteY0"/>
+                    </a:cxn>
+                    <a:cxn ang="0">
+                      <a:pos x="connsiteX1" y="connsiteY1"/>
+                    </a:cxn>
+                    <a:cxn ang="0">
+                      <a:pos x="connsiteX2" y="connsiteY2"/>
+                    </a:cxn>
+                    <a:cxn ang="0">
+                      <a:pos x="connsiteX3" y="connsiteY3"/>
+                    </a:cxn>
+                    <a:cxn ang="0">
+                      <a:pos x="connsiteX4" y="connsiteY4"/>
+                    </a:cxn>
+                    <a:cxn ang="0">
+                      <a:pos x="connsiteX5" y="connsiteY5"/>
+                    </a:cxn>
+                    <a:cxn ang="0">
+                      <a:pos x="connsiteX6" y="connsiteY6"/>
+                    </a:cxn>
+                    <a:cxn ang="0">
+                      <a:pos x="connsiteX7" y="connsiteY7"/>
+                    </a:cxn>
+                    <a:cxn ang="0">
+                      <a:pos x="connsiteX8" y="connsiteY8"/>
+                    </a:cxn>
+                    <a:cxn ang="0">
+                      <a:pos x="connsiteX9" y="connsiteY9"/>
+                    </a:cxn>
+                  </a:cxnLst>
+                  <a:rect l="l" t="t" r="r" b="b"/>
+                  <a:pathLst>
+                    <a:path w="1981202" h="3145265">
+                      <a:moveTo>
+                        <a:pt x="0" y="1981201"/>
+                      </a:moveTo>
+                      <a:cubicBezTo>
+                        <a:pt x="0" y="1673629"/>
+                        <a:pt x="35806" y="1370281"/>
+                        <a:pt x="104581" y="1095181"/>
+                      </a:cubicBezTo>
+                      <a:cubicBezTo>
+                        <a:pt x="272381" y="423981"/>
+                        <a:pt x="615391" y="0"/>
+                        <a:pt x="990604" y="3"/>
+                      </a:cubicBezTo>
+                      <a:cubicBezTo>
+                        <a:pt x="1365815" y="5"/>
+                        <a:pt x="1708823" y="423987"/>
+                        <a:pt x="1876622" y="1095185"/>
+                      </a:cubicBezTo>
+                      <a:cubicBezTo>
+                        <a:pt x="1945397" y="1370285"/>
+                        <a:pt x="1981202" y="1751391"/>
+                        <a:pt x="1981202" y="1981204"/>
+                      </a:cubicBezTo>
+                      <a:cubicBezTo>
+                        <a:pt x="1981202" y="2211017"/>
+                        <a:pt x="1945398" y="2198964"/>
+                        <a:pt x="1876622" y="2474065"/>
+                      </a:cubicBezTo>
+                      <a:cubicBezTo>
+                        <a:pt x="1708822" y="3145264"/>
+                        <a:pt x="1646805" y="2524742"/>
+                        <a:pt x="990601" y="2642689"/>
+                      </a:cubicBezTo>
+                      <a:cubicBezTo>
+                        <a:pt x="291947" y="2544400"/>
+                        <a:pt x="272383" y="3145264"/>
+                        <a:pt x="104583" y="2474065"/>
+                      </a:cubicBezTo>
+                      <a:cubicBezTo>
+                        <a:pt x="35808" y="2198965"/>
+                        <a:pt x="1" y="2288774"/>
+                        <a:pt x="1" y="1981203"/>
+                      </a:cubicBezTo>
+                      <a:cubicBezTo>
+                        <a:pt x="1" y="1981202"/>
+                        <a:pt x="0" y="1981202"/>
+                        <a:pt x="0" y="1981201"/>
+                      </a:cubicBezTo>
+                      <a:close/>
+                    </a:path>
+                  </a:pathLst>
+                </a:custGeom>
+                <a:grpFill/>
+                <a:ln w="6350">
+                  <a:solidFill>
+                    <a:schemeClr val="tx1"/>
+                  </a:solidFill>
+                </a:ln>
+              </p:spPr>
+              <p:style>
+                <a:lnRef idx="2">
+                  <a:schemeClr val="accent1">
+                    <a:shade val="50000"/>
+                  </a:schemeClr>
+                </a:lnRef>
+                <a:fillRef idx="1">
+                  <a:schemeClr val="accent1"/>
+                </a:fillRef>
+                <a:effectRef idx="0">
+                  <a:schemeClr val="accent1"/>
+                </a:effectRef>
+                <a:fontRef idx="minor">
+                  <a:schemeClr val="lt1"/>
+                </a:fontRef>
+              </p:style>
+              <p:txBody>
+                <a:bodyPr rtlCol="0" anchor="ctr"/>
+                <a:lstStyle/>
+                <a:p>
+                  <a:pPr algn="ctr"/>
+                  <a:endParaRPr lang="en-US"/>
+                </a:p>
+              </p:txBody>
+            </p:sp>
+          </p:grpSp>
+          <p:sp>
+            <p:nvSpPr>
+              <p:cNvPr id="45" name="Moon 44"/>
+              <p:cNvSpPr/>
+              <p:nvPr/>
+            </p:nvSpPr>
+            <p:spPr>
+              <a:xfrm rot="16723351">
+                <a:off x="4146407" y="1980577"/>
+                <a:ext cx="457200" cy="1073090"/>
+              </a:xfrm>
+              <a:prstGeom prst="moon">
+                <a:avLst/>
+              </a:prstGeom>
+              <a:solidFill>
+                <a:srgbClr val="73E9F9"/>
+              </a:solidFill>
+              <a:ln w="6350">
+                <a:solidFill>
+                  <a:srgbClr val="73E9F9"/>
+                </a:solidFill>
+              </a:ln>
+              <a:effectLst>
+                <a:softEdge rad="31750"/>
+              </a:effectLst>
+            </p:spPr>
+            <p:style>
+              <a:lnRef idx="2">
+                <a:schemeClr val="accent1">
+                  <a:shade val="50000"/>
+                </a:schemeClr>
+              </a:lnRef>
+              <a:fillRef idx="1">
+                <a:schemeClr val="accent1"/>
+              </a:fillRef>
+              <a:effectRef idx="0">
+                <a:schemeClr val="accent1"/>
+              </a:effectRef>
+              <a:fontRef idx="minor">
+                <a:schemeClr val="lt1"/>
+              </a:fontRef>
+            </p:style>
+            <p:txBody>
+              <a:bodyPr rtlCol="0" anchor="ctr"/>
+              <a:lstStyle/>
+              <a:p>
+                <a:pPr algn="ctr"/>
+                <a:endParaRPr lang="en-US"/>
+              </a:p>
+            </p:txBody>
+          </p:sp>
+          <p:grpSp>
+            <p:nvGrpSpPr>
+              <p:cNvPr id="46" name="Group 45"/>
+              <p:cNvGrpSpPr/>
+              <p:nvPr/>
+            </p:nvGrpSpPr>
+            <p:grpSpPr>
+              <a:xfrm>
+                <a:off x="2819403" y="1676400"/>
+                <a:ext cx="152507" cy="304800"/>
+                <a:chOff x="2133600" y="2667000"/>
+                <a:chExt cx="762000" cy="1219200"/>
+              </a:xfrm>
+            </p:grpSpPr>
+            <p:sp>
+              <p:nvSpPr>
+                <p:cNvPr id="50" name="Moon 49"/>
+                <p:cNvSpPr/>
+                <p:nvPr/>
+              </p:nvSpPr>
+              <p:spPr>
+                <a:xfrm>
+                  <a:off x="2133600" y="2667000"/>
+                  <a:ext cx="457200" cy="1219200"/>
+                </a:xfrm>
+                <a:prstGeom prst="moon">
+                  <a:avLst/>
+                </a:prstGeom>
+                <a:solidFill>
+                  <a:schemeClr val="tx1"/>
+                </a:solidFill>
+                <a:ln>
+                  <a:solidFill>
+                    <a:schemeClr val="tx1"/>
+                  </a:solidFill>
+                </a:ln>
+              </p:spPr>
+              <p:style>
+                <a:lnRef idx="2">
+                  <a:schemeClr val="accent1">
+                    <a:shade val="50000"/>
+                  </a:schemeClr>
+                </a:lnRef>
+                <a:fillRef idx="1">
+                  <a:schemeClr val="accent1"/>
+                </a:fillRef>
+                <a:effectRef idx="0">
+                  <a:schemeClr val="accent1"/>
+                </a:effectRef>
+                <a:fontRef idx="minor">
+                  <a:schemeClr val="lt1"/>
+                </a:fontRef>
+              </p:style>
+              <p:txBody>
+                <a:bodyPr rtlCol="0" anchor="ctr"/>
+                <a:lstStyle/>
+                <a:p>
+                  <a:pPr algn="ctr"/>
+                  <a:endParaRPr lang="en-US"/>
+                </a:p>
+              </p:txBody>
+            </p:sp>
+            <p:sp>
+              <p:nvSpPr>
+                <p:cNvPr id="51" name="Oval 50"/>
+                <p:cNvSpPr/>
+                <p:nvPr/>
+              </p:nvSpPr>
+              <p:spPr>
+                <a:xfrm>
+                  <a:off x="2286000" y="2667000"/>
+                  <a:ext cx="609600" cy="762000"/>
+                </a:xfrm>
+                <a:prstGeom prst="ellipse">
+                  <a:avLst/>
+                </a:prstGeom>
+                <a:solidFill>
+                  <a:schemeClr val="tx1"/>
+                </a:solidFill>
+                <a:ln>
+                  <a:solidFill>
+                    <a:schemeClr val="tx1"/>
+                  </a:solidFill>
+                </a:ln>
+              </p:spPr>
+              <p:style>
+                <a:lnRef idx="2">
+                  <a:schemeClr val="accent1">
+                    <a:shade val="50000"/>
+                  </a:schemeClr>
+                </a:lnRef>
+                <a:fillRef idx="1">
+                  <a:schemeClr val="accent1"/>
+                </a:fillRef>
+                <a:effectRef idx="0">
+                  <a:schemeClr val="accent1"/>
+                </a:effectRef>
+                <a:fontRef idx="minor">
+                  <a:schemeClr val="lt1"/>
+                </a:fontRef>
+              </p:style>
+              <p:txBody>
+                <a:bodyPr rtlCol="0" anchor="ctr"/>
+                <a:lstStyle/>
+                <a:p>
+                  <a:pPr algn="ctr"/>
+                  <a:endParaRPr lang="en-US"/>
+                </a:p>
+              </p:txBody>
+            </p:sp>
+          </p:grpSp>
+          <p:grpSp>
+            <p:nvGrpSpPr>
+              <p:cNvPr id="47" name="Group 46"/>
+              <p:cNvGrpSpPr/>
+              <p:nvPr/>
+            </p:nvGrpSpPr>
+            <p:grpSpPr>
+              <a:xfrm flipH="1">
+                <a:off x="5714996" y="1676400"/>
+                <a:ext cx="152507" cy="304800"/>
+                <a:chOff x="2133600" y="2667000"/>
+                <a:chExt cx="762000" cy="1219200"/>
+              </a:xfrm>
+            </p:grpSpPr>
+            <p:sp>
+              <p:nvSpPr>
+                <p:cNvPr id="48" name="Moon 47"/>
+                <p:cNvSpPr/>
+                <p:nvPr/>
+              </p:nvSpPr>
+              <p:spPr>
+                <a:xfrm>
+                  <a:off x="2133600" y="2667000"/>
+                  <a:ext cx="457200" cy="1219200"/>
+                </a:xfrm>
+                <a:prstGeom prst="moon">
+                  <a:avLst/>
+                </a:prstGeom>
+                <a:solidFill>
+                  <a:schemeClr val="tx1"/>
+                </a:solidFill>
+                <a:ln>
+                  <a:solidFill>
+                    <a:schemeClr val="tx1"/>
+                  </a:solidFill>
+                </a:ln>
+              </p:spPr>
+              <p:style>
+                <a:lnRef idx="2">
+                  <a:schemeClr val="accent1">
+                    <a:shade val="50000"/>
+                  </a:schemeClr>
+                </a:lnRef>
+                <a:fillRef idx="1">
+                  <a:schemeClr val="accent1"/>
+                </a:fillRef>
+                <a:effectRef idx="0">
+                  <a:schemeClr val="accent1"/>
+                </a:effectRef>
+                <a:fontRef idx="minor">
+                  <a:schemeClr val="lt1"/>
+                </a:fontRef>
+              </p:style>
+              <p:txBody>
+                <a:bodyPr rtlCol="0" anchor="ctr"/>
+                <a:lstStyle/>
+                <a:p>
+                  <a:pPr algn="ctr"/>
+                  <a:endParaRPr lang="en-US"/>
+                </a:p>
+              </p:txBody>
+            </p:sp>
+            <p:sp>
+              <p:nvSpPr>
+                <p:cNvPr id="49" name="Oval 48"/>
+                <p:cNvSpPr/>
+                <p:nvPr/>
+              </p:nvSpPr>
+              <p:spPr>
+                <a:xfrm>
+                  <a:off x="2286000" y="2667000"/>
+                  <a:ext cx="609600" cy="762000"/>
+                </a:xfrm>
+                <a:prstGeom prst="ellipse">
+                  <a:avLst/>
+                </a:prstGeom>
+                <a:solidFill>
+                  <a:schemeClr val="tx1"/>
+                </a:solidFill>
+                <a:ln>
+                  <a:solidFill>
+                    <a:schemeClr val="tx1"/>
+                  </a:solidFill>
+                </a:ln>
+              </p:spPr>
+              <p:style>
+                <a:lnRef idx="2">
+                  <a:schemeClr val="accent1">
+                    <a:shade val="50000"/>
+                  </a:schemeClr>
+                </a:lnRef>
+                <a:fillRef idx="1">
+                  <a:schemeClr val="accent1"/>
+                </a:fillRef>
+                <a:effectRef idx="0">
+                  <a:schemeClr val="accent1"/>
+                </a:effectRef>
+                <a:fontRef idx="minor">
+                  <a:schemeClr val="lt1"/>
+                </a:fontRef>
+              </p:style>
+              <p:txBody>
+                <a:bodyPr rtlCol="0" anchor="ctr"/>
+                <a:lstStyle/>
+                <a:p>
+                  <a:pPr algn="ctr"/>
+                  <a:endParaRPr lang="en-US"/>
+                </a:p>
+              </p:txBody>
+            </p:sp>
+          </p:grpSp>
+        </p:grpSp>
+        <p:pic>
+          <p:nvPicPr>
+            <p:cNvPr id="39" name="Picture 4" descr="C:\Users\Anish\Desktop\peepo eyes.png"/>
+            <p:cNvPicPr>
+              <a:picLocks noChangeAspect="1" noChangeArrowheads="1"/>
+            </p:cNvPicPr>
+            <p:nvPr/>
+          </p:nvPicPr>
+          <p:blipFill>
+            <a:blip r:embed="rId3"/>
+            <a:srcRect/>
+            <a:stretch>
+              <a:fillRect/>
+            </a:stretch>
+          </p:blipFill>
+          <p:spPr bwMode="auto">
+            <a:xfrm>
+              <a:off x="3429000" y="381000"/>
+              <a:ext cx="1981200" cy="1839685"/>
+            </a:xfrm>
+            <a:prstGeom prst="rect">
+              <a:avLst/>
+            </a:prstGeom>
+            <a:noFill/>
+          </p:spPr>
+        </p:pic>
+      </p:grpSp>
+      <p:sp>
+        <p:nvSpPr>
+          <p:cNvPr id="80" name="TextBox 79"/>
+          <p:cNvSpPr txBox="1"/>
+          <p:nvPr/>
+        </p:nvSpPr>
+        <p:spPr>
+          <a:xfrm>
+            <a:off x="4648200" y="838200"/>
+            <a:ext cx="1752600" cy="1754326"/>
+          </a:xfrm>
+          <a:prstGeom prst="rect">
+            <a:avLst/>
+          </a:prstGeom>
+          <a:noFill/>
+        </p:spPr>
+        <p:txBody>
+          <a:bodyPr wrap="square" rtlCol="0">
+            <a:spAutoFit/>
+          </a:bodyPr>
+          <a:lstStyle/>
+          <a:p>
+            <a:r>
+              <a:rPr lang="en-US" dirty="0"/>
+              <a:t>OUTPUT:</a:t>
+            </a:r>
+          </a:p>
+          <a:p>
+            <a:r>
+              <a:rPr lang="en-US" dirty="0"/>
+              <a:t>&gt;&gt;&gt;Hello World</a:t>
+            </a:r>
+          </a:p>
+          <a:p>
+            <a:r>
+              <a:rPr lang="en-US" dirty="0"/>
+              <a:t>&gt;&gt;&gt;I am </a:t>
+            </a:r>
+            <a:r>
+              <a:rPr lang="en-US" dirty="0" err="1"/>
+              <a:t>Peepo</a:t>
+            </a:r>
+            <a:r>
+              <a:rPr lang="en-US" dirty="0"/>
+              <a:t> your tutor </a:t>
+            </a:r>
+            <a:r>
+              <a:rPr lang="en-US" dirty="0" err="1"/>
+              <a:t>khikhikhikhi</a:t>
+            </a:r>
+            <a:endParaRPr lang="en-US" dirty="0"/>
+          </a:p>
+          <a:p>
+            <a:endParaRPr lang="en-US" dirty="0"/>
+          </a:p>
+        </p:txBody>
+      </p:sp>
+      <p:pic>
+        <p:nvPicPr>
+          <p:cNvPr id="2" name="Picture 1">
+            <a:extLst>
+              <a:ext uri="{FF2B5EF4-FFF2-40B4-BE49-F238E27FC236}">
+                <a16:creationId xmlns:a16="http://schemas.microsoft.com/office/drawing/2014/main" id="{EA95F720-2FF8-427C-8562-B7F9A3AC33E7}"/>
+              </a:ext>
+            </a:extLst>
+          </p:cNvPr>
+          <p:cNvPicPr>
+            <a:picLocks noChangeAspect="1"/>
+          </p:cNvPicPr>
+          <p:nvPr/>
+        </p:nvPicPr>
+        <p:blipFill>
+          <a:blip r:embed="rId4"/>
+          <a:stretch>
+            <a:fillRect/>
+          </a:stretch>
+        </p:blipFill>
+        <p:spPr>
+          <a:xfrm>
+            <a:off x="5047429" y="5203067"/>
+            <a:ext cx="3070766" cy="1864296"/>
+          </a:xfrm>
+          <a:prstGeom prst="rect">
+            <a:avLst/>
+          </a:prstGeom>
+        </p:spPr>
+      </p:pic>
+    </p:spTree>
+  </p:cSld>
+  <p:clrMapOvr>
+    <a:masterClrMapping/>
+  </p:clrMapOvr>
+</p:sld>
+</file>
+
+<file path=ppt/slides/slide3.xml><?xml version="1.0" encoding="utf-8"?>
+<p:sld xmlns:a="http://schemas.openxmlformats.org/drawingml/2006/main" xmlns:r="http://schemas.openxmlformats.org/officeDocument/2006/relationships" xmlns:p="http://schemas.openxmlformats.org/presentationml/2006/main">
+  <p:cSld>
+    <p:spTree>
+      <p:nvGrpSpPr>
+        <p:cNvPr id="1" name=""/>
+        <p:cNvGrpSpPr/>
+        <p:nvPr/>
+      </p:nvGrpSpPr>
+      <p:grpSpPr>
+        <a:xfrm>
+          <a:off x="0" y="0"/>
+          <a:ext cx="0" cy="0"/>
+          <a:chOff x="0" y="0"/>
+          <a:chExt cx="0" cy="0"/>
+        </a:xfrm>
+      </p:grpSpPr>
+      <p:sp>
+        <p:nvSpPr>
+          <p:cNvPr id="74" name="Rectangle 73"/>
+          <p:cNvSpPr/>
+          <p:nvPr/>
+        </p:nvSpPr>
+        <p:spPr>
+          <a:xfrm>
+            <a:off x="0" y="0"/>
+            <a:ext cx="9144000" cy="7162800"/>
+          </a:xfrm>
+          <a:prstGeom prst="rect">
+            <a:avLst/>
+          </a:prstGeom>
+          <a:solidFill>
+            <a:schemeClr val="tx2">
+              <a:lumMod val="60000"/>
+              <a:lumOff val="40000"/>
+            </a:schemeClr>
+          </a:solidFill>
+        </p:spPr>
+        <p:style>
+          <a:lnRef idx="2">
+            <a:schemeClr val="accent1">
+              <a:shade val="50000"/>
+            </a:schemeClr>
+          </a:lnRef>
+          <a:fillRef idx="1">
+            <a:schemeClr val="accent1"/>
+          </a:fillRef>
+          <a:effectRef idx="0">
+            <a:schemeClr val="accent1"/>
+          </a:effectRef>
+          <a:fontRef idx="minor">
+            <a:schemeClr val="lt1"/>
+          </a:fontRef>
+        </p:style>
+        <p:txBody>
+          <a:bodyPr rtlCol="0" anchor="ctr"/>
+          <a:lstStyle/>
+          <a:p>
+            <a:pPr algn="ctr"/>
+            <a:endParaRPr lang="en-US"/>
+          </a:p>
+        </p:txBody>
+      </p:sp>
+      <p:sp>
+        <p:nvSpPr>
+          <p:cNvPr id="75" name="Rectangle 74"/>
+          <p:cNvSpPr/>
+          <p:nvPr/>
+        </p:nvSpPr>
+        <p:spPr>
+          <a:xfrm>
+            <a:off x="0" y="6362700"/>
+            <a:ext cx="9144000" cy="800100"/>
+          </a:xfrm>
+          <a:prstGeom prst="rect">
+            <a:avLst/>
+          </a:prstGeom>
+          <a:blipFill>
+            <a:blip r:embed="rId2"/>
+            <a:tile tx="0" ty="0" sx="100000" sy="100000" flip="none" algn="tl"/>
+          </a:blipFill>
+        </p:spPr>
+        <p:style>
+          <a:lnRef idx="2">
+            <a:schemeClr val="accent1">
+              <a:shade val="50000"/>
+            </a:schemeClr>
+          </a:lnRef>
+          <a:fillRef idx="1">
+            <a:schemeClr val="accent1"/>
+          </a:fillRef>
+          <a:effectRef idx="0">
+            <a:schemeClr val="accent1"/>
+          </a:effectRef>
+          <a:fontRef idx="minor">
+            <a:schemeClr val="lt1"/>
+          </a:fontRef>
+        </p:style>
+        <p:txBody>
+          <a:bodyPr rtlCol="0" anchor="ctr"/>
+          <a:lstStyle/>
+          <a:p>
+            <a:pPr algn="ctr"/>
+            <a:endParaRPr lang="en-US"/>
+          </a:p>
+        </p:txBody>
+      </p:sp>
+      <p:sp>
+        <p:nvSpPr>
+          <p:cNvPr id="73" name="Rectangle 72"/>
+          <p:cNvSpPr/>
+          <p:nvPr/>
+        </p:nvSpPr>
+        <p:spPr>
+          <a:xfrm>
+            <a:off x="457200" y="609600"/>
+            <a:ext cx="6096000" cy="5715000"/>
+          </a:xfrm>
+          <a:prstGeom prst="rect">
+            <a:avLst/>
+          </a:prstGeom>
+          <a:solidFill>
+            <a:schemeClr val="bg1"/>
+          </a:solidFill>
+          <a:ln w="76200">
+            <a:solidFill>
+              <a:schemeClr val="accent6">
+                <a:lumMod val="50000"/>
+              </a:schemeClr>
+            </a:solidFill>
+          </a:ln>
+        </p:spPr>
+        <p:style>
+          <a:lnRef idx="2">
+            <a:schemeClr val="accent1">
+              <a:shade val="50000"/>
+            </a:schemeClr>
+          </a:lnRef>
+          <a:fillRef idx="1">
+            <a:schemeClr val="accent1"/>
+          </a:fillRef>
+          <a:effectRef idx="0">
+            <a:schemeClr val="accent1"/>
+          </a:effectRef>
+          <a:fontRef idx="minor">
+            <a:schemeClr val="lt1"/>
+          </a:fontRef>
+        </p:style>
+        <p:txBody>
+          <a:bodyPr rtlCol="0" anchor="ctr"/>
+          <a:lstStyle/>
+          <a:p>
+            <a:endParaRPr lang="en-US" sz="2800" dirty="0">
+              <a:ln w="28575">
+                <a:solidFill>
+                  <a:sysClr val="windowText" lastClr="000000"/>
+                </a:solidFill>
+              </a:ln>
+              <a:solidFill>
+                <a:sysClr val="windowText" lastClr="000000"/>
+              </a:solidFill>
+            </a:endParaRPr>
+          </a:p>
+        </p:txBody>
+      </p:sp>
+      <p:sp>
+        <p:nvSpPr>
+          <p:cNvPr id="79" name="TextBox 78"/>
+          <p:cNvSpPr txBox="1"/>
+          <p:nvPr/>
+        </p:nvSpPr>
+        <p:spPr>
+          <a:xfrm>
+            <a:off x="609600" y="838200"/>
             <a:ext cx="3733800" cy="4524315"/>
           </a:xfrm>
           <a:prstGeom prst="rect">
@@ -7118,53 +11292,52 @@
           <a:lstStyle/>
           <a:p>
             <a:r>
-              <a:rPr lang="en-US" sz="3200" b="1" dirty="0" smtClean="0"/>
+              <a:rPr lang="en-US" sz="3200" b="1" dirty="0"/>
               <a:t>#welcome to python</a:t>
             </a:r>
           </a:p>
           <a:p>
-            <a:endParaRPr lang="en-US" sz="3200" b="1" dirty="0" smtClean="0"/>
+            <a:endParaRPr lang="en-US" sz="3200" b="1" dirty="0"/>
           </a:p>
           <a:p>
             <a:r>
-              <a:rPr lang="en-US" sz="3200" b="1" dirty="0" smtClean="0"/>
+              <a:rPr lang="en-US" sz="3200" b="1" dirty="0"/>
               <a:t>A = “Hello World!”</a:t>
             </a:r>
           </a:p>
           <a:p>
-            <a:endParaRPr lang="en-US" sz="3200" b="1" dirty="0" smtClean="0"/>
+            <a:endParaRPr lang="en-US" sz="3200" b="1" dirty="0"/>
           </a:p>
           <a:p>
             <a:r>
-              <a:rPr lang="en-US" sz="3200" b="1" dirty="0" smtClean="0"/>
+              <a:rPr lang="en-US" sz="3200" b="1" dirty="0"/>
               <a:t>print(A)</a:t>
             </a:r>
           </a:p>
           <a:p>
-            <a:endParaRPr lang="en-US" sz="3200" b="1" dirty="0" smtClean="0"/>
+            <a:endParaRPr lang="en-US" sz="3200" b="1" dirty="0"/>
           </a:p>
           <a:p>
             <a:r>
-              <a:rPr lang="en-US" sz="3200" b="1" dirty="0" smtClean="0"/>
+              <a:rPr lang="en-US" sz="3200" b="1" dirty="0"/>
               <a:t>print(“I am </a:t>
             </a:r>
             <a:r>
-              <a:rPr lang="en-US" sz="3200" b="1" dirty="0" err="1" smtClean="0"/>
+              <a:rPr lang="en-US" sz="3200" b="1" dirty="0" err="1"/>
               <a:t>Peepo</a:t>
             </a:r>
             <a:r>
-              <a:rPr lang="en-US" sz="3200" b="1" dirty="0" smtClean="0"/>
+              <a:rPr lang="en-US" sz="3200" b="1" dirty="0"/>
               <a:t> your tutor </a:t>
             </a:r>
             <a:r>
-              <a:rPr lang="en-US" sz="3200" b="1" dirty="0" err="1" smtClean="0"/>
+              <a:rPr lang="en-US" sz="3200" b="1" dirty="0" err="1"/>
               <a:t>khikhikhikhi</a:t>
             </a:r>
             <a:r>
-              <a:rPr lang="en-US" sz="3200" b="1" dirty="0" smtClean="0"/>
+              <a:rPr lang="en-US" sz="3200" b="1" dirty="0"/>
               <a:t>”)</a:t>
             </a:r>
-            <a:endParaRPr lang="en-US" sz="3200" b="1" dirty="0"/>
           </a:p>
         </p:txBody>
       </p:sp>
@@ -11065,32 +15238,6 @@
           </a:fontRef>
         </p:style>
       </p:cxnSp>
-      <p:pic>
-        <p:nvPicPr>
-          <p:cNvPr id="2050" name="Picture 2" descr="C:\Users\Anish\Desktop\python drawing.png"/>
-          <p:cNvPicPr>
-            <a:picLocks noChangeAspect="1" noChangeArrowheads="1"/>
-          </p:cNvPicPr>
-          <p:nvPr/>
-        </p:nvPicPr>
-        <p:blipFill>
-          <a:blip r:embed="rId4"/>
-          <a:srcRect/>
-          <a:stretch>
-            <a:fillRect/>
-          </a:stretch>
-        </p:blipFill>
-        <p:spPr bwMode="auto">
-          <a:xfrm>
-            <a:off x="6477000" y="3048000"/>
-            <a:ext cx="2143125" cy="1981200"/>
-          </a:xfrm>
-          <a:prstGeom prst="rect">
-            <a:avLst/>
-          </a:prstGeom>
-          <a:noFill/>
-        </p:spPr>
-      </p:pic>
       <p:sp>
         <p:nvSpPr>
           <p:cNvPr id="80" name="TextBox 79"/>
@@ -11114,34 +15261,34 @@
           <a:lstStyle/>
           <a:p>
             <a:r>
-              <a:rPr lang="en-US" dirty="0" smtClean="0"/>
+              <a:rPr lang="en-US" dirty="0"/>
               <a:t>OUTPUT:</a:t>
             </a:r>
           </a:p>
           <a:p>
             <a:r>
-              <a:rPr lang="en-US" dirty="0" smtClean="0"/>
+              <a:rPr lang="en-US" dirty="0"/>
               <a:t>&gt;&gt;&gt;Hello World</a:t>
             </a:r>
           </a:p>
           <a:p>
             <a:r>
-              <a:rPr lang="en-US" dirty="0" smtClean="0"/>
+              <a:rPr lang="en-US" dirty="0"/>
               <a:t>&gt;&gt;&gt;I am </a:t>
             </a:r>
             <a:r>
-              <a:rPr lang="en-US" dirty="0" err="1" smtClean="0"/>
+              <a:rPr lang="en-US" dirty="0" err="1"/>
               <a:t>Peepo</a:t>
             </a:r>
             <a:r>
-              <a:rPr lang="en-US" dirty="0" smtClean="0"/>
+              <a:rPr lang="en-US" dirty="0"/>
               <a:t> your tutor </a:t>
             </a:r>
             <a:r>
-              <a:rPr lang="en-US" dirty="0" err="1" smtClean="0"/>
+              <a:rPr lang="en-US" dirty="0" err="1"/>
               <a:t>khikhikhikhi</a:t>
             </a:r>
-            <a:endParaRPr lang="en-US" dirty="0" smtClean="0"/>
+            <a:endParaRPr lang="en-US" dirty="0"/>
           </a:p>
           <a:p>
             <a:endParaRPr lang="en-US" dirty="0"/>
@@ -11149,6 +15296,11 @@
         </p:txBody>
       </p:sp>
     </p:spTree>
+    <p:extLst>
+      <p:ext uri="{BB962C8B-B14F-4D97-AF65-F5344CB8AC3E}">
+        <p14:creationId xmlns:p14="http://schemas.microsoft.com/office/powerpoint/2010/main" val="556634389"/>
+      </p:ext>
+    </p:extLst>
   </p:cSld>
   <p:clrMapOvr>
     <a:masterClrMapping/>
